--- a/PPTs/Ziyarat Warith.pptx
+++ b/PPTs/Ziyarat Warith.pptx
@@ -119,16 +119,11 @@
       <p:regular r:id="rId104"/>
     </p:embeddedFont>
     <p:embeddedFont>
-      <p:font typeface="Calibri Light" panose="020F0302020204030204" pitchFamily="34" charset="0"/>
+      <p:font typeface="Trebuchet MS" panose="020B0603020202020204" pitchFamily="34" charset="0"/>
       <p:regular r:id="rId105"/>
-      <p:italic r:id="rId106"/>
-    </p:embeddedFont>
-    <p:embeddedFont>
-      <p:font typeface="Trebuchet MS" panose="020B0603020202020204" pitchFamily="34" charset="0"/>
-      <p:regular r:id="rId107"/>
-      <p:bold r:id="rId108"/>
-      <p:italic r:id="rId109"/>
-      <p:boldItalic r:id="rId110"/>
+      <p:bold r:id="rId106"/>
+      <p:italic r:id="rId107"/>
+      <p:boldItalic r:id="rId108"/>
     </p:embeddedFont>
   </p:embeddedFontLst>
   <p:defaultTextStyle>
@@ -4257,8 +4252,8 @@
         </p:nvSpPr>
         <p:spPr>
           <a:xfrm>
-            <a:off x="1626562" y="2492896"/>
-            <a:ext cx="5402441" cy="1200329"/>
+            <a:off x="3129378" y="2492896"/>
+            <a:ext cx="2396810" cy="1200329"/>
           </a:xfrm>
           <a:prstGeom prst="rect">
             <a:avLst/>
@@ -4271,9 +4266,9 @@
           </a:bodyPr>
           <a:lstStyle/>
           <a:p>
-            <a:pPr algn="ctr"/>
-            <a:r>
-              <a:rPr lang="en-US" sz="7200" kern="1200">
+            <a:pPr algn="ctr" rtl="1"/>
+            <a:r>
+              <a:rPr lang="ar-IQ" sz="7200" kern="1200" dirty="0">
                 <a:solidFill>
                   <a:srgbClr val="002060"/>
                 </a:solidFill>
@@ -4281,7 +4276,7 @@
                 <a:ea typeface="Calibri Light" panose="020F0302020204030204" pitchFamily="34" charset="0"/>
                 <a:cs typeface="Arabic Typesetting" panose="03020402040406030203" pitchFamily="66" charset="-78"/>
               </a:rPr>
-              <a:t>Ziyarat </a:t>
+              <a:t>زيارة</a:t>
             </a:r>
             <a:r>
               <a:rPr lang="en-US" sz="7200" kern="1200" dirty="0">
@@ -4292,7 +4287,18 @@
                 <a:ea typeface="Calibri Light" panose="020F0302020204030204" pitchFamily="34" charset="0"/>
                 <a:cs typeface="Arabic Typesetting" panose="03020402040406030203" pitchFamily="66" charset="-78"/>
               </a:rPr>
-              <a:t>Warith</a:t>
+              <a:t> </a:t>
+            </a:r>
+            <a:r>
+              <a:rPr lang="ar-IQ" sz="7200" kern="1200" dirty="0">
+                <a:solidFill>
+                  <a:srgbClr val="002060"/>
+                </a:solidFill>
+                <a:latin typeface="Calibri Light" panose="020F0302020204030204" pitchFamily="34" charset="0"/>
+                <a:ea typeface="Calibri Light" panose="020F0302020204030204" pitchFamily="34" charset="0"/>
+                <a:cs typeface="Arabic Typesetting" panose="03020402040406030203" pitchFamily="66" charset="-78"/>
+              </a:rPr>
+              <a:t>وارث</a:t>
             </a:r>
             <a:endParaRPr lang="en-CA" sz="7200" dirty="0">
               <a:solidFill>

--- a/PPTs/Ziyarat Warith.pptx
+++ b/PPTs/Ziyarat Warith.pptx
@@ -349,18 +349,7 @@
       </p14:sectionLst>
     </p:ext>
     <p:ext uri="{EFAFB233-063F-42B5-8137-9DF3F51BA10A}">
-      <p15:sldGuideLst xmlns:p15="http://schemas.microsoft.com/office/powerpoint/2012/main">
-        <p15:guide id="1" orient="horz" pos="2160" userDrawn="1">
-          <p15:clr>
-            <a:srgbClr val="A4A3A4"/>
-          </p15:clr>
-        </p15:guide>
-        <p15:guide id="2" pos="3885" userDrawn="1">
-          <p15:clr>
-            <a:srgbClr val="A4A3A4"/>
-          </p15:clr>
-        </p15:guide>
-      </p15:sldGuideLst>
+      <p15:sldGuideLst xmlns:p15="http://schemas.microsoft.com/office/powerpoint/2012/main"/>
     </p:ext>
   </p:extLst>
 </p:presentation>
@@ -592,13 +581,13 @@
   <p:clrMapOvr>
     <a:masterClrMapping/>
   </p:clrMapOvr>
-  <mc:AlternateContent xmlns:mc="http://schemas.openxmlformats.org/markup-compatibility/2006">
-    <mc:Choice xmlns:p14="http://schemas.microsoft.com/office/powerpoint/2010/main" Requires="p14">
+  <mc:AlternateContent xmlns:mc="http://schemas.openxmlformats.org/markup-compatibility/2006" xmlns:p14="http://schemas.microsoft.com/office/powerpoint/2010/main">
+    <mc:Choice Requires="p14">
       <p:transition p14:dur="300">
         <p:fade/>
       </p:transition>
     </mc:Choice>
-    <mc:Fallback>
+    <mc:Fallback xmlns="">
       <p:transition>
         <p:fade/>
       </p:transition>
@@ -831,13 +820,13 @@
   <p:clrMapOvr>
     <a:masterClrMapping/>
   </p:clrMapOvr>
-  <mc:AlternateContent xmlns:mc="http://schemas.openxmlformats.org/markup-compatibility/2006">
-    <mc:Choice xmlns:p14="http://schemas.microsoft.com/office/powerpoint/2010/main" Requires="p14">
+  <mc:AlternateContent xmlns:mc="http://schemas.openxmlformats.org/markup-compatibility/2006" xmlns:p14="http://schemas.microsoft.com/office/powerpoint/2010/main">
+    <mc:Choice Requires="p14">
       <p:transition p14:dur="300">
         <p:fade/>
       </p:transition>
     </mc:Choice>
-    <mc:Fallback>
+    <mc:Fallback xmlns="">
       <p:transition>
         <p:fade/>
       </p:transition>
@@ -1080,13 +1069,13 @@
   <p:clrMapOvr>
     <a:masterClrMapping/>
   </p:clrMapOvr>
-  <mc:AlternateContent xmlns:mc="http://schemas.openxmlformats.org/markup-compatibility/2006">
-    <mc:Choice xmlns:p14="http://schemas.microsoft.com/office/powerpoint/2010/main" Requires="p14">
+  <mc:AlternateContent xmlns:mc="http://schemas.openxmlformats.org/markup-compatibility/2006" xmlns:p14="http://schemas.microsoft.com/office/powerpoint/2010/main">
+    <mc:Choice Requires="p14">
       <p:transition p14:dur="300">
         <p:fade/>
       </p:transition>
     </mc:Choice>
-    <mc:Fallback>
+    <mc:Fallback xmlns="">
       <p:transition>
         <p:fade/>
       </p:transition>
@@ -1215,13 +1204,13 @@
   <p:clrMapOvr>
     <a:masterClrMapping/>
   </p:clrMapOvr>
-  <mc:AlternateContent xmlns:mc="http://schemas.openxmlformats.org/markup-compatibility/2006">
-    <mc:Choice xmlns:p14="http://schemas.microsoft.com/office/powerpoint/2010/main" Requires="p14">
+  <mc:AlternateContent xmlns:mc="http://schemas.openxmlformats.org/markup-compatibility/2006" xmlns:p14="http://schemas.microsoft.com/office/powerpoint/2010/main">
+    <mc:Choice Requires="p14">
       <p:transition p14:dur="300">
         <p:fade/>
       </p:transition>
     </mc:Choice>
-    <mc:Fallback>
+    <mc:Fallback xmlns="">
       <p:transition>
         <p:fade/>
       </p:transition>
@@ -1456,13 +1445,13 @@
   <p:clrMapOvr>
     <a:masterClrMapping/>
   </p:clrMapOvr>
-  <mc:AlternateContent xmlns:mc="http://schemas.openxmlformats.org/markup-compatibility/2006">
-    <mc:Choice xmlns:p14="http://schemas.microsoft.com/office/powerpoint/2010/main" Requires="p14">
+  <mc:AlternateContent xmlns:mc="http://schemas.openxmlformats.org/markup-compatibility/2006" xmlns:p14="http://schemas.microsoft.com/office/powerpoint/2010/main">
+    <mc:Choice Requires="p14">
       <p:transition p14:dur="300">
         <p:fade/>
       </p:transition>
     </mc:Choice>
-    <mc:Fallback>
+    <mc:Fallback xmlns="">
       <p:transition>
         <p:fade/>
       </p:transition>
@@ -1711,13 +1700,13 @@
   <p:clrMapOvr>
     <a:masterClrMapping/>
   </p:clrMapOvr>
-  <mc:AlternateContent xmlns:mc="http://schemas.openxmlformats.org/markup-compatibility/2006">
-    <mc:Choice xmlns:p14="http://schemas.microsoft.com/office/powerpoint/2010/main" Requires="p14">
+  <mc:AlternateContent xmlns:mc="http://schemas.openxmlformats.org/markup-compatibility/2006" xmlns:p14="http://schemas.microsoft.com/office/powerpoint/2010/main">
+    <mc:Choice Requires="p14">
       <p:transition p14:dur="300">
         <p:fade/>
       </p:transition>
     </mc:Choice>
-    <mc:Fallback>
+    <mc:Fallback xmlns="">
       <p:transition>
         <p:fade/>
       </p:transition>
@@ -1969,13 +1958,13 @@
   <p:clrMapOvr>
     <a:masterClrMapping/>
   </p:clrMapOvr>
-  <mc:AlternateContent xmlns:mc="http://schemas.openxmlformats.org/markup-compatibility/2006">
-    <mc:Choice xmlns:p14="http://schemas.microsoft.com/office/powerpoint/2010/main" Requires="p14">
+  <mc:AlternateContent xmlns:mc="http://schemas.openxmlformats.org/markup-compatibility/2006" xmlns:p14="http://schemas.microsoft.com/office/powerpoint/2010/main">
+    <mc:Choice Requires="p14">
       <p:transition p14:dur="300">
         <p:fade/>
       </p:transition>
     </mc:Choice>
-    <mc:Fallback>
+    <mc:Fallback xmlns="">
       <p:transition>
         <p:fade/>
       </p:transition>
@@ -2309,13 +2298,13 @@
   <p:clrMapOvr>
     <a:masterClrMapping/>
   </p:clrMapOvr>
-  <mc:AlternateContent xmlns:mc="http://schemas.openxmlformats.org/markup-compatibility/2006">
-    <mc:Choice xmlns:p14="http://schemas.microsoft.com/office/powerpoint/2010/main" Requires="p14">
+  <mc:AlternateContent xmlns:mc="http://schemas.openxmlformats.org/markup-compatibility/2006" xmlns:p14="http://schemas.microsoft.com/office/powerpoint/2010/main">
+    <mc:Choice Requires="p14">
       <p:transition p14:dur="300">
         <p:fade/>
       </p:transition>
     </mc:Choice>
-    <mc:Fallback>
+    <mc:Fallback xmlns="">
       <p:transition>
         <p:fade/>
       </p:transition>
@@ -2779,13 +2768,13 @@
   <p:clrMapOvr>
     <a:masterClrMapping/>
   </p:clrMapOvr>
-  <mc:AlternateContent xmlns:mc="http://schemas.openxmlformats.org/markup-compatibility/2006">
-    <mc:Choice xmlns:p14="http://schemas.microsoft.com/office/powerpoint/2010/main" Requires="p14">
+  <mc:AlternateContent xmlns:mc="http://schemas.openxmlformats.org/markup-compatibility/2006" xmlns:p14="http://schemas.microsoft.com/office/powerpoint/2010/main">
+    <mc:Choice Requires="p14">
       <p:transition p14:dur="300">
         <p:fade/>
       </p:transition>
     </mc:Choice>
-    <mc:Fallback>
+    <mc:Fallback xmlns="">
       <p:transition>
         <p:fade/>
       </p:transition>
@@ -2951,13 +2940,13 @@
   <p:clrMapOvr>
     <a:masterClrMapping/>
   </p:clrMapOvr>
-  <mc:AlternateContent xmlns:mc="http://schemas.openxmlformats.org/markup-compatibility/2006">
-    <mc:Choice xmlns:p14="http://schemas.microsoft.com/office/powerpoint/2010/main" Requires="p14">
+  <mc:AlternateContent xmlns:mc="http://schemas.openxmlformats.org/markup-compatibility/2006" xmlns:p14="http://schemas.microsoft.com/office/powerpoint/2010/main">
+    <mc:Choice Requires="p14">
       <p:transition p14:dur="300">
         <p:fade/>
       </p:transition>
     </mc:Choice>
-    <mc:Fallback>
+    <mc:Fallback xmlns="">
       <p:transition>
         <p:fade/>
       </p:transition>
@@ -3097,13 +3086,13 @@
   <p:clrMapOvr>
     <a:masterClrMapping/>
   </p:clrMapOvr>
-  <mc:AlternateContent xmlns:mc="http://schemas.openxmlformats.org/markup-compatibility/2006">
-    <mc:Choice xmlns:p14="http://schemas.microsoft.com/office/powerpoint/2010/main" Requires="p14">
+  <mc:AlternateContent xmlns:mc="http://schemas.openxmlformats.org/markup-compatibility/2006" xmlns:p14="http://schemas.microsoft.com/office/powerpoint/2010/main">
+    <mc:Choice Requires="p14">
       <p:transition p14:dur="300">
         <p:fade/>
       </p:transition>
     </mc:Choice>
-    <mc:Fallback>
+    <mc:Fallback xmlns="">
       <p:transition>
         <p:fade/>
       </p:transition>
@@ -3336,13 +3325,13 @@
   <p:clrMapOvr>
     <a:masterClrMapping/>
   </p:clrMapOvr>
-  <mc:AlternateContent xmlns:mc="http://schemas.openxmlformats.org/markup-compatibility/2006">
-    <mc:Choice xmlns:p14="http://schemas.microsoft.com/office/powerpoint/2010/main" Requires="p14">
+  <mc:AlternateContent xmlns:mc="http://schemas.openxmlformats.org/markup-compatibility/2006" xmlns:p14="http://schemas.microsoft.com/office/powerpoint/2010/main">
+    <mc:Choice Requires="p14">
       <p:transition p14:dur="300">
         <p:fade/>
       </p:transition>
     </mc:Choice>
-    <mc:Fallback>
+    <mc:Fallback xmlns="">
       <p:transition>
         <p:fade/>
       </p:transition>
@@ -3662,13 +3651,13 @@
   <p:clrMapOvr>
     <a:masterClrMapping/>
   </p:clrMapOvr>
-  <mc:AlternateContent xmlns:mc="http://schemas.openxmlformats.org/markup-compatibility/2006">
-    <mc:Choice xmlns:p14="http://schemas.microsoft.com/office/powerpoint/2010/main" Requires="p14">
+  <mc:AlternateContent xmlns:mc="http://schemas.openxmlformats.org/markup-compatibility/2006" xmlns:p14="http://schemas.microsoft.com/office/powerpoint/2010/main">
+    <mc:Choice Requires="p14">
       <p:transition p14:dur="300">
         <p:fade/>
       </p:transition>
     </mc:Choice>
-    <mc:Fallback>
+    <mc:Fallback xmlns="">
       <p:transition>
         <p:fade/>
       </p:transition>
@@ -3966,13 +3955,13 @@
   <p:clrMapOvr>
     <a:masterClrMapping/>
   </p:clrMapOvr>
-  <mc:AlternateContent xmlns:mc="http://schemas.openxmlformats.org/markup-compatibility/2006">
-    <mc:Choice xmlns:p14="http://schemas.microsoft.com/office/powerpoint/2010/main" Requires="p14">
+  <mc:AlternateContent xmlns:mc="http://schemas.openxmlformats.org/markup-compatibility/2006" xmlns:p14="http://schemas.microsoft.com/office/powerpoint/2010/main">
+    <mc:Choice Requires="p14">
       <p:transition p14:dur="300">
         <p:fade/>
       </p:transition>
     </mc:Choice>
-    <mc:Fallback>
+    <mc:Fallback xmlns="">
       <p:transition>
         <p:fade/>
       </p:transition>
@@ -4205,13 +4194,13 @@
   <p:clrMapOvr>
     <a:masterClrMapping/>
   </p:clrMapOvr>
-  <mc:AlternateContent xmlns:mc="http://schemas.openxmlformats.org/markup-compatibility/2006">
-    <mc:Choice xmlns:p14="http://schemas.microsoft.com/office/powerpoint/2010/main" Requires="p14">
+  <mc:AlternateContent xmlns:mc="http://schemas.openxmlformats.org/markup-compatibility/2006" xmlns:p14="http://schemas.microsoft.com/office/powerpoint/2010/main">
+    <mc:Choice Requires="p14">
       <p:transition p14:dur="300">
         <p:fade/>
       </p:transition>
     </mc:Choice>
-    <mc:Fallback>
+    <mc:Fallback xmlns="">
       <p:transition>
         <p:fade/>
       </p:transition>
@@ -4454,13 +4443,13 @@
   <p:clrMapOvr>
     <a:masterClrMapping/>
   </p:clrMapOvr>
-  <mc:AlternateContent xmlns:mc="http://schemas.openxmlformats.org/markup-compatibility/2006">
-    <mc:Choice xmlns:p14="http://schemas.microsoft.com/office/powerpoint/2010/main" Requires="p14">
+  <mc:AlternateContent xmlns:mc="http://schemas.openxmlformats.org/markup-compatibility/2006" xmlns:p14="http://schemas.microsoft.com/office/powerpoint/2010/main">
+    <mc:Choice Requires="p14">
       <p:transition p14:dur="300">
         <p:fade/>
       </p:transition>
     </mc:Choice>
-    <mc:Fallback>
+    <mc:Fallback xmlns="">
       <p:transition>
         <p:fade/>
       </p:transition>
@@ -4589,13 +4578,13 @@
   <p:clrMapOvr>
     <a:masterClrMapping/>
   </p:clrMapOvr>
-  <mc:AlternateContent xmlns:mc="http://schemas.openxmlformats.org/markup-compatibility/2006">
-    <mc:Choice xmlns:p14="http://schemas.microsoft.com/office/powerpoint/2010/main" Requires="p14">
+  <mc:AlternateContent xmlns:mc="http://schemas.openxmlformats.org/markup-compatibility/2006" xmlns:p14="http://schemas.microsoft.com/office/powerpoint/2010/main">
+    <mc:Choice Requires="p14">
       <p:transition p14:dur="300">
         <p:fade/>
       </p:transition>
     </mc:Choice>
-    <mc:Fallback>
+    <mc:Fallback xmlns="">
       <p:transition>
         <p:fade/>
       </p:transition>
@@ -4701,13 +4690,13 @@
   <p:clrMapOvr>
     <a:masterClrMapping/>
   </p:clrMapOvr>
-  <mc:AlternateContent xmlns:mc="http://schemas.openxmlformats.org/markup-compatibility/2006">
-    <mc:Choice xmlns:p14="http://schemas.microsoft.com/office/powerpoint/2010/main" Requires="p14">
+  <mc:AlternateContent xmlns:mc="http://schemas.openxmlformats.org/markup-compatibility/2006" xmlns:p14="http://schemas.microsoft.com/office/powerpoint/2010/main">
+    <mc:Choice Requires="p14">
       <p:transition p14:dur="300">
         <p:fade/>
       </p:transition>
     </mc:Choice>
-    <mc:Fallback>
+    <mc:Fallback xmlns="">
       <p:transition>
         <p:fade/>
       </p:transition>
@@ -4852,13 +4841,13 @@
   <p:clrMapOvr>
     <a:masterClrMapping/>
   </p:clrMapOvr>
-  <mc:AlternateContent xmlns:mc="http://schemas.openxmlformats.org/markup-compatibility/2006">
-    <mc:Choice xmlns:p14="http://schemas.microsoft.com/office/powerpoint/2010/main" Requires="p14">
+  <mc:AlternateContent xmlns:mc="http://schemas.openxmlformats.org/markup-compatibility/2006" xmlns:p14="http://schemas.microsoft.com/office/powerpoint/2010/main">
+    <mc:Choice Requires="p14">
       <p:transition p14:dur="300">
         <p:fade/>
       </p:transition>
     </mc:Choice>
-    <mc:Fallback>
+    <mc:Fallback xmlns="">
       <p:transition>
         <p:fade/>
       </p:transition>
@@ -5094,13 +5083,13 @@
   <p:clrMapOvr>
     <a:masterClrMapping/>
   </p:clrMapOvr>
-  <mc:AlternateContent xmlns:mc="http://schemas.openxmlformats.org/markup-compatibility/2006">
-    <mc:Choice xmlns:p14="http://schemas.microsoft.com/office/powerpoint/2010/main" Requires="p14">
+  <mc:AlternateContent xmlns:mc="http://schemas.openxmlformats.org/markup-compatibility/2006" xmlns:p14="http://schemas.microsoft.com/office/powerpoint/2010/main">
+    <mc:Choice Requires="p14">
       <p:transition p14:dur="300">
         <p:fade/>
       </p:transition>
     </mc:Choice>
-    <mc:Fallback>
+    <mc:Fallback xmlns="">
       <p:transition>
         <p:fade/>
       </p:transition>
@@ -5434,13 +5423,13 @@
   <p:clrMapOvr>
     <a:masterClrMapping/>
   </p:clrMapOvr>
-  <mc:AlternateContent xmlns:mc="http://schemas.openxmlformats.org/markup-compatibility/2006">
-    <mc:Choice xmlns:p14="http://schemas.microsoft.com/office/powerpoint/2010/main" Requires="p14">
+  <mc:AlternateContent xmlns:mc="http://schemas.openxmlformats.org/markup-compatibility/2006" xmlns:p14="http://schemas.microsoft.com/office/powerpoint/2010/main">
+    <mc:Choice Requires="p14">
       <p:transition p14:dur="300">
         <p:fade/>
       </p:transition>
     </mc:Choice>
-    <mc:Fallback>
+    <mc:Fallback xmlns="">
       <p:transition>
         <p:fade/>
       </p:transition>
@@ -5904,13 +5893,13 @@
   <p:clrMapOvr>
     <a:masterClrMapping/>
   </p:clrMapOvr>
-  <mc:AlternateContent xmlns:mc="http://schemas.openxmlformats.org/markup-compatibility/2006">
-    <mc:Choice xmlns:p14="http://schemas.microsoft.com/office/powerpoint/2010/main" Requires="p14">
+  <mc:AlternateContent xmlns:mc="http://schemas.openxmlformats.org/markup-compatibility/2006" xmlns:p14="http://schemas.microsoft.com/office/powerpoint/2010/main">
+    <mc:Choice Requires="p14">
       <p:transition p14:dur="300">
         <p:fade/>
       </p:transition>
     </mc:Choice>
-    <mc:Fallback>
+    <mc:Fallback xmlns="">
       <p:transition>
         <p:fade/>
       </p:transition>
@@ -6076,13 +6065,13 @@
   <p:clrMapOvr>
     <a:masterClrMapping/>
   </p:clrMapOvr>
-  <mc:AlternateContent xmlns:mc="http://schemas.openxmlformats.org/markup-compatibility/2006">
-    <mc:Choice xmlns:p14="http://schemas.microsoft.com/office/powerpoint/2010/main" Requires="p14">
+  <mc:AlternateContent xmlns:mc="http://schemas.openxmlformats.org/markup-compatibility/2006" xmlns:p14="http://schemas.microsoft.com/office/powerpoint/2010/main">
+    <mc:Choice Requires="p14">
       <p:transition p14:dur="300">
         <p:fade/>
       </p:transition>
     </mc:Choice>
-    <mc:Fallback>
+    <mc:Fallback xmlns="">
       <p:transition>
         <p:fade/>
       </p:transition>
@@ -6222,13 +6211,13 @@
   <p:clrMapOvr>
     <a:masterClrMapping/>
   </p:clrMapOvr>
-  <mc:AlternateContent xmlns:mc="http://schemas.openxmlformats.org/markup-compatibility/2006">
-    <mc:Choice xmlns:p14="http://schemas.microsoft.com/office/powerpoint/2010/main" Requires="p14">
+  <mc:AlternateContent xmlns:mc="http://schemas.openxmlformats.org/markup-compatibility/2006" xmlns:p14="http://schemas.microsoft.com/office/powerpoint/2010/main">
+    <mc:Choice Requires="p14">
       <p:transition p14:dur="300">
         <p:fade/>
       </p:transition>
     </mc:Choice>
-    <mc:Fallback>
+    <mc:Fallback xmlns="">
       <p:transition>
         <p:fade/>
       </p:transition>
@@ -6548,13 +6537,13 @@
   <p:clrMapOvr>
     <a:masterClrMapping/>
   </p:clrMapOvr>
-  <mc:AlternateContent xmlns:mc="http://schemas.openxmlformats.org/markup-compatibility/2006">
-    <mc:Choice xmlns:p14="http://schemas.microsoft.com/office/powerpoint/2010/main" Requires="p14">
+  <mc:AlternateContent xmlns:mc="http://schemas.openxmlformats.org/markup-compatibility/2006" xmlns:p14="http://schemas.microsoft.com/office/powerpoint/2010/main">
+    <mc:Choice Requires="p14">
       <p:transition p14:dur="300">
         <p:fade/>
       </p:transition>
     </mc:Choice>
-    <mc:Fallback>
+    <mc:Fallback xmlns="">
       <p:transition>
         <p:fade/>
       </p:transition>
@@ -6852,13 +6841,13 @@
   <p:clrMapOvr>
     <a:masterClrMapping/>
   </p:clrMapOvr>
-  <mc:AlternateContent xmlns:mc="http://schemas.openxmlformats.org/markup-compatibility/2006">
-    <mc:Choice xmlns:p14="http://schemas.microsoft.com/office/powerpoint/2010/main" Requires="p14">
+  <mc:AlternateContent xmlns:mc="http://schemas.openxmlformats.org/markup-compatibility/2006" xmlns:p14="http://schemas.microsoft.com/office/powerpoint/2010/main">
+    <mc:Choice Requires="p14">
       <p:transition p14:dur="300">
         <p:fade/>
       </p:transition>
     </mc:Choice>
-    <mc:Fallback>
+    <mc:Fallback xmlns="">
       <p:transition>
         <p:fade/>
       </p:transition>
@@ -7341,13 +7330,13 @@
     <p:sldLayoutId id="2147483671" r:id="rId11"/>
     <p:sldLayoutId id="2147483672" r:id="rId12"/>
   </p:sldLayoutIdLst>
-  <mc:AlternateContent xmlns:mc="http://schemas.openxmlformats.org/markup-compatibility/2006">
-    <mc:Choice xmlns:p14="http://schemas.microsoft.com/office/powerpoint/2010/main" Requires="p14">
+  <mc:AlternateContent xmlns:mc="http://schemas.openxmlformats.org/markup-compatibility/2006" xmlns:p14="http://schemas.microsoft.com/office/powerpoint/2010/main">
+    <mc:Choice Requires="p14">
       <p:transition p14:dur="300">
         <p:fade/>
       </p:transition>
     </mc:Choice>
-    <mc:Fallback>
+    <mc:Fallback xmlns="">
       <p:transition>
         <p:fade/>
       </p:transition>
@@ -8214,13 +8203,13 @@
     <p:sldLayoutId id="2147483686" r:id="rId13"/>
     <p:sldLayoutId id="2147483687" r:id="rId14"/>
   </p:sldLayoutIdLst>
-  <mc:AlternateContent xmlns:mc="http://schemas.openxmlformats.org/markup-compatibility/2006">
-    <mc:Choice xmlns:p14="http://schemas.microsoft.com/office/powerpoint/2010/main" Requires="p14">
+  <mc:AlternateContent xmlns:mc="http://schemas.openxmlformats.org/markup-compatibility/2006" xmlns:p14="http://schemas.microsoft.com/office/powerpoint/2010/main">
+    <mc:Choice Requires="p14">
       <p:transition p14:dur="300">
         <p:fade/>
       </p:transition>
     </mc:Choice>
-    <mc:Fallback>
+    <mc:Fallback xmlns="">
       <p:transition>
         <p:fade/>
       </p:transition>
@@ -9210,13 +9199,13 @@
   <p:clrMapOvr>
     <a:masterClrMapping/>
   </p:clrMapOvr>
-  <mc:AlternateContent xmlns:mc="http://schemas.openxmlformats.org/markup-compatibility/2006">
-    <mc:Choice xmlns:p14="http://schemas.microsoft.com/office/powerpoint/2010/main" Requires="p14">
+  <mc:AlternateContent xmlns:mc="http://schemas.openxmlformats.org/markup-compatibility/2006" xmlns:p14="http://schemas.microsoft.com/office/powerpoint/2010/main">
+    <mc:Choice Requires="p14">
       <p:transition p14:dur="300">
         <p:fade/>
       </p:transition>
     </mc:Choice>
-    <mc:Fallback>
+    <mc:Fallback xmlns="">
       <p:transition>
         <p:fade/>
       </p:transition>
@@ -9374,13 +9363,13 @@
   <p:clrMapOvr>
     <a:masterClrMapping/>
   </p:clrMapOvr>
-  <mc:AlternateContent xmlns:mc="http://schemas.openxmlformats.org/markup-compatibility/2006">
-    <mc:Choice xmlns:p14="http://schemas.microsoft.com/office/powerpoint/2010/main" Requires="p14">
+  <mc:AlternateContent xmlns:mc="http://schemas.openxmlformats.org/markup-compatibility/2006" xmlns:p14="http://schemas.microsoft.com/office/powerpoint/2010/main">
+    <mc:Choice Requires="p14">
       <p:transition p14:dur="300">
         <p:fade/>
       </p:transition>
     </mc:Choice>
-    <mc:Fallback>
+    <mc:Fallback xmlns="">
       <p:transition>
         <p:fade/>
       </p:transition>
@@ -9768,13 +9757,13 @@
   <p:clrMapOvr>
     <a:masterClrMapping/>
   </p:clrMapOvr>
-  <mc:AlternateContent xmlns:mc="http://schemas.openxmlformats.org/markup-compatibility/2006">
-    <mc:Choice xmlns:p14="http://schemas.microsoft.com/office/powerpoint/2010/main" Requires="p14">
+  <mc:AlternateContent xmlns:mc="http://schemas.openxmlformats.org/markup-compatibility/2006" xmlns:p14="http://schemas.microsoft.com/office/powerpoint/2010/main">
+    <mc:Choice Requires="p14">
       <p:transition p14:dur="300">
         <p:fade/>
       </p:transition>
     </mc:Choice>
-    <mc:Fallback>
+    <mc:Fallback xmlns="">
       <p:transition>
         <p:fade/>
       </p:transition>
@@ -9881,13 +9870,13 @@
   <p:clrMapOvr>
     <a:masterClrMapping/>
   </p:clrMapOvr>
-  <mc:AlternateContent xmlns:mc="http://schemas.openxmlformats.org/markup-compatibility/2006">
-    <mc:Choice xmlns:p14="http://schemas.microsoft.com/office/powerpoint/2010/main" Requires="p14">
+  <mc:AlternateContent xmlns:mc="http://schemas.openxmlformats.org/markup-compatibility/2006" xmlns:p14="http://schemas.microsoft.com/office/powerpoint/2010/main">
+    <mc:Choice Requires="p14">
       <p:transition p14:dur="300">
         <p:fade/>
       </p:transition>
     </mc:Choice>
-    <mc:Fallback>
+    <mc:Fallback xmlns="">
       <p:transition>
         <p:fade/>
       </p:transition>
@@ -10045,13 +10034,13 @@
   <p:clrMapOvr>
     <a:masterClrMapping/>
   </p:clrMapOvr>
-  <mc:AlternateContent xmlns:mc="http://schemas.openxmlformats.org/markup-compatibility/2006">
-    <mc:Choice xmlns:p14="http://schemas.microsoft.com/office/powerpoint/2010/main" Requires="p14">
+  <mc:AlternateContent xmlns:mc="http://schemas.openxmlformats.org/markup-compatibility/2006" xmlns:p14="http://schemas.microsoft.com/office/powerpoint/2010/main">
+    <mc:Choice Requires="p14">
       <p:transition p14:dur="300">
         <p:fade/>
       </p:transition>
     </mc:Choice>
-    <mc:Fallback>
+    <mc:Fallback xmlns="">
       <p:transition>
         <p:fade/>
       </p:transition>
@@ -10209,13 +10198,13 @@
   <p:clrMapOvr>
     <a:masterClrMapping/>
   </p:clrMapOvr>
-  <mc:AlternateContent xmlns:mc="http://schemas.openxmlformats.org/markup-compatibility/2006">
-    <mc:Choice xmlns:p14="http://schemas.microsoft.com/office/powerpoint/2010/main" Requires="p14">
+  <mc:AlternateContent xmlns:mc="http://schemas.openxmlformats.org/markup-compatibility/2006" xmlns:p14="http://schemas.microsoft.com/office/powerpoint/2010/main">
+    <mc:Choice Requires="p14">
       <p:transition p14:dur="300">
         <p:fade/>
       </p:transition>
     </mc:Choice>
-    <mc:Fallback>
+    <mc:Fallback xmlns="">
       <p:transition>
         <p:fade/>
       </p:transition>
@@ -10373,13 +10362,13 @@
   <p:clrMapOvr>
     <a:masterClrMapping/>
   </p:clrMapOvr>
-  <mc:AlternateContent xmlns:mc="http://schemas.openxmlformats.org/markup-compatibility/2006">
-    <mc:Choice xmlns:p14="http://schemas.microsoft.com/office/powerpoint/2010/main" Requires="p14">
+  <mc:AlternateContent xmlns:mc="http://schemas.openxmlformats.org/markup-compatibility/2006" xmlns:p14="http://schemas.microsoft.com/office/powerpoint/2010/main">
+    <mc:Choice Requires="p14">
       <p:transition p14:dur="300">
         <p:fade/>
       </p:transition>
     </mc:Choice>
-    <mc:Fallback>
+    <mc:Fallback xmlns="">
       <p:transition>
         <p:fade/>
       </p:transition>
@@ -10537,13 +10526,13 @@
   <p:clrMapOvr>
     <a:masterClrMapping/>
   </p:clrMapOvr>
-  <mc:AlternateContent xmlns:mc="http://schemas.openxmlformats.org/markup-compatibility/2006">
-    <mc:Choice xmlns:p14="http://schemas.microsoft.com/office/powerpoint/2010/main" Requires="p14">
+  <mc:AlternateContent xmlns:mc="http://schemas.openxmlformats.org/markup-compatibility/2006" xmlns:p14="http://schemas.microsoft.com/office/powerpoint/2010/main">
+    <mc:Choice Requires="p14">
       <p:transition p14:dur="300">
         <p:fade/>
       </p:transition>
     </mc:Choice>
-    <mc:Fallback>
+    <mc:Fallback xmlns="">
       <p:transition>
         <p:fade/>
       </p:transition>
@@ -10709,13 +10698,13 @@
   <p:clrMapOvr>
     <a:masterClrMapping/>
   </p:clrMapOvr>
-  <mc:AlternateContent xmlns:mc="http://schemas.openxmlformats.org/markup-compatibility/2006">
-    <mc:Choice xmlns:p14="http://schemas.microsoft.com/office/powerpoint/2010/main" Requires="p14">
+  <mc:AlternateContent xmlns:mc="http://schemas.openxmlformats.org/markup-compatibility/2006" xmlns:p14="http://schemas.microsoft.com/office/powerpoint/2010/main">
+    <mc:Choice Requires="p14">
       <p:transition p14:dur="300">
         <p:fade/>
       </p:transition>
     </mc:Choice>
-    <mc:Fallback>
+    <mc:Fallback xmlns="">
       <p:transition>
         <p:fade/>
       </p:transition>
@@ -10869,13 +10858,13 @@
   <p:clrMapOvr>
     <a:masterClrMapping/>
   </p:clrMapOvr>
-  <mc:AlternateContent xmlns:mc="http://schemas.openxmlformats.org/markup-compatibility/2006">
-    <mc:Choice xmlns:p14="http://schemas.microsoft.com/office/powerpoint/2010/main" Requires="p14">
+  <mc:AlternateContent xmlns:mc="http://schemas.openxmlformats.org/markup-compatibility/2006" xmlns:p14="http://schemas.microsoft.com/office/powerpoint/2010/main">
+    <mc:Choice Requires="p14">
       <p:transition p14:dur="300">
         <p:fade/>
       </p:transition>
     </mc:Choice>
-    <mc:Fallback>
+    <mc:Fallback xmlns="">
       <p:transition>
         <p:fade/>
       </p:transition>
@@ -11025,13 +11014,13 @@
   <p:clrMapOvr>
     <a:masterClrMapping/>
   </p:clrMapOvr>
-  <mc:AlternateContent xmlns:mc="http://schemas.openxmlformats.org/markup-compatibility/2006">
-    <mc:Choice xmlns:p14="http://schemas.microsoft.com/office/powerpoint/2010/main" Requires="p14">
+  <mc:AlternateContent xmlns:mc="http://schemas.openxmlformats.org/markup-compatibility/2006" xmlns:p14="http://schemas.microsoft.com/office/powerpoint/2010/main">
+    <mc:Choice Requires="p14">
       <p:transition p14:dur="300">
         <p:fade/>
       </p:transition>
     </mc:Choice>
-    <mc:Fallback>
+    <mc:Fallback xmlns="">
       <p:transition>
         <p:fade/>
       </p:transition>
@@ -11185,13 +11174,13 @@
   <p:clrMapOvr>
     <a:masterClrMapping/>
   </p:clrMapOvr>
-  <mc:AlternateContent xmlns:mc="http://schemas.openxmlformats.org/markup-compatibility/2006">
-    <mc:Choice xmlns:p14="http://schemas.microsoft.com/office/powerpoint/2010/main" Requires="p14">
+  <mc:AlternateContent xmlns:mc="http://schemas.openxmlformats.org/markup-compatibility/2006" xmlns:p14="http://schemas.microsoft.com/office/powerpoint/2010/main">
+    <mc:Choice Requires="p14">
       <p:transition p14:dur="300">
         <p:fade/>
       </p:transition>
     </mc:Choice>
-    <mc:Fallback>
+    <mc:Fallback xmlns="">
       <p:transition>
         <p:fade/>
       </p:transition>
@@ -11358,13 +11347,13 @@
   <p:clrMapOvr>
     <a:masterClrMapping/>
   </p:clrMapOvr>
-  <mc:AlternateContent xmlns:mc="http://schemas.openxmlformats.org/markup-compatibility/2006">
-    <mc:Choice xmlns:p14="http://schemas.microsoft.com/office/powerpoint/2010/main" Requires="p14">
+  <mc:AlternateContent xmlns:mc="http://schemas.openxmlformats.org/markup-compatibility/2006" xmlns:p14="http://schemas.microsoft.com/office/powerpoint/2010/main">
+    <mc:Choice Requires="p14">
       <p:transition p14:dur="300">
         <p:fade/>
       </p:transition>
     </mc:Choice>
-    <mc:Fallback>
+    <mc:Fallback xmlns="">
       <p:transition>
         <p:fade/>
       </p:transition>
@@ -12172,13 +12161,13 @@
   <p:clrMapOvr>
     <a:masterClrMapping/>
   </p:clrMapOvr>
-  <mc:AlternateContent xmlns:mc="http://schemas.openxmlformats.org/markup-compatibility/2006">
-    <mc:Choice xmlns:p14="http://schemas.microsoft.com/office/powerpoint/2010/main" Requires="p14">
+  <mc:AlternateContent xmlns:mc="http://schemas.openxmlformats.org/markup-compatibility/2006" xmlns:p14="http://schemas.microsoft.com/office/powerpoint/2010/main">
+    <mc:Choice Requires="p14">
       <p:transition p14:dur="300">
         <p:fade/>
       </p:transition>
     </mc:Choice>
-    <mc:Fallback>
+    <mc:Fallback xmlns="">
       <p:transition>
         <p:fade/>
       </p:transition>
@@ -12336,13 +12325,13 @@
   <p:clrMapOvr>
     <a:masterClrMapping/>
   </p:clrMapOvr>
-  <mc:AlternateContent xmlns:mc="http://schemas.openxmlformats.org/markup-compatibility/2006">
-    <mc:Choice xmlns:p14="http://schemas.microsoft.com/office/powerpoint/2010/main" Requires="p14">
+  <mc:AlternateContent xmlns:mc="http://schemas.openxmlformats.org/markup-compatibility/2006" xmlns:p14="http://schemas.microsoft.com/office/powerpoint/2010/main">
+    <mc:Choice Requires="p14">
       <p:transition p14:dur="300">
         <p:fade/>
       </p:transition>
     </mc:Choice>
-    <mc:Fallback>
+    <mc:Fallback xmlns="">
       <p:transition>
         <p:fade/>
       </p:transition>
@@ -12496,13 +12485,13 @@
   <p:clrMapOvr>
     <a:masterClrMapping/>
   </p:clrMapOvr>
-  <mc:AlternateContent xmlns:mc="http://schemas.openxmlformats.org/markup-compatibility/2006">
-    <mc:Choice xmlns:p14="http://schemas.microsoft.com/office/powerpoint/2010/main" Requires="p14">
+  <mc:AlternateContent xmlns:mc="http://schemas.openxmlformats.org/markup-compatibility/2006" xmlns:p14="http://schemas.microsoft.com/office/powerpoint/2010/main">
+    <mc:Choice Requires="p14">
       <p:transition p14:dur="300">
         <p:fade/>
       </p:transition>
     </mc:Choice>
-    <mc:Fallback>
+    <mc:Fallback xmlns="">
       <p:transition>
         <p:fade/>
       </p:transition>
@@ -12656,13 +12645,13 @@
   <p:clrMapOvr>
     <a:masterClrMapping/>
   </p:clrMapOvr>
-  <mc:AlternateContent xmlns:mc="http://schemas.openxmlformats.org/markup-compatibility/2006">
-    <mc:Choice xmlns:p14="http://schemas.microsoft.com/office/powerpoint/2010/main" Requires="p14">
+  <mc:AlternateContent xmlns:mc="http://schemas.openxmlformats.org/markup-compatibility/2006" xmlns:p14="http://schemas.microsoft.com/office/powerpoint/2010/main">
+    <mc:Choice Requires="p14">
       <p:transition p14:dur="300">
         <p:fade/>
       </p:transition>
     </mc:Choice>
-    <mc:Fallback>
+    <mc:Fallback xmlns="">
       <p:transition>
         <p:fade/>
       </p:transition>
@@ -12816,13 +12805,13 @@
   <p:clrMapOvr>
     <a:masterClrMapping/>
   </p:clrMapOvr>
-  <mc:AlternateContent xmlns:mc="http://schemas.openxmlformats.org/markup-compatibility/2006">
-    <mc:Choice xmlns:p14="http://schemas.microsoft.com/office/powerpoint/2010/main" Requires="p14">
+  <mc:AlternateContent xmlns:mc="http://schemas.openxmlformats.org/markup-compatibility/2006" xmlns:p14="http://schemas.microsoft.com/office/powerpoint/2010/main">
+    <mc:Choice Requires="p14">
       <p:transition p14:dur="300">
         <p:fade/>
       </p:transition>
     </mc:Choice>
-    <mc:Fallback>
+    <mc:Fallback xmlns="">
       <p:transition>
         <p:fade/>
       </p:transition>
@@ -12973,13 +12962,13 @@
   <p:clrMapOvr>
     <a:masterClrMapping/>
   </p:clrMapOvr>
-  <mc:AlternateContent xmlns:mc="http://schemas.openxmlformats.org/markup-compatibility/2006">
-    <mc:Choice xmlns:p14="http://schemas.microsoft.com/office/powerpoint/2010/main" Requires="p14">
+  <mc:AlternateContent xmlns:mc="http://schemas.openxmlformats.org/markup-compatibility/2006" xmlns:p14="http://schemas.microsoft.com/office/powerpoint/2010/main">
+    <mc:Choice Requires="p14">
       <p:transition p14:dur="300">
         <p:fade/>
       </p:transition>
     </mc:Choice>
-    <mc:Fallback>
+    <mc:Fallback xmlns="">
       <p:transition>
         <p:fade/>
       </p:transition>
@@ -13137,13 +13126,13 @@
   <p:clrMapOvr>
     <a:masterClrMapping/>
   </p:clrMapOvr>
-  <mc:AlternateContent xmlns:mc="http://schemas.openxmlformats.org/markup-compatibility/2006">
-    <mc:Choice xmlns:p14="http://schemas.microsoft.com/office/powerpoint/2010/main" Requires="p14">
+  <mc:AlternateContent xmlns:mc="http://schemas.openxmlformats.org/markup-compatibility/2006" xmlns:p14="http://schemas.microsoft.com/office/powerpoint/2010/main">
+    <mc:Choice Requires="p14">
       <p:transition p14:dur="300">
         <p:fade/>
       </p:transition>
     </mc:Choice>
-    <mc:Fallback>
+    <mc:Fallback xmlns="">
       <p:transition>
         <p:fade/>
       </p:transition>
@@ -13297,13 +13286,13 @@
   <p:clrMapOvr>
     <a:masterClrMapping/>
   </p:clrMapOvr>
-  <mc:AlternateContent xmlns:mc="http://schemas.openxmlformats.org/markup-compatibility/2006">
-    <mc:Choice xmlns:p14="http://schemas.microsoft.com/office/powerpoint/2010/main" Requires="p14">
+  <mc:AlternateContent xmlns:mc="http://schemas.openxmlformats.org/markup-compatibility/2006" xmlns:p14="http://schemas.microsoft.com/office/powerpoint/2010/main">
+    <mc:Choice Requires="p14">
       <p:transition p14:dur="300">
         <p:fade/>
       </p:transition>
     </mc:Choice>
-    <mc:Fallback>
+    <mc:Fallback xmlns="">
       <p:transition>
         <p:fade/>
       </p:transition>
@@ -13461,13 +13450,13 @@
   <p:clrMapOvr>
     <a:masterClrMapping/>
   </p:clrMapOvr>
-  <mc:AlternateContent xmlns:mc="http://schemas.openxmlformats.org/markup-compatibility/2006">
-    <mc:Choice xmlns:p14="http://schemas.microsoft.com/office/powerpoint/2010/main" Requires="p14">
+  <mc:AlternateContent xmlns:mc="http://schemas.openxmlformats.org/markup-compatibility/2006" xmlns:p14="http://schemas.microsoft.com/office/powerpoint/2010/main">
+    <mc:Choice Requires="p14">
       <p:transition p14:dur="300">
         <p:fade/>
       </p:transition>
     </mc:Choice>
-    <mc:Fallback>
+    <mc:Fallback xmlns="">
       <p:transition>
         <p:fade/>
       </p:transition>
@@ -13613,13 +13602,13 @@
   <p:clrMapOvr>
     <a:masterClrMapping/>
   </p:clrMapOvr>
-  <mc:AlternateContent xmlns:mc="http://schemas.openxmlformats.org/markup-compatibility/2006">
-    <mc:Choice xmlns:p14="http://schemas.microsoft.com/office/powerpoint/2010/main" Requires="p14">
+  <mc:AlternateContent xmlns:mc="http://schemas.openxmlformats.org/markup-compatibility/2006" xmlns:p14="http://schemas.microsoft.com/office/powerpoint/2010/main">
+    <mc:Choice Requires="p14">
       <p:transition p14:dur="300">
         <p:fade/>
       </p:transition>
     </mc:Choice>
-    <mc:Fallback>
+    <mc:Fallback xmlns="">
       <p:transition>
         <p:fade/>
       </p:transition>
@@ -13769,13 +13758,13 @@
   <p:clrMapOvr>
     <a:masterClrMapping/>
   </p:clrMapOvr>
-  <mc:AlternateContent xmlns:mc="http://schemas.openxmlformats.org/markup-compatibility/2006">
-    <mc:Choice xmlns:p14="http://schemas.microsoft.com/office/powerpoint/2010/main" Requires="p14">
+  <mc:AlternateContent xmlns:mc="http://schemas.openxmlformats.org/markup-compatibility/2006" xmlns:p14="http://schemas.microsoft.com/office/powerpoint/2010/main">
+    <mc:Choice Requires="p14">
       <p:transition p14:dur="300">
         <p:fade/>
       </p:transition>
     </mc:Choice>
-    <mc:Fallback>
+    <mc:Fallback xmlns="">
       <p:transition>
         <p:fade/>
       </p:transition>
@@ -13892,13 +13881,13 @@
   <p:clrMapOvr>
     <a:masterClrMapping/>
   </p:clrMapOvr>
-  <mc:AlternateContent xmlns:mc="http://schemas.openxmlformats.org/markup-compatibility/2006">
-    <mc:Choice xmlns:p14="http://schemas.microsoft.com/office/powerpoint/2010/main" Requires="p14">
+  <mc:AlternateContent xmlns:mc="http://schemas.openxmlformats.org/markup-compatibility/2006" xmlns:p14="http://schemas.microsoft.com/office/powerpoint/2010/main">
+    <mc:Choice Requires="p14">
       <p:transition p14:dur="300">
         <p:fade/>
       </p:transition>
     </mc:Choice>
-    <mc:Fallback>
+    <mc:Fallback xmlns="">
       <p:transition>
         <p:fade/>
       </p:transition>
@@ -14048,13 +14037,13 @@
   <p:clrMapOvr>
     <a:masterClrMapping/>
   </p:clrMapOvr>
-  <mc:AlternateContent xmlns:mc="http://schemas.openxmlformats.org/markup-compatibility/2006">
-    <mc:Choice xmlns:p14="http://schemas.microsoft.com/office/powerpoint/2010/main" Requires="p14">
+  <mc:AlternateContent xmlns:mc="http://schemas.openxmlformats.org/markup-compatibility/2006" xmlns:p14="http://schemas.microsoft.com/office/powerpoint/2010/main">
+    <mc:Choice Requires="p14">
       <p:transition p14:dur="300">
         <p:fade/>
       </p:transition>
     </mc:Choice>
-    <mc:Fallback>
+    <mc:Fallback xmlns="">
       <p:transition>
         <p:fade/>
       </p:transition>
@@ -14220,13 +14209,13 @@
   <p:clrMapOvr>
     <a:masterClrMapping/>
   </p:clrMapOvr>
-  <mc:AlternateContent xmlns:mc="http://schemas.openxmlformats.org/markup-compatibility/2006">
-    <mc:Choice xmlns:p14="http://schemas.microsoft.com/office/powerpoint/2010/main" Requires="p14">
+  <mc:AlternateContent xmlns:mc="http://schemas.openxmlformats.org/markup-compatibility/2006" xmlns:p14="http://schemas.microsoft.com/office/powerpoint/2010/main">
+    <mc:Choice Requires="p14">
       <p:transition p14:dur="300">
         <p:fade/>
       </p:transition>
     </mc:Choice>
-    <mc:Fallback>
+    <mc:Fallback xmlns="">
       <p:transition>
         <p:fade/>
       </p:transition>
@@ -14396,13 +14385,13 @@
   <p:clrMapOvr>
     <a:masterClrMapping/>
   </p:clrMapOvr>
-  <mc:AlternateContent xmlns:mc="http://schemas.openxmlformats.org/markup-compatibility/2006">
-    <mc:Choice xmlns:p14="http://schemas.microsoft.com/office/powerpoint/2010/main" Requires="p14">
+  <mc:AlternateContent xmlns:mc="http://schemas.openxmlformats.org/markup-compatibility/2006" xmlns:p14="http://schemas.microsoft.com/office/powerpoint/2010/main">
+    <mc:Choice Requires="p14">
       <p:transition p14:dur="300">
         <p:fade/>
       </p:transition>
     </mc:Choice>
-    <mc:Fallback>
+    <mc:Fallback xmlns="">
       <p:transition>
         <p:fade/>
       </p:transition>
@@ -14560,13 +14549,13 @@
   <p:clrMapOvr>
     <a:masterClrMapping/>
   </p:clrMapOvr>
-  <mc:AlternateContent xmlns:mc="http://schemas.openxmlformats.org/markup-compatibility/2006">
-    <mc:Choice xmlns:p14="http://schemas.microsoft.com/office/powerpoint/2010/main" Requires="p14">
+  <mc:AlternateContent xmlns:mc="http://schemas.openxmlformats.org/markup-compatibility/2006" xmlns:p14="http://schemas.microsoft.com/office/powerpoint/2010/main">
+    <mc:Choice Requires="p14">
       <p:transition p14:dur="300">
         <p:fade/>
       </p:transition>
     </mc:Choice>
-    <mc:Fallback>
+    <mc:Fallback xmlns="">
       <p:transition>
         <p:fade/>
       </p:transition>
@@ -14716,13 +14705,13 @@
   <p:clrMapOvr>
     <a:masterClrMapping/>
   </p:clrMapOvr>
-  <mc:AlternateContent xmlns:mc="http://schemas.openxmlformats.org/markup-compatibility/2006">
-    <mc:Choice xmlns:p14="http://schemas.microsoft.com/office/powerpoint/2010/main" Requires="p14">
+  <mc:AlternateContent xmlns:mc="http://schemas.openxmlformats.org/markup-compatibility/2006" xmlns:p14="http://schemas.microsoft.com/office/powerpoint/2010/main">
+    <mc:Choice Requires="p14">
       <p:transition p14:dur="300">
         <p:fade/>
       </p:transition>
     </mc:Choice>
-    <mc:Fallback>
+    <mc:Fallback xmlns="">
       <p:transition>
         <p:fade/>
       </p:transition>
@@ -14876,13 +14865,13 @@
   <p:clrMapOvr>
     <a:masterClrMapping/>
   </p:clrMapOvr>
-  <mc:AlternateContent xmlns:mc="http://schemas.openxmlformats.org/markup-compatibility/2006">
-    <mc:Choice xmlns:p14="http://schemas.microsoft.com/office/powerpoint/2010/main" Requires="p14">
+  <mc:AlternateContent xmlns:mc="http://schemas.openxmlformats.org/markup-compatibility/2006" xmlns:p14="http://schemas.microsoft.com/office/powerpoint/2010/main">
+    <mc:Choice Requires="p14">
       <p:transition p14:dur="300">
         <p:fade/>
       </p:transition>
     </mc:Choice>
-    <mc:Fallback>
+    <mc:Fallback xmlns="">
       <p:transition>
         <p:fade/>
       </p:transition>
@@ -15036,13 +15025,13 @@
   <p:clrMapOvr>
     <a:masterClrMapping/>
   </p:clrMapOvr>
-  <mc:AlternateContent xmlns:mc="http://schemas.openxmlformats.org/markup-compatibility/2006">
-    <mc:Choice xmlns:p14="http://schemas.microsoft.com/office/powerpoint/2010/main" Requires="p14">
+  <mc:AlternateContent xmlns:mc="http://schemas.openxmlformats.org/markup-compatibility/2006" xmlns:p14="http://schemas.microsoft.com/office/powerpoint/2010/main">
+    <mc:Choice Requires="p14">
       <p:transition p14:dur="300">
         <p:fade/>
       </p:transition>
     </mc:Choice>
-    <mc:Fallback>
+    <mc:Fallback xmlns="">
       <p:transition>
         <p:fade/>
       </p:transition>
@@ -15196,13 +15185,13 @@
   <p:clrMapOvr>
     <a:masterClrMapping/>
   </p:clrMapOvr>
-  <mc:AlternateContent xmlns:mc="http://schemas.openxmlformats.org/markup-compatibility/2006">
-    <mc:Choice xmlns:p14="http://schemas.microsoft.com/office/powerpoint/2010/main" Requires="p14">
+  <mc:AlternateContent xmlns:mc="http://schemas.openxmlformats.org/markup-compatibility/2006" xmlns:p14="http://schemas.microsoft.com/office/powerpoint/2010/main">
+    <mc:Choice Requires="p14">
       <p:transition p14:dur="300">
         <p:fade/>
       </p:transition>
     </mc:Choice>
-    <mc:Fallback>
+    <mc:Fallback xmlns="">
       <p:transition>
         <p:fade/>
       </p:transition>
@@ -15348,13 +15337,13 @@
   <p:clrMapOvr>
     <a:masterClrMapping/>
   </p:clrMapOvr>
-  <mc:AlternateContent xmlns:mc="http://schemas.openxmlformats.org/markup-compatibility/2006">
-    <mc:Choice xmlns:p14="http://schemas.microsoft.com/office/powerpoint/2010/main" Requires="p14">
+  <mc:AlternateContent xmlns:mc="http://schemas.openxmlformats.org/markup-compatibility/2006" xmlns:p14="http://schemas.microsoft.com/office/powerpoint/2010/main">
+    <mc:Choice Requires="p14">
       <p:transition p14:dur="300">
         <p:fade/>
       </p:transition>
     </mc:Choice>
-    <mc:Fallback>
+    <mc:Fallback xmlns="">
       <p:transition>
         <p:fade/>
       </p:transition>
@@ -15500,13 +15489,13 @@
   <p:clrMapOvr>
     <a:masterClrMapping/>
   </p:clrMapOvr>
-  <mc:AlternateContent xmlns:mc="http://schemas.openxmlformats.org/markup-compatibility/2006">
-    <mc:Choice xmlns:p14="http://schemas.microsoft.com/office/powerpoint/2010/main" Requires="p14">
+  <mc:AlternateContent xmlns:mc="http://schemas.openxmlformats.org/markup-compatibility/2006" xmlns:p14="http://schemas.microsoft.com/office/powerpoint/2010/main">
+    <mc:Choice Requires="p14">
       <p:transition p14:dur="300">
         <p:fade/>
       </p:transition>
     </mc:Choice>
-    <mc:Fallback>
+    <mc:Fallback xmlns="">
       <p:transition>
         <p:fade/>
       </p:transition>
@@ -15656,13 +15645,13 @@
   <p:clrMapOvr>
     <a:masterClrMapping/>
   </p:clrMapOvr>
-  <mc:AlternateContent xmlns:mc="http://schemas.openxmlformats.org/markup-compatibility/2006">
-    <mc:Choice xmlns:p14="http://schemas.microsoft.com/office/powerpoint/2010/main" Requires="p14">
+  <mc:AlternateContent xmlns:mc="http://schemas.openxmlformats.org/markup-compatibility/2006" xmlns:p14="http://schemas.microsoft.com/office/powerpoint/2010/main">
+    <mc:Choice Requires="p14">
       <p:transition p14:dur="300">
         <p:fade/>
       </p:transition>
     </mc:Choice>
-    <mc:Fallback>
+    <mc:Fallback xmlns="">
       <p:transition>
         <p:fade/>
       </p:transition>
@@ -15808,13 +15797,13 @@
   <p:clrMapOvr>
     <a:masterClrMapping/>
   </p:clrMapOvr>
-  <mc:AlternateContent xmlns:mc="http://schemas.openxmlformats.org/markup-compatibility/2006">
-    <mc:Choice xmlns:p14="http://schemas.microsoft.com/office/powerpoint/2010/main" Requires="p14">
+  <mc:AlternateContent xmlns:mc="http://schemas.openxmlformats.org/markup-compatibility/2006" xmlns:p14="http://schemas.microsoft.com/office/powerpoint/2010/main">
+    <mc:Choice Requires="p14">
       <p:transition p14:dur="300">
         <p:fade/>
       </p:transition>
     </mc:Choice>
-    <mc:Fallback>
+    <mc:Fallback xmlns="">
       <p:transition>
         <p:fade/>
       </p:transition>
@@ -15960,13 +15949,13 @@
   <p:clrMapOvr>
     <a:masterClrMapping/>
   </p:clrMapOvr>
-  <mc:AlternateContent xmlns:mc="http://schemas.openxmlformats.org/markup-compatibility/2006">
-    <mc:Choice xmlns:p14="http://schemas.microsoft.com/office/powerpoint/2010/main" Requires="p14">
+  <mc:AlternateContent xmlns:mc="http://schemas.openxmlformats.org/markup-compatibility/2006" xmlns:p14="http://schemas.microsoft.com/office/powerpoint/2010/main">
+    <mc:Choice Requires="p14">
       <p:transition p14:dur="300">
         <p:fade/>
       </p:transition>
     </mc:Choice>
-    <mc:Fallback>
+    <mc:Fallback xmlns="">
       <p:transition>
         <p:fade/>
       </p:transition>
@@ -16112,13 +16101,13 @@
   <p:clrMapOvr>
     <a:masterClrMapping/>
   </p:clrMapOvr>
-  <mc:AlternateContent xmlns:mc="http://schemas.openxmlformats.org/markup-compatibility/2006">
-    <mc:Choice xmlns:p14="http://schemas.microsoft.com/office/powerpoint/2010/main" Requires="p14">
+  <mc:AlternateContent xmlns:mc="http://schemas.openxmlformats.org/markup-compatibility/2006" xmlns:p14="http://schemas.microsoft.com/office/powerpoint/2010/main">
+    <mc:Choice Requires="p14">
       <p:transition p14:dur="300">
         <p:fade/>
       </p:transition>
     </mc:Choice>
-    <mc:Fallback>
+    <mc:Fallback xmlns="">
       <p:transition>
         <p:fade/>
       </p:transition>
@@ -16264,13 +16253,13 @@
   <p:clrMapOvr>
     <a:masterClrMapping/>
   </p:clrMapOvr>
-  <mc:AlternateContent xmlns:mc="http://schemas.openxmlformats.org/markup-compatibility/2006">
-    <mc:Choice xmlns:p14="http://schemas.microsoft.com/office/powerpoint/2010/main" Requires="p14">
+  <mc:AlternateContent xmlns:mc="http://schemas.openxmlformats.org/markup-compatibility/2006" xmlns:p14="http://schemas.microsoft.com/office/powerpoint/2010/main">
+    <mc:Choice Requires="p14">
       <p:transition p14:dur="300">
         <p:fade/>
       </p:transition>
     </mc:Choice>
-    <mc:Fallback>
+    <mc:Fallback xmlns="">
       <p:transition>
         <p:fade/>
       </p:transition>
@@ -16416,13 +16405,13 @@
   <p:clrMapOvr>
     <a:masterClrMapping/>
   </p:clrMapOvr>
-  <mc:AlternateContent xmlns:mc="http://schemas.openxmlformats.org/markup-compatibility/2006">
-    <mc:Choice xmlns:p14="http://schemas.microsoft.com/office/powerpoint/2010/main" Requires="p14">
+  <mc:AlternateContent xmlns:mc="http://schemas.openxmlformats.org/markup-compatibility/2006" xmlns:p14="http://schemas.microsoft.com/office/powerpoint/2010/main">
+    <mc:Choice Requires="p14">
       <p:transition p14:dur="300">
         <p:fade/>
       </p:transition>
     </mc:Choice>
-    <mc:Fallback>
+    <mc:Fallback xmlns="">
       <p:transition>
         <p:fade/>
       </p:transition>
@@ -16568,13 +16557,13 @@
   <p:clrMapOvr>
     <a:masterClrMapping/>
   </p:clrMapOvr>
-  <mc:AlternateContent xmlns:mc="http://schemas.openxmlformats.org/markup-compatibility/2006">
-    <mc:Choice xmlns:p14="http://schemas.microsoft.com/office/powerpoint/2010/main" Requires="p14">
+  <mc:AlternateContent xmlns:mc="http://schemas.openxmlformats.org/markup-compatibility/2006" xmlns:p14="http://schemas.microsoft.com/office/powerpoint/2010/main">
+    <mc:Choice Requires="p14">
       <p:transition p14:dur="300">
         <p:fade/>
       </p:transition>
     </mc:Choice>
-    <mc:Fallback>
+    <mc:Fallback xmlns="">
       <p:transition>
         <p:fade/>
       </p:transition>
@@ -16720,13 +16709,13 @@
   <p:clrMapOvr>
     <a:masterClrMapping/>
   </p:clrMapOvr>
-  <mc:AlternateContent xmlns:mc="http://schemas.openxmlformats.org/markup-compatibility/2006">
-    <mc:Choice xmlns:p14="http://schemas.microsoft.com/office/powerpoint/2010/main" Requires="p14">
+  <mc:AlternateContent xmlns:mc="http://schemas.openxmlformats.org/markup-compatibility/2006" xmlns:p14="http://schemas.microsoft.com/office/powerpoint/2010/main">
+    <mc:Choice Requires="p14">
       <p:transition p14:dur="300">
         <p:fade/>
       </p:transition>
     </mc:Choice>
-    <mc:Fallback>
+    <mc:Fallback xmlns="">
       <p:transition>
         <p:fade/>
       </p:transition>
@@ -16876,13 +16865,13 @@
   <p:clrMapOvr>
     <a:masterClrMapping/>
   </p:clrMapOvr>
-  <mc:AlternateContent xmlns:mc="http://schemas.openxmlformats.org/markup-compatibility/2006">
-    <mc:Choice xmlns:p14="http://schemas.microsoft.com/office/powerpoint/2010/main" Requires="p14">
+  <mc:AlternateContent xmlns:mc="http://schemas.openxmlformats.org/markup-compatibility/2006" xmlns:p14="http://schemas.microsoft.com/office/powerpoint/2010/main">
+    <mc:Choice Requires="p14">
       <p:transition p14:dur="300">
         <p:fade/>
       </p:transition>
     </mc:Choice>
-    <mc:Fallback>
+    <mc:Fallback xmlns="">
       <p:transition>
         <p:fade/>
       </p:transition>
@@ -17032,13 +17021,13 @@
   <p:clrMapOvr>
     <a:masterClrMapping/>
   </p:clrMapOvr>
-  <mc:AlternateContent xmlns:mc="http://schemas.openxmlformats.org/markup-compatibility/2006">
-    <mc:Choice xmlns:p14="http://schemas.microsoft.com/office/powerpoint/2010/main" Requires="p14">
+  <mc:AlternateContent xmlns:mc="http://schemas.openxmlformats.org/markup-compatibility/2006" xmlns:p14="http://schemas.microsoft.com/office/powerpoint/2010/main">
+    <mc:Choice Requires="p14">
       <p:transition p14:dur="300">
         <p:fade/>
       </p:transition>
     </mc:Choice>
-    <mc:Fallback>
+    <mc:Fallback xmlns="">
       <p:transition>
         <p:fade/>
       </p:transition>
@@ -17188,13 +17177,13 @@
   <p:clrMapOvr>
     <a:masterClrMapping/>
   </p:clrMapOvr>
-  <mc:AlternateContent xmlns:mc="http://schemas.openxmlformats.org/markup-compatibility/2006">
-    <mc:Choice xmlns:p14="http://schemas.microsoft.com/office/powerpoint/2010/main" Requires="p14">
+  <mc:AlternateContent xmlns:mc="http://schemas.openxmlformats.org/markup-compatibility/2006" xmlns:p14="http://schemas.microsoft.com/office/powerpoint/2010/main">
+    <mc:Choice Requires="p14">
       <p:transition p14:dur="300">
         <p:fade/>
       </p:transition>
     </mc:Choice>
-    <mc:Fallback>
+    <mc:Fallback xmlns="">
       <p:transition>
         <p:fade/>
       </p:transition>
@@ -17344,13 +17333,13 @@
   <p:clrMapOvr>
     <a:masterClrMapping/>
   </p:clrMapOvr>
-  <mc:AlternateContent xmlns:mc="http://schemas.openxmlformats.org/markup-compatibility/2006">
-    <mc:Choice xmlns:p14="http://schemas.microsoft.com/office/powerpoint/2010/main" Requires="p14">
+  <mc:AlternateContent xmlns:mc="http://schemas.openxmlformats.org/markup-compatibility/2006" xmlns:p14="http://schemas.microsoft.com/office/powerpoint/2010/main">
+    <mc:Choice Requires="p14">
       <p:transition p14:dur="300">
         <p:fade/>
       </p:transition>
     </mc:Choice>
-    <mc:Fallback>
+    <mc:Fallback xmlns="">
       <p:transition>
         <p:fade/>
       </p:transition>
@@ -17504,13 +17493,13 @@
   <p:clrMapOvr>
     <a:masterClrMapping/>
   </p:clrMapOvr>
-  <mc:AlternateContent xmlns:mc="http://schemas.openxmlformats.org/markup-compatibility/2006">
-    <mc:Choice xmlns:p14="http://schemas.microsoft.com/office/powerpoint/2010/main" Requires="p14">
+  <mc:AlternateContent xmlns:mc="http://schemas.openxmlformats.org/markup-compatibility/2006" xmlns:p14="http://schemas.microsoft.com/office/powerpoint/2010/main">
+    <mc:Choice Requires="p14">
       <p:transition p14:dur="300">
         <p:fade/>
       </p:transition>
     </mc:Choice>
-    <mc:Fallback>
+    <mc:Fallback xmlns="">
       <p:transition>
         <p:fade/>
       </p:transition>
@@ -17668,13 +17657,13 @@
   <p:clrMapOvr>
     <a:masterClrMapping/>
   </p:clrMapOvr>
-  <mc:AlternateContent xmlns:mc="http://schemas.openxmlformats.org/markup-compatibility/2006">
-    <mc:Choice xmlns:p14="http://schemas.microsoft.com/office/powerpoint/2010/main" Requires="p14">
+  <mc:AlternateContent xmlns:mc="http://schemas.openxmlformats.org/markup-compatibility/2006" xmlns:p14="http://schemas.microsoft.com/office/powerpoint/2010/main">
+    <mc:Choice Requires="p14">
       <p:transition p14:dur="300">
         <p:fade/>
       </p:transition>
     </mc:Choice>
-    <mc:Fallback>
+    <mc:Fallback xmlns="">
       <p:transition>
         <p:fade/>
       </p:transition>
@@ -17828,13 +17817,13 @@
   <p:clrMapOvr>
     <a:masterClrMapping/>
   </p:clrMapOvr>
-  <mc:AlternateContent xmlns:mc="http://schemas.openxmlformats.org/markup-compatibility/2006">
-    <mc:Choice xmlns:p14="http://schemas.microsoft.com/office/powerpoint/2010/main" Requires="p14">
+  <mc:AlternateContent xmlns:mc="http://schemas.openxmlformats.org/markup-compatibility/2006" xmlns:p14="http://schemas.microsoft.com/office/powerpoint/2010/main">
+    <mc:Choice Requires="p14">
       <p:transition p14:dur="300">
         <p:fade/>
       </p:transition>
     </mc:Choice>
-    <mc:Fallback>
+    <mc:Fallback xmlns="">
       <p:transition>
         <p:fade/>
       </p:transition>
@@ -17980,13 +17969,13 @@
   <p:clrMapOvr>
     <a:masterClrMapping/>
   </p:clrMapOvr>
-  <mc:AlternateContent xmlns:mc="http://schemas.openxmlformats.org/markup-compatibility/2006">
-    <mc:Choice xmlns:p14="http://schemas.microsoft.com/office/powerpoint/2010/main" Requires="p14">
+  <mc:AlternateContent xmlns:mc="http://schemas.openxmlformats.org/markup-compatibility/2006" xmlns:p14="http://schemas.microsoft.com/office/powerpoint/2010/main">
+    <mc:Choice Requires="p14">
       <p:transition p14:dur="300">
         <p:fade/>
       </p:transition>
     </mc:Choice>
-    <mc:Fallback>
+    <mc:Fallback xmlns="">
       <p:transition>
         <p:fade/>
       </p:transition>
@@ -18137,13 +18126,13 @@
   <p:clrMapOvr>
     <a:masterClrMapping/>
   </p:clrMapOvr>
-  <mc:AlternateContent xmlns:mc="http://schemas.openxmlformats.org/markup-compatibility/2006">
-    <mc:Choice xmlns:p14="http://schemas.microsoft.com/office/powerpoint/2010/main" Requires="p14">
+  <mc:AlternateContent xmlns:mc="http://schemas.openxmlformats.org/markup-compatibility/2006" xmlns:p14="http://schemas.microsoft.com/office/powerpoint/2010/main">
+    <mc:Choice Requires="p14">
       <p:transition p14:dur="300">
         <p:fade/>
       </p:transition>
     </mc:Choice>
-    <mc:Fallback>
+    <mc:Fallback xmlns="">
       <p:transition>
         <p:fade/>
       </p:transition>
@@ -18289,13 +18278,13 @@
   <p:clrMapOvr>
     <a:masterClrMapping/>
   </p:clrMapOvr>
-  <mc:AlternateContent xmlns:mc="http://schemas.openxmlformats.org/markup-compatibility/2006">
-    <mc:Choice xmlns:p14="http://schemas.microsoft.com/office/powerpoint/2010/main" Requires="p14">
+  <mc:AlternateContent xmlns:mc="http://schemas.openxmlformats.org/markup-compatibility/2006" xmlns:p14="http://schemas.microsoft.com/office/powerpoint/2010/main">
+    <mc:Choice Requires="p14">
       <p:transition p14:dur="300">
         <p:fade/>
       </p:transition>
     </mc:Choice>
-    <mc:Fallback>
+    <mc:Fallback xmlns="">
       <p:transition>
         <p:fade/>
       </p:transition>
@@ -18441,13 +18430,13 @@
   <p:clrMapOvr>
     <a:masterClrMapping/>
   </p:clrMapOvr>
-  <mc:AlternateContent xmlns:mc="http://schemas.openxmlformats.org/markup-compatibility/2006">
-    <mc:Choice xmlns:p14="http://schemas.microsoft.com/office/powerpoint/2010/main" Requires="p14">
+  <mc:AlternateContent xmlns:mc="http://schemas.openxmlformats.org/markup-compatibility/2006" xmlns:p14="http://schemas.microsoft.com/office/powerpoint/2010/main">
+    <mc:Choice Requires="p14">
       <p:transition p14:dur="300">
         <p:fade/>
       </p:transition>
     </mc:Choice>
-    <mc:Fallback>
+    <mc:Fallback xmlns="">
       <p:transition>
         <p:fade/>
       </p:transition>
@@ -18617,13 +18606,13 @@
   <p:clrMapOvr>
     <a:masterClrMapping/>
   </p:clrMapOvr>
-  <mc:AlternateContent xmlns:mc="http://schemas.openxmlformats.org/markup-compatibility/2006">
-    <mc:Choice xmlns:p14="http://schemas.microsoft.com/office/powerpoint/2010/main" Requires="p14">
+  <mc:AlternateContent xmlns:mc="http://schemas.openxmlformats.org/markup-compatibility/2006" xmlns:p14="http://schemas.microsoft.com/office/powerpoint/2010/main">
+    <mc:Choice Requires="p14">
       <p:transition p14:dur="300">
         <p:fade/>
       </p:transition>
     </mc:Choice>
-    <mc:Fallback>
+    <mc:Fallback xmlns="">
       <p:transition>
         <p:fade/>
       </p:transition>
@@ -18781,13 +18770,13 @@
   <p:clrMapOvr>
     <a:masterClrMapping/>
   </p:clrMapOvr>
-  <mc:AlternateContent xmlns:mc="http://schemas.openxmlformats.org/markup-compatibility/2006">
-    <mc:Choice xmlns:p14="http://schemas.microsoft.com/office/powerpoint/2010/main" Requires="p14">
+  <mc:AlternateContent xmlns:mc="http://schemas.openxmlformats.org/markup-compatibility/2006" xmlns:p14="http://schemas.microsoft.com/office/powerpoint/2010/main">
+    <mc:Choice Requires="p14">
       <p:transition p14:dur="300">
         <p:fade/>
       </p:transition>
     </mc:Choice>
-    <mc:Fallback>
+    <mc:Fallback xmlns="">
       <p:transition>
         <p:fade/>
       </p:transition>
@@ -18933,13 +18922,13 @@
   <p:clrMapOvr>
     <a:masterClrMapping/>
   </p:clrMapOvr>
-  <mc:AlternateContent xmlns:mc="http://schemas.openxmlformats.org/markup-compatibility/2006">
-    <mc:Choice xmlns:p14="http://schemas.microsoft.com/office/powerpoint/2010/main" Requires="p14">
+  <mc:AlternateContent xmlns:mc="http://schemas.openxmlformats.org/markup-compatibility/2006" xmlns:p14="http://schemas.microsoft.com/office/powerpoint/2010/main">
+    <mc:Choice Requires="p14">
       <p:transition p14:dur="300">
         <p:fade/>
       </p:transition>
     </mc:Choice>
-    <mc:Fallback>
+    <mc:Fallback xmlns="">
       <p:transition>
         <p:fade/>
       </p:transition>
@@ -19089,13 +19078,13 @@
   <p:clrMapOvr>
     <a:masterClrMapping/>
   </p:clrMapOvr>
-  <mc:AlternateContent xmlns:mc="http://schemas.openxmlformats.org/markup-compatibility/2006">
-    <mc:Choice xmlns:p14="http://schemas.microsoft.com/office/powerpoint/2010/main" Requires="p14">
+  <mc:AlternateContent xmlns:mc="http://schemas.openxmlformats.org/markup-compatibility/2006" xmlns:p14="http://schemas.microsoft.com/office/powerpoint/2010/main">
+    <mc:Choice Requires="p14">
       <p:transition p14:dur="300">
         <p:fade/>
       </p:transition>
     </mc:Choice>
-    <mc:Fallback>
+    <mc:Fallback xmlns="">
       <p:transition>
         <p:fade/>
       </p:transition>
@@ -19253,13 +19242,13 @@
   <p:clrMapOvr>
     <a:masterClrMapping/>
   </p:clrMapOvr>
-  <mc:AlternateContent xmlns:mc="http://schemas.openxmlformats.org/markup-compatibility/2006">
-    <mc:Choice xmlns:p14="http://schemas.microsoft.com/office/powerpoint/2010/main" Requires="p14">
+  <mc:AlternateContent xmlns:mc="http://schemas.openxmlformats.org/markup-compatibility/2006" xmlns:p14="http://schemas.microsoft.com/office/powerpoint/2010/main">
+    <mc:Choice Requires="p14">
       <p:transition p14:dur="300">
         <p:fade/>
       </p:transition>
     </mc:Choice>
-    <mc:Fallback>
+    <mc:Fallback xmlns="">
       <p:transition>
         <p:fade/>
       </p:transition>
@@ -20104,13 +20093,13 @@
   <p:clrMapOvr>
     <a:masterClrMapping/>
   </p:clrMapOvr>
-  <mc:AlternateContent xmlns:mc="http://schemas.openxmlformats.org/markup-compatibility/2006">
-    <mc:Choice xmlns:p14="http://schemas.microsoft.com/office/powerpoint/2010/main" Requires="p14">
+  <mc:AlternateContent xmlns:mc="http://schemas.openxmlformats.org/markup-compatibility/2006" xmlns:p14="http://schemas.microsoft.com/office/powerpoint/2010/main">
+    <mc:Choice Requires="p14">
       <p:transition p14:dur="300">
         <p:fade/>
       </p:transition>
     </mc:Choice>
-    <mc:Fallback>
+    <mc:Fallback xmlns="">
       <p:transition>
         <p:fade/>
       </p:transition>
@@ -20268,13 +20257,13 @@
   <p:clrMapOvr>
     <a:masterClrMapping/>
   </p:clrMapOvr>
-  <mc:AlternateContent xmlns:mc="http://schemas.openxmlformats.org/markup-compatibility/2006">
-    <mc:Choice xmlns:p14="http://schemas.microsoft.com/office/powerpoint/2010/main" Requires="p14">
+  <mc:AlternateContent xmlns:mc="http://schemas.openxmlformats.org/markup-compatibility/2006" xmlns:p14="http://schemas.microsoft.com/office/powerpoint/2010/main">
+    <mc:Choice Requires="p14">
       <p:transition p14:dur="300">
         <p:fade/>
       </p:transition>
     </mc:Choice>
-    <mc:Fallback>
+    <mc:Fallback xmlns="">
       <p:transition>
         <p:fade/>
       </p:transition>
@@ -20432,13 +20421,13 @@
   <p:clrMapOvr>
     <a:masterClrMapping/>
   </p:clrMapOvr>
-  <mc:AlternateContent xmlns:mc="http://schemas.openxmlformats.org/markup-compatibility/2006">
-    <mc:Choice xmlns:p14="http://schemas.microsoft.com/office/powerpoint/2010/main" Requires="p14">
+  <mc:AlternateContent xmlns:mc="http://schemas.openxmlformats.org/markup-compatibility/2006" xmlns:p14="http://schemas.microsoft.com/office/powerpoint/2010/main">
+    <mc:Choice Requires="p14">
       <p:transition p14:dur="300">
         <p:fade/>
       </p:transition>
     </mc:Choice>
-    <mc:Fallback>
+    <mc:Fallback xmlns="">
       <p:transition>
         <p:fade/>
       </p:transition>
@@ -20596,13 +20585,13 @@
   <p:clrMapOvr>
     <a:masterClrMapping/>
   </p:clrMapOvr>
-  <mc:AlternateContent xmlns:mc="http://schemas.openxmlformats.org/markup-compatibility/2006">
-    <mc:Choice xmlns:p14="http://schemas.microsoft.com/office/powerpoint/2010/main" Requires="p14">
+  <mc:AlternateContent xmlns:mc="http://schemas.openxmlformats.org/markup-compatibility/2006" xmlns:p14="http://schemas.microsoft.com/office/powerpoint/2010/main">
+    <mc:Choice Requires="p14">
       <p:transition p14:dur="300">
         <p:fade/>
       </p:transition>
     </mc:Choice>
-    <mc:Fallback>
+    <mc:Fallback xmlns="">
       <p:transition>
         <p:fade/>
       </p:transition>
@@ -20776,13 +20765,13 @@
   <p:clrMapOvr>
     <a:masterClrMapping/>
   </p:clrMapOvr>
-  <mc:AlternateContent xmlns:mc="http://schemas.openxmlformats.org/markup-compatibility/2006">
-    <mc:Choice xmlns:p14="http://schemas.microsoft.com/office/powerpoint/2010/main" Requires="p14">
+  <mc:AlternateContent xmlns:mc="http://schemas.openxmlformats.org/markup-compatibility/2006" xmlns:p14="http://schemas.microsoft.com/office/powerpoint/2010/main">
+    <mc:Choice Requires="p14">
       <p:transition p14:dur="300">
         <p:fade/>
       </p:transition>
     </mc:Choice>
-    <mc:Fallback>
+    <mc:Fallback xmlns="">
       <p:transition>
         <p:fade/>
       </p:transition>
@@ -20932,13 +20921,13 @@
   <p:clrMapOvr>
     <a:masterClrMapping/>
   </p:clrMapOvr>
-  <mc:AlternateContent xmlns:mc="http://schemas.openxmlformats.org/markup-compatibility/2006">
-    <mc:Choice xmlns:p14="http://schemas.microsoft.com/office/powerpoint/2010/main" Requires="p14">
+  <mc:AlternateContent xmlns:mc="http://schemas.openxmlformats.org/markup-compatibility/2006" xmlns:p14="http://schemas.microsoft.com/office/powerpoint/2010/main">
+    <mc:Choice Requires="p14">
       <p:transition p14:dur="300">
         <p:fade/>
       </p:transition>
     </mc:Choice>
-    <mc:Fallback>
+    <mc:Fallback xmlns="">
       <p:transition>
         <p:fade/>
       </p:transition>
@@ -21104,13 +21093,13 @@
   <p:clrMapOvr>
     <a:masterClrMapping/>
   </p:clrMapOvr>
-  <mc:AlternateContent xmlns:mc="http://schemas.openxmlformats.org/markup-compatibility/2006">
-    <mc:Choice xmlns:p14="http://schemas.microsoft.com/office/powerpoint/2010/main" Requires="p14">
+  <mc:AlternateContent xmlns:mc="http://schemas.openxmlformats.org/markup-compatibility/2006" xmlns:p14="http://schemas.microsoft.com/office/powerpoint/2010/main">
+    <mc:Choice Requires="p14">
       <p:transition p14:dur="300">
         <p:fade/>
       </p:transition>
     </mc:Choice>
-    <mc:Fallback>
+    <mc:Fallback xmlns="">
       <p:transition>
         <p:fade/>
       </p:transition>
@@ -21264,13 +21253,13 @@
   <p:clrMapOvr>
     <a:masterClrMapping/>
   </p:clrMapOvr>
-  <mc:AlternateContent xmlns:mc="http://schemas.openxmlformats.org/markup-compatibility/2006">
-    <mc:Choice xmlns:p14="http://schemas.microsoft.com/office/powerpoint/2010/main" Requires="p14">
+  <mc:AlternateContent xmlns:mc="http://schemas.openxmlformats.org/markup-compatibility/2006" xmlns:p14="http://schemas.microsoft.com/office/powerpoint/2010/main">
+    <mc:Choice Requires="p14">
       <p:transition p14:dur="300">
         <p:fade/>
       </p:transition>
     </mc:Choice>
-    <mc:Fallback>
+    <mc:Fallback xmlns="">
       <p:transition>
         <p:fade/>
       </p:transition>
@@ -21424,13 +21413,13 @@
   <p:clrMapOvr>
     <a:masterClrMapping/>
   </p:clrMapOvr>
-  <mc:AlternateContent xmlns:mc="http://schemas.openxmlformats.org/markup-compatibility/2006">
-    <mc:Choice xmlns:p14="http://schemas.microsoft.com/office/powerpoint/2010/main" Requires="p14">
+  <mc:AlternateContent xmlns:mc="http://schemas.openxmlformats.org/markup-compatibility/2006" xmlns:p14="http://schemas.microsoft.com/office/powerpoint/2010/main">
+    <mc:Choice Requires="p14">
       <p:transition p14:dur="300">
         <p:fade/>
       </p:transition>
     </mc:Choice>
-    <mc:Fallback>
+    <mc:Fallback xmlns="">
       <p:transition>
         <p:fade/>
       </p:transition>
@@ -21580,13 +21569,13 @@
   <p:clrMapOvr>
     <a:masterClrMapping/>
   </p:clrMapOvr>
-  <mc:AlternateContent xmlns:mc="http://schemas.openxmlformats.org/markup-compatibility/2006">
-    <mc:Choice xmlns:p14="http://schemas.microsoft.com/office/powerpoint/2010/main" Requires="p14">
+  <mc:AlternateContent xmlns:mc="http://schemas.openxmlformats.org/markup-compatibility/2006" xmlns:p14="http://schemas.microsoft.com/office/powerpoint/2010/main">
+    <mc:Choice Requires="p14">
       <p:transition p14:dur="300">
         <p:fade/>
       </p:transition>
     </mc:Choice>
-    <mc:Fallback>
+    <mc:Fallback xmlns="">
       <p:transition>
         <p:fade/>
       </p:transition>
@@ -21748,13 +21737,13 @@
   <p:clrMapOvr>
     <a:masterClrMapping/>
   </p:clrMapOvr>
-  <mc:AlternateContent xmlns:mc="http://schemas.openxmlformats.org/markup-compatibility/2006">
-    <mc:Choice xmlns:p14="http://schemas.microsoft.com/office/powerpoint/2010/main" Requires="p14">
+  <mc:AlternateContent xmlns:mc="http://schemas.openxmlformats.org/markup-compatibility/2006" xmlns:p14="http://schemas.microsoft.com/office/powerpoint/2010/main">
+    <mc:Choice Requires="p14">
       <p:transition p14:dur="300">
         <p:fade/>
       </p:transition>
     </mc:Choice>
-    <mc:Fallback>
+    <mc:Fallback xmlns="">
       <p:transition>
         <p:fade/>
       </p:transition>
@@ -21916,13 +21905,13 @@
   <p:clrMapOvr>
     <a:masterClrMapping/>
   </p:clrMapOvr>
-  <mc:AlternateContent xmlns:mc="http://schemas.openxmlformats.org/markup-compatibility/2006">
-    <mc:Choice xmlns:p14="http://schemas.microsoft.com/office/powerpoint/2010/main" Requires="p14">
+  <mc:AlternateContent xmlns:mc="http://schemas.openxmlformats.org/markup-compatibility/2006" xmlns:p14="http://schemas.microsoft.com/office/powerpoint/2010/main">
+    <mc:Choice Requires="p14">
       <p:transition p14:dur="300">
         <p:fade/>
       </p:transition>
     </mc:Choice>
-    <mc:Fallback>
+    <mc:Fallback xmlns="">
       <p:transition>
         <p:fade/>
       </p:transition>
@@ -22072,13 +22061,13 @@
   <p:clrMapOvr>
     <a:masterClrMapping/>
   </p:clrMapOvr>
-  <mc:AlternateContent xmlns:mc="http://schemas.openxmlformats.org/markup-compatibility/2006">
-    <mc:Choice xmlns:p14="http://schemas.microsoft.com/office/powerpoint/2010/main" Requires="p14">
+  <mc:AlternateContent xmlns:mc="http://schemas.openxmlformats.org/markup-compatibility/2006" xmlns:p14="http://schemas.microsoft.com/office/powerpoint/2010/main">
+    <mc:Choice Requires="p14">
       <p:transition p14:dur="300">
         <p:fade/>
       </p:transition>
     </mc:Choice>
-    <mc:Fallback>
+    <mc:Fallback xmlns="">
       <p:transition>
         <p:fade/>
       </p:transition>
@@ -22232,13 +22221,13 @@
   <p:clrMapOvr>
     <a:masterClrMapping/>
   </p:clrMapOvr>
-  <mc:AlternateContent xmlns:mc="http://schemas.openxmlformats.org/markup-compatibility/2006">
-    <mc:Choice xmlns:p14="http://schemas.microsoft.com/office/powerpoint/2010/main" Requires="p14">
+  <mc:AlternateContent xmlns:mc="http://schemas.openxmlformats.org/markup-compatibility/2006" xmlns:p14="http://schemas.microsoft.com/office/powerpoint/2010/main">
+    <mc:Choice Requires="p14">
       <p:transition p14:dur="300">
         <p:fade/>
       </p:transition>
     </mc:Choice>
-    <mc:Fallback>
+    <mc:Fallback xmlns="">
       <p:transition>
         <p:fade/>
       </p:transition>
@@ -22388,13 +22377,13 @@
   <p:clrMapOvr>
     <a:masterClrMapping/>
   </p:clrMapOvr>
-  <mc:AlternateContent xmlns:mc="http://schemas.openxmlformats.org/markup-compatibility/2006">
-    <mc:Choice xmlns:p14="http://schemas.microsoft.com/office/powerpoint/2010/main" Requires="p14">
+  <mc:AlternateContent xmlns:mc="http://schemas.openxmlformats.org/markup-compatibility/2006" xmlns:p14="http://schemas.microsoft.com/office/powerpoint/2010/main">
+    <mc:Choice Requires="p14">
       <p:transition p14:dur="300">
         <p:fade/>
       </p:transition>
     </mc:Choice>
-    <mc:Fallback>
+    <mc:Fallback xmlns="">
       <p:transition>
         <p:fade/>
       </p:transition>
@@ -22548,13 +22537,13 @@
   <p:clrMapOvr>
     <a:masterClrMapping/>
   </p:clrMapOvr>
-  <mc:AlternateContent xmlns:mc="http://schemas.openxmlformats.org/markup-compatibility/2006">
-    <mc:Choice xmlns:p14="http://schemas.microsoft.com/office/powerpoint/2010/main" Requires="p14">
+  <mc:AlternateContent xmlns:mc="http://schemas.openxmlformats.org/markup-compatibility/2006" xmlns:p14="http://schemas.microsoft.com/office/powerpoint/2010/main">
+    <mc:Choice Requires="p14">
       <p:transition p14:dur="300">
         <p:fade/>
       </p:transition>
     </mc:Choice>
-    <mc:Fallback>
+    <mc:Fallback xmlns="">
       <p:transition>
         <p:fade/>
       </p:transition>
@@ -22708,13 +22697,13 @@
   <p:clrMapOvr>
     <a:masterClrMapping/>
   </p:clrMapOvr>
-  <mc:AlternateContent xmlns:mc="http://schemas.openxmlformats.org/markup-compatibility/2006">
-    <mc:Choice xmlns:p14="http://schemas.microsoft.com/office/powerpoint/2010/main" Requires="p14">
+  <mc:AlternateContent xmlns:mc="http://schemas.openxmlformats.org/markup-compatibility/2006" xmlns:p14="http://schemas.microsoft.com/office/powerpoint/2010/main">
+    <mc:Choice Requires="p14">
       <p:transition p14:dur="300">
         <p:fade/>
       </p:transition>
     </mc:Choice>
-    <mc:Fallback>
+    <mc:Fallback xmlns="">
       <p:transition>
         <p:fade/>
       </p:transition>
@@ -22924,8 +22913,8 @@
         </p:nvSpPr>
         <p:spPr>
           <a:xfrm>
-            <a:off x="3057242" y="2492896"/>
-            <a:ext cx="2541080" cy="1200329"/>
+            <a:off x="2486573" y="2492896"/>
+            <a:ext cx="3682419" cy="1200329"/>
           </a:xfrm>
           <a:prstGeom prst="rect">
             <a:avLst/>
@@ -22938,7 +22927,7 @@
           </a:bodyPr>
           <a:lstStyle/>
           <a:p>
-            <a:pPr marL="0" marR="0" lvl="0" indent="0" algn="ctr" defTabSz="914400" rtl="0" eaLnBrk="1" fontAlgn="auto" latinLnBrk="0" hangingPunct="1">
+            <a:pPr marL="0" marR="0" lvl="0" indent="0" algn="ctr" defTabSz="914400" rtl="1" eaLnBrk="1" fontAlgn="auto" latinLnBrk="0" hangingPunct="1">
               <a:lnSpc>
                 <a:spcPct val="100000"/>
               </a:lnSpc>
@@ -22970,7 +22959,34 @@
                 <a:ea typeface="+mn-ea"/>
                 <a:cs typeface="Arabic Typesetting" panose="03020402040406030203" pitchFamily="66" charset="-78"/>
               </a:rPr>
-              <a:t>زيارة شهداء</a:t>
+              <a:t>زيارة</a:t>
+            </a:r>
+            <a:r>
+              <a:rPr lang="ar-SA" sz="7200" dirty="0">
+                <a:solidFill>
+                  <a:srgbClr val="002060"/>
+                </a:solidFill>
+                <a:latin typeface="Arabic Typesetting" panose="03020402040406030203" pitchFamily="66" charset="-78"/>
+                <a:cs typeface="Arabic Typesetting" panose="03020402040406030203" pitchFamily="66" charset="-78"/>
+              </a:rPr>
+              <a:t> </a:t>
+            </a:r>
+            <a:r>
+              <a:rPr kumimoji="0" lang="ar-EG" sz="7200" b="0" i="0" u="none" strike="noStrike" kern="1200" cap="none" spc="0" normalizeH="0" baseline="0" noProof="0" dirty="0">
+                <a:ln>
+                  <a:noFill/>
+                </a:ln>
+                <a:solidFill>
+                  <a:srgbClr val="002060"/>
+                </a:solidFill>
+                <a:effectLst/>
+                <a:uLnTx/>
+                <a:uFillTx/>
+                <a:latin typeface="Arabic Typesetting" panose="03020402040406030203" pitchFamily="66" charset="-78"/>
+                <a:ea typeface="+mn-ea"/>
+                <a:cs typeface="Arabic Typesetting" panose="03020402040406030203" pitchFamily="66" charset="-78"/>
+              </a:rPr>
+              <a:t>سائر شهداء</a:t>
             </a:r>
           </a:p>
         </p:txBody>
@@ -23522,13 +23538,13 @@
   <p:clrMapOvr>
     <a:masterClrMapping/>
   </p:clrMapOvr>
-  <mc:AlternateContent xmlns:mc="http://schemas.openxmlformats.org/markup-compatibility/2006">
-    <mc:Choice xmlns:p14="http://schemas.microsoft.com/office/powerpoint/2010/main" Requires="p14">
+  <mc:AlternateContent xmlns:mc="http://schemas.openxmlformats.org/markup-compatibility/2006" xmlns:p14="http://schemas.microsoft.com/office/powerpoint/2010/main">
+    <mc:Choice Requires="p14">
       <p:transition p14:dur="300">
         <p:fade/>
       </p:transition>
     </mc:Choice>
-    <mc:Fallback>
+    <mc:Fallback xmlns="">
       <p:transition>
         <p:fade/>
       </p:transition>
@@ -23682,13 +23698,13 @@
   <p:clrMapOvr>
     <a:masterClrMapping/>
   </p:clrMapOvr>
-  <mc:AlternateContent xmlns:mc="http://schemas.openxmlformats.org/markup-compatibility/2006">
-    <mc:Choice xmlns:p14="http://schemas.microsoft.com/office/powerpoint/2010/main" Requires="p14">
+  <mc:AlternateContent xmlns:mc="http://schemas.openxmlformats.org/markup-compatibility/2006" xmlns:p14="http://schemas.microsoft.com/office/powerpoint/2010/main">
+    <mc:Choice Requires="p14">
       <p:transition p14:dur="300">
         <p:fade/>
       </p:transition>
     </mc:Choice>
-    <mc:Fallback>
+    <mc:Fallback xmlns="">
       <p:transition>
         <p:fade/>
       </p:transition>
@@ -23846,13 +23862,13 @@
   <p:clrMapOvr>
     <a:masterClrMapping/>
   </p:clrMapOvr>
-  <mc:AlternateContent xmlns:mc="http://schemas.openxmlformats.org/markup-compatibility/2006">
-    <mc:Choice xmlns:p14="http://schemas.microsoft.com/office/powerpoint/2010/main" Requires="p14">
+  <mc:AlternateContent xmlns:mc="http://schemas.openxmlformats.org/markup-compatibility/2006" xmlns:p14="http://schemas.microsoft.com/office/powerpoint/2010/main">
+    <mc:Choice Requires="p14">
       <p:transition p14:dur="300">
         <p:fade/>
       </p:transition>
     </mc:Choice>
-    <mc:Fallback>
+    <mc:Fallback xmlns="">
       <p:transition>
         <p:fade/>
       </p:transition>
@@ -24002,13 +24018,13 @@
   <p:clrMapOvr>
     <a:masterClrMapping/>
   </p:clrMapOvr>
-  <mc:AlternateContent xmlns:mc="http://schemas.openxmlformats.org/markup-compatibility/2006">
-    <mc:Choice xmlns:p14="http://schemas.microsoft.com/office/powerpoint/2010/main" Requires="p14">
+  <mc:AlternateContent xmlns:mc="http://schemas.openxmlformats.org/markup-compatibility/2006" xmlns:p14="http://schemas.microsoft.com/office/powerpoint/2010/main">
+    <mc:Choice Requires="p14">
       <p:transition p14:dur="300">
         <p:fade/>
       </p:transition>
     </mc:Choice>
-    <mc:Fallback>
+    <mc:Fallback xmlns="">
       <p:transition>
         <p:fade/>
       </p:transition>
@@ -24158,13 +24174,13 @@
   <p:clrMapOvr>
     <a:masterClrMapping/>
   </p:clrMapOvr>
-  <mc:AlternateContent xmlns:mc="http://schemas.openxmlformats.org/markup-compatibility/2006">
-    <mc:Choice xmlns:p14="http://schemas.microsoft.com/office/powerpoint/2010/main" Requires="p14">
+  <mc:AlternateContent xmlns:mc="http://schemas.openxmlformats.org/markup-compatibility/2006" xmlns:p14="http://schemas.microsoft.com/office/powerpoint/2010/main">
+    <mc:Choice Requires="p14">
       <p:transition p14:dur="300">
         <p:fade/>
       </p:transition>
     </mc:Choice>
-    <mc:Fallback>
+    <mc:Fallback xmlns="">
       <p:transition>
         <p:fade/>
       </p:transition>
@@ -24314,13 +24330,13 @@
   <p:clrMapOvr>
     <a:masterClrMapping/>
   </p:clrMapOvr>
-  <mc:AlternateContent xmlns:mc="http://schemas.openxmlformats.org/markup-compatibility/2006">
-    <mc:Choice xmlns:p14="http://schemas.microsoft.com/office/powerpoint/2010/main" Requires="p14">
+  <mc:AlternateContent xmlns:mc="http://schemas.openxmlformats.org/markup-compatibility/2006" xmlns:p14="http://schemas.microsoft.com/office/powerpoint/2010/main">
+    <mc:Choice Requires="p14">
       <p:transition p14:dur="300">
         <p:fade/>
       </p:transition>
     </mc:Choice>
-    <mc:Fallback>
+    <mc:Fallback xmlns="">
       <p:transition>
         <p:fade/>
       </p:transition>
@@ -24470,13 +24486,13 @@
   <p:clrMapOvr>
     <a:masterClrMapping/>
   </p:clrMapOvr>
-  <mc:AlternateContent xmlns:mc="http://schemas.openxmlformats.org/markup-compatibility/2006">
-    <mc:Choice xmlns:p14="http://schemas.microsoft.com/office/powerpoint/2010/main" Requires="p14">
+  <mc:AlternateContent xmlns:mc="http://schemas.openxmlformats.org/markup-compatibility/2006" xmlns:p14="http://schemas.microsoft.com/office/powerpoint/2010/main">
+    <mc:Choice Requires="p14">
       <p:transition p14:dur="300">
         <p:fade/>
       </p:transition>
     </mc:Choice>
-    <mc:Fallback>
+    <mc:Fallback xmlns="">
       <p:transition>
         <p:fade/>
       </p:transition>
@@ -24626,13 +24642,13 @@
   <p:clrMapOvr>
     <a:masterClrMapping/>
   </p:clrMapOvr>
-  <mc:AlternateContent xmlns:mc="http://schemas.openxmlformats.org/markup-compatibility/2006">
-    <mc:Choice xmlns:p14="http://schemas.microsoft.com/office/powerpoint/2010/main" Requires="p14">
+  <mc:AlternateContent xmlns:mc="http://schemas.openxmlformats.org/markup-compatibility/2006" xmlns:p14="http://schemas.microsoft.com/office/powerpoint/2010/main">
+    <mc:Choice Requires="p14">
       <p:transition p14:dur="300">
         <p:fade/>
       </p:transition>
     </mc:Choice>
-    <mc:Fallback>
+    <mc:Fallback xmlns="">
       <p:transition>
         <p:fade/>
       </p:transition>
@@ -24778,13 +24794,13 @@
   <p:clrMapOvr>
     <a:masterClrMapping/>
   </p:clrMapOvr>
-  <mc:AlternateContent xmlns:mc="http://schemas.openxmlformats.org/markup-compatibility/2006">
-    <mc:Choice xmlns:p14="http://schemas.microsoft.com/office/powerpoint/2010/main" Requires="p14">
+  <mc:AlternateContent xmlns:mc="http://schemas.openxmlformats.org/markup-compatibility/2006" xmlns:p14="http://schemas.microsoft.com/office/powerpoint/2010/main">
+    <mc:Choice Requires="p14">
       <p:transition p14:dur="300">
         <p:fade/>
       </p:transition>
     </mc:Choice>
-    <mc:Fallback>
+    <mc:Fallback xmlns="">
       <p:transition>
         <p:fade/>
       </p:transition>
@@ -24942,13 +24958,13 @@
   <p:clrMapOvr>
     <a:masterClrMapping/>
   </p:clrMapOvr>
-  <mc:AlternateContent xmlns:mc="http://schemas.openxmlformats.org/markup-compatibility/2006">
-    <mc:Choice xmlns:p14="http://schemas.microsoft.com/office/powerpoint/2010/main" Requires="p14">
+  <mc:AlternateContent xmlns:mc="http://schemas.openxmlformats.org/markup-compatibility/2006" xmlns:p14="http://schemas.microsoft.com/office/powerpoint/2010/main">
+    <mc:Choice Requires="p14">
       <p:transition p14:dur="300">
         <p:fade/>
       </p:transition>
     </mc:Choice>
-    <mc:Fallback>
+    <mc:Fallback xmlns="">
       <p:transition>
         <p:fade/>
       </p:transition>
@@ -25098,13 +25114,13 @@
   <p:clrMapOvr>
     <a:masterClrMapping/>
   </p:clrMapOvr>
-  <mc:AlternateContent xmlns:mc="http://schemas.openxmlformats.org/markup-compatibility/2006">
-    <mc:Choice xmlns:p14="http://schemas.microsoft.com/office/powerpoint/2010/main" Requires="p14">
+  <mc:AlternateContent xmlns:mc="http://schemas.openxmlformats.org/markup-compatibility/2006" xmlns:p14="http://schemas.microsoft.com/office/powerpoint/2010/main">
+    <mc:Choice Requires="p14">
       <p:transition p14:dur="300">
         <p:fade/>
       </p:transition>
     </mc:Choice>
-    <mc:Fallback>
+    <mc:Fallback xmlns="">
       <p:transition>
         <p:fade/>
       </p:transition>
@@ -25250,13 +25266,13 @@
   <p:clrMapOvr>
     <a:masterClrMapping/>
   </p:clrMapOvr>
-  <mc:AlternateContent xmlns:mc="http://schemas.openxmlformats.org/markup-compatibility/2006">
-    <mc:Choice xmlns:p14="http://schemas.microsoft.com/office/powerpoint/2010/main" Requires="p14">
+  <mc:AlternateContent xmlns:mc="http://schemas.openxmlformats.org/markup-compatibility/2006" xmlns:p14="http://schemas.microsoft.com/office/powerpoint/2010/main">
+    <mc:Choice Requires="p14">
       <p:transition p14:dur="300">
         <p:fade/>
       </p:transition>
     </mc:Choice>
-    <mc:Fallback>
+    <mc:Fallback xmlns="">
       <p:transition>
         <p:fade/>
       </p:transition>
@@ -25418,13 +25434,13 @@
   <p:clrMapOvr>
     <a:masterClrMapping/>
   </p:clrMapOvr>
-  <mc:AlternateContent xmlns:mc="http://schemas.openxmlformats.org/markup-compatibility/2006">
-    <mc:Choice xmlns:p14="http://schemas.microsoft.com/office/powerpoint/2010/main" Requires="p14">
+  <mc:AlternateContent xmlns:mc="http://schemas.openxmlformats.org/markup-compatibility/2006" xmlns:p14="http://schemas.microsoft.com/office/powerpoint/2010/main">
+    <mc:Choice Requires="p14">
       <p:transition p14:dur="300">
         <p:fade/>
       </p:transition>
     </mc:Choice>
-    <mc:Fallback>
+    <mc:Fallback xmlns="">
       <p:transition>
         <p:fade/>
       </p:transition>
@@ -25570,13 +25586,13 @@
   <p:clrMapOvr>
     <a:masterClrMapping/>
   </p:clrMapOvr>
-  <mc:AlternateContent xmlns:mc="http://schemas.openxmlformats.org/markup-compatibility/2006">
-    <mc:Choice xmlns:p14="http://schemas.microsoft.com/office/powerpoint/2010/main" Requires="p14">
+  <mc:AlternateContent xmlns:mc="http://schemas.openxmlformats.org/markup-compatibility/2006" xmlns:p14="http://schemas.microsoft.com/office/powerpoint/2010/main">
+    <mc:Choice Requires="p14">
       <p:transition p14:dur="300">
         <p:fade/>
       </p:transition>
     </mc:Choice>
-    <mc:Fallback>
+    <mc:Fallback xmlns="">
       <p:transition>
         <p:fade/>
       </p:transition>
@@ -25726,13 +25742,13 @@
   <p:clrMapOvr>
     <a:masterClrMapping/>
   </p:clrMapOvr>
-  <mc:AlternateContent xmlns:mc="http://schemas.openxmlformats.org/markup-compatibility/2006">
-    <mc:Choice xmlns:p14="http://schemas.microsoft.com/office/powerpoint/2010/main" Requires="p14">
+  <mc:AlternateContent xmlns:mc="http://schemas.openxmlformats.org/markup-compatibility/2006" xmlns:p14="http://schemas.microsoft.com/office/powerpoint/2010/main">
+    <mc:Choice Requires="p14">
       <p:transition p14:dur="300">
         <p:fade/>
       </p:transition>
     </mc:Choice>
-    <mc:Fallback>
+    <mc:Fallback xmlns="">
       <p:transition>
         <p:fade/>
       </p:transition>
@@ -25878,13 +25894,13 @@
   <p:clrMapOvr>
     <a:masterClrMapping/>
   </p:clrMapOvr>
-  <mc:AlternateContent xmlns:mc="http://schemas.openxmlformats.org/markup-compatibility/2006">
-    <mc:Choice xmlns:p14="http://schemas.microsoft.com/office/powerpoint/2010/main" Requires="p14">
+  <mc:AlternateContent xmlns:mc="http://schemas.openxmlformats.org/markup-compatibility/2006" xmlns:p14="http://schemas.microsoft.com/office/powerpoint/2010/main">
+    <mc:Choice Requires="p14">
       <p:transition p14:dur="300">
         <p:fade/>
       </p:transition>
     </mc:Choice>
-    <mc:Fallback>
+    <mc:Fallback xmlns="">
       <p:transition>
         <p:fade/>
       </p:transition>
@@ -26692,13 +26708,13 @@
   <p:clrMapOvr>
     <a:masterClrMapping/>
   </p:clrMapOvr>
-  <mc:AlternateContent xmlns:mc="http://schemas.openxmlformats.org/markup-compatibility/2006">
-    <mc:Choice xmlns:p14="http://schemas.microsoft.com/office/powerpoint/2010/main" Requires="p14">
+  <mc:AlternateContent xmlns:mc="http://schemas.openxmlformats.org/markup-compatibility/2006" xmlns:p14="http://schemas.microsoft.com/office/powerpoint/2010/main">
+    <mc:Choice Requires="p14">
       <p:transition p14:dur="300">
         <p:fade/>
       </p:transition>
     </mc:Choice>
-    <mc:Fallback>
+    <mc:Fallback xmlns="">
       <p:transition>
         <p:fade/>
       </p:transition>
@@ -26856,13 +26872,13 @@
   <p:clrMapOvr>
     <a:masterClrMapping/>
   </p:clrMapOvr>
-  <mc:AlternateContent xmlns:mc="http://schemas.openxmlformats.org/markup-compatibility/2006">
-    <mc:Choice xmlns:p14="http://schemas.microsoft.com/office/powerpoint/2010/main" Requires="p14">
+  <mc:AlternateContent xmlns:mc="http://schemas.openxmlformats.org/markup-compatibility/2006" xmlns:p14="http://schemas.microsoft.com/office/powerpoint/2010/main">
+    <mc:Choice Requires="p14">
       <p:transition p14:dur="300">
         <p:fade/>
       </p:transition>
     </mc:Choice>
-    <mc:Fallback>
+    <mc:Fallback xmlns="">
       <p:transition>
         <p:fade/>
       </p:transition>
@@ -27020,13 +27036,13 @@
   <p:clrMapOvr>
     <a:masterClrMapping/>
   </p:clrMapOvr>
-  <mc:AlternateContent xmlns:mc="http://schemas.openxmlformats.org/markup-compatibility/2006">
-    <mc:Choice xmlns:p14="http://schemas.microsoft.com/office/powerpoint/2010/main" Requires="p14">
+  <mc:AlternateContent xmlns:mc="http://schemas.openxmlformats.org/markup-compatibility/2006" xmlns:p14="http://schemas.microsoft.com/office/powerpoint/2010/main">
+    <mc:Choice Requires="p14">
       <p:transition p14:dur="300">
         <p:fade/>
       </p:transition>
     </mc:Choice>
-    <mc:Fallback>
+    <mc:Fallback xmlns="">
       <p:transition>
         <p:fade/>
       </p:transition>
@@ -27176,13 +27192,13 @@
   <p:clrMapOvr>
     <a:masterClrMapping/>
   </p:clrMapOvr>
-  <mc:AlternateContent xmlns:mc="http://schemas.openxmlformats.org/markup-compatibility/2006">
-    <mc:Choice xmlns:p14="http://schemas.microsoft.com/office/powerpoint/2010/main" Requires="p14">
+  <mc:AlternateContent xmlns:mc="http://schemas.openxmlformats.org/markup-compatibility/2006" xmlns:p14="http://schemas.microsoft.com/office/powerpoint/2010/main">
+    <mc:Choice Requires="p14">
       <p:transition p14:dur="300">
         <p:fade/>
       </p:transition>
     </mc:Choice>
-    <mc:Fallback>
+    <mc:Fallback xmlns="">
       <p:transition>
         <p:fade/>
       </p:transition>
@@ -27328,13 +27344,13 @@
   <p:clrMapOvr>
     <a:masterClrMapping/>
   </p:clrMapOvr>
-  <mc:AlternateContent xmlns:mc="http://schemas.openxmlformats.org/markup-compatibility/2006">
-    <mc:Choice xmlns:p14="http://schemas.microsoft.com/office/powerpoint/2010/main" Requires="p14">
+  <mc:AlternateContent xmlns:mc="http://schemas.openxmlformats.org/markup-compatibility/2006" xmlns:p14="http://schemas.microsoft.com/office/powerpoint/2010/main">
+    <mc:Choice Requires="p14">
       <p:transition p14:dur="300">
         <p:fade/>
       </p:transition>
     </mc:Choice>
-    <mc:Fallback>
+    <mc:Fallback xmlns="">
       <p:transition>
         <p:fade/>
       </p:transition>
@@ -27484,13 +27500,13 @@
   <p:clrMapOvr>
     <a:masterClrMapping/>
   </p:clrMapOvr>
-  <mc:AlternateContent xmlns:mc="http://schemas.openxmlformats.org/markup-compatibility/2006">
-    <mc:Choice xmlns:p14="http://schemas.microsoft.com/office/powerpoint/2010/main" Requires="p14">
+  <mc:AlternateContent xmlns:mc="http://schemas.openxmlformats.org/markup-compatibility/2006" xmlns:p14="http://schemas.microsoft.com/office/powerpoint/2010/main">
+    <mc:Choice Requires="p14">
       <p:transition p14:dur="300">
         <p:fade/>
       </p:transition>
     </mc:Choice>
-    <mc:Fallback>
+    <mc:Fallback xmlns="">
       <p:transition>
         <p:fade/>
       </p:transition>
@@ -27664,13 +27680,13 @@
   <p:clrMapOvr>
     <a:masterClrMapping/>
   </p:clrMapOvr>
-  <mc:AlternateContent xmlns:mc="http://schemas.openxmlformats.org/markup-compatibility/2006">
-    <mc:Choice xmlns:p14="http://schemas.microsoft.com/office/powerpoint/2010/main" Requires="p14">
+  <mc:AlternateContent xmlns:mc="http://schemas.openxmlformats.org/markup-compatibility/2006" xmlns:p14="http://schemas.microsoft.com/office/powerpoint/2010/main">
+    <mc:Choice Requires="p14">
       <p:transition p14:dur="300">
         <p:fade/>
       </p:transition>
     </mc:Choice>
-    <mc:Fallback>
+    <mc:Fallback xmlns="">
       <p:transition>
         <p:fade/>
       </p:transition>
@@ -27820,13 +27836,13 @@
   <p:clrMapOvr>
     <a:masterClrMapping/>
   </p:clrMapOvr>
-  <mc:AlternateContent xmlns:mc="http://schemas.openxmlformats.org/markup-compatibility/2006">
-    <mc:Choice xmlns:p14="http://schemas.microsoft.com/office/powerpoint/2010/main" Requires="p14">
+  <mc:AlternateContent xmlns:mc="http://schemas.openxmlformats.org/markup-compatibility/2006" xmlns:p14="http://schemas.microsoft.com/office/powerpoint/2010/main">
+    <mc:Choice Requires="p14">
       <p:transition p14:dur="300">
         <p:fade/>
       </p:transition>
     </mc:Choice>
-    <mc:Fallback>
+    <mc:Fallback xmlns="">
       <p:transition>
         <p:fade/>
       </p:transition>
@@ -27980,13 +27996,13 @@
   <p:clrMapOvr>
     <a:masterClrMapping/>
   </p:clrMapOvr>
-  <mc:AlternateContent xmlns:mc="http://schemas.openxmlformats.org/markup-compatibility/2006">
-    <mc:Choice xmlns:p14="http://schemas.microsoft.com/office/powerpoint/2010/main" Requires="p14">
+  <mc:AlternateContent xmlns:mc="http://schemas.openxmlformats.org/markup-compatibility/2006" xmlns:p14="http://schemas.microsoft.com/office/powerpoint/2010/main">
+    <mc:Choice Requires="p14">
       <p:transition p14:dur="300">
         <p:fade/>
       </p:transition>
     </mc:Choice>
-    <mc:Fallback>
+    <mc:Fallback xmlns="">
       <p:transition>
         <p:fade/>
       </p:transition>

--- a/PPTs/Ziyarat Warith.pptx
+++ b/PPTs/Ziyarat Warith.pptx
@@ -8914,31 +8914,7 @@
                 <a:ea typeface="Calibri Light" panose="020F0302020204030204" pitchFamily="34" charset="0"/>
                 <a:cs typeface="Calibri Light" panose="020F0302020204030204" pitchFamily="34" charset="0"/>
               </a:rPr>
-              <a:t>And We desired to show </a:t>
-            </a:r>
-            <a:r>
-              <a:rPr lang="en-US" sz="1400" i="1" dirty="0" err="1">
-                <a:solidFill>
-                  <a:srgbClr val="127274"/>
-                </a:solidFill>
-                <a:effectLst/>
-                <a:latin typeface="Calibri Light" panose="020F0302020204030204" pitchFamily="34" charset="0"/>
-                <a:ea typeface="Calibri Light" panose="020F0302020204030204" pitchFamily="34" charset="0"/>
-                <a:cs typeface="Calibri Light" panose="020F0302020204030204" pitchFamily="34" charset="0"/>
-              </a:rPr>
-              <a:t>favour</a:t>
-            </a:r>
-            <a:r>
-              <a:rPr lang="en-US" sz="1400" i="1" dirty="0">
-                <a:solidFill>
-                  <a:srgbClr val="127274"/>
-                </a:solidFill>
-                <a:effectLst/>
-                <a:latin typeface="Calibri Light" panose="020F0302020204030204" pitchFamily="34" charset="0"/>
-                <a:ea typeface="Calibri Light" panose="020F0302020204030204" pitchFamily="34" charset="0"/>
-                <a:cs typeface="Calibri Light" panose="020F0302020204030204" pitchFamily="34" charset="0"/>
-              </a:rPr>
-              <a:t> upon those who were abased in the land, </a:t>
+              <a:t>And We desired to show favor upon those who were abased in the land, </a:t>
             </a:r>
           </a:p>
           <a:p>
@@ -8997,7 +8973,7 @@
                 <a:ea typeface="Calibri Light" panose="020F0302020204030204" pitchFamily="34" charset="0"/>
                 <a:cs typeface="Calibri Light" panose="020F0302020204030204" pitchFamily="34" charset="0"/>
               </a:rPr>
-              <a:t> : 5)</a:t>
+              <a:t>: 5)</a:t>
             </a:r>
             <a:endParaRPr lang="en-CA" sz="1200" i="1" dirty="0">
               <a:solidFill>

--- a/PPTs/Ziyarat Warith.pptx
+++ b/PPTs/Ziyarat Warith.pptx
@@ -11717,41 +11717,7 @@
                 <a:ea typeface="Calibri Light" panose="020F0302020204030204" pitchFamily="34" charset="0"/>
                 <a:cs typeface="Calibri Light" panose="020F0302020204030204" pitchFamily="34" charset="0"/>
               </a:rPr>
-              <a:t>And We desired to show </a:t>
-            </a:r>
-            <a:r>
-              <a:rPr kumimoji="0" lang="en-US" sz="1400" b="0" i="1" u="none" strike="noStrike" kern="1200" cap="none" spc="0" normalizeH="0" baseline="0" noProof="0" dirty="0" err="1">
-                <a:ln>
-                  <a:noFill/>
-                </a:ln>
-                <a:solidFill>
-                  <a:srgbClr val="127274"/>
-                </a:solidFill>
-                <a:effectLst/>
-                <a:uLnTx/>
-                <a:uFillTx/>
-                <a:latin typeface="Calibri Light" panose="020F0302020204030204" pitchFamily="34" charset="0"/>
-                <a:ea typeface="Calibri Light" panose="020F0302020204030204" pitchFamily="34" charset="0"/>
-                <a:cs typeface="Calibri Light" panose="020F0302020204030204" pitchFamily="34" charset="0"/>
-              </a:rPr>
-              <a:t>favour</a:t>
-            </a:r>
-            <a:r>
-              <a:rPr kumimoji="0" lang="en-US" sz="1400" b="0" i="1" u="none" strike="noStrike" kern="1200" cap="none" spc="0" normalizeH="0" baseline="0" noProof="0" dirty="0">
-                <a:ln>
-                  <a:noFill/>
-                </a:ln>
-                <a:solidFill>
-                  <a:srgbClr val="127274"/>
-                </a:solidFill>
-                <a:effectLst/>
-                <a:uLnTx/>
-                <a:uFillTx/>
-                <a:latin typeface="Calibri Light" panose="020F0302020204030204" pitchFamily="34" charset="0"/>
-                <a:ea typeface="Calibri Light" panose="020F0302020204030204" pitchFamily="34" charset="0"/>
-                <a:cs typeface="Calibri Light" panose="020F0302020204030204" pitchFamily="34" charset="0"/>
-              </a:rPr>
-              <a:t> upon those who were abased in the land, </a:t>
+              <a:t>And We desired to show favor upon those who were abased in the land, </a:t>
             </a:r>
           </a:p>
           <a:p>
@@ -11857,7 +11823,7 @@
                 <a:ea typeface="Calibri Light" panose="020F0302020204030204" pitchFamily="34" charset="0"/>
                 <a:cs typeface="Calibri Light" panose="020F0302020204030204" pitchFamily="34" charset="0"/>
               </a:rPr>
-              <a:t> : 5)</a:t>
+              <a:t>: 5)</a:t>
             </a:r>
             <a:endParaRPr kumimoji="0" lang="en-CA" sz="1200" b="0" i="1" u="none" strike="noStrike" kern="1200" cap="none" spc="0" normalizeH="0" baseline="0" noProof="0" dirty="0">
               <a:ln>
@@ -19649,41 +19615,7 @@
                 <a:ea typeface="Calibri Light" panose="020F0302020204030204" pitchFamily="34" charset="0"/>
                 <a:cs typeface="Calibri Light" panose="020F0302020204030204" pitchFamily="34" charset="0"/>
               </a:rPr>
-              <a:t>And We desired to show </a:t>
-            </a:r>
-            <a:r>
-              <a:rPr kumimoji="0" lang="en-US" sz="1400" b="0" i="1" u="none" strike="noStrike" kern="1200" cap="none" spc="0" normalizeH="0" baseline="0" noProof="0" dirty="0" err="1">
-                <a:ln>
-                  <a:noFill/>
-                </a:ln>
-                <a:solidFill>
-                  <a:srgbClr val="127274"/>
-                </a:solidFill>
-                <a:effectLst/>
-                <a:uLnTx/>
-                <a:uFillTx/>
-                <a:latin typeface="Calibri Light" panose="020F0302020204030204" pitchFamily="34" charset="0"/>
-                <a:ea typeface="Calibri Light" panose="020F0302020204030204" pitchFamily="34" charset="0"/>
-                <a:cs typeface="Calibri Light" panose="020F0302020204030204" pitchFamily="34" charset="0"/>
-              </a:rPr>
-              <a:t>favour</a:t>
-            </a:r>
-            <a:r>
-              <a:rPr kumimoji="0" lang="en-US" sz="1400" b="0" i="1" u="none" strike="noStrike" kern="1200" cap="none" spc="0" normalizeH="0" baseline="0" noProof="0" dirty="0">
-                <a:ln>
-                  <a:noFill/>
-                </a:ln>
-                <a:solidFill>
-                  <a:srgbClr val="127274"/>
-                </a:solidFill>
-                <a:effectLst/>
-                <a:uLnTx/>
-                <a:uFillTx/>
-                <a:latin typeface="Calibri Light" panose="020F0302020204030204" pitchFamily="34" charset="0"/>
-                <a:ea typeface="Calibri Light" panose="020F0302020204030204" pitchFamily="34" charset="0"/>
-                <a:cs typeface="Calibri Light" panose="020F0302020204030204" pitchFamily="34" charset="0"/>
-              </a:rPr>
-              <a:t> upon those who were abased in the land, </a:t>
+              <a:t>And We desired to show favor upon those who were abased in the land, </a:t>
             </a:r>
           </a:p>
           <a:p>
@@ -19789,7 +19721,7 @@
                 <a:ea typeface="Calibri Light" panose="020F0302020204030204" pitchFamily="34" charset="0"/>
                 <a:cs typeface="Calibri Light" panose="020F0302020204030204" pitchFamily="34" charset="0"/>
               </a:rPr>
-              <a:t> : 5)</a:t>
+              <a:t>: 5)</a:t>
             </a:r>
             <a:endParaRPr kumimoji="0" lang="en-CA" sz="1200" b="0" i="1" u="none" strike="noStrike" kern="1200" cap="none" spc="0" normalizeH="0" baseline="0" noProof="0" dirty="0">
               <a:ln>
@@ -23094,41 +23026,7 @@
                 <a:ea typeface="Calibri Light" panose="020F0302020204030204" pitchFamily="34" charset="0"/>
                 <a:cs typeface="Calibri Light" panose="020F0302020204030204" pitchFamily="34" charset="0"/>
               </a:rPr>
-              <a:t>And We desired to show </a:t>
-            </a:r>
-            <a:r>
-              <a:rPr kumimoji="0" lang="en-US" sz="1400" b="0" i="1" u="none" strike="noStrike" kern="1200" cap="none" spc="0" normalizeH="0" baseline="0" noProof="0" dirty="0" err="1">
-                <a:ln>
-                  <a:noFill/>
-                </a:ln>
-                <a:solidFill>
-                  <a:srgbClr val="127274"/>
-                </a:solidFill>
-                <a:effectLst/>
-                <a:uLnTx/>
-                <a:uFillTx/>
-                <a:latin typeface="Calibri Light" panose="020F0302020204030204" pitchFamily="34" charset="0"/>
-                <a:ea typeface="Calibri Light" panose="020F0302020204030204" pitchFamily="34" charset="0"/>
-                <a:cs typeface="Calibri Light" panose="020F0302020204030204" pitchFamily="34" charset="0"/>
-              </a:rPr>
-              <a:t>favour</a:t>
-            </a:r>
-            <a:r>
-              <a:rPr kumimoji="0" lang="en-US" sz="1400" b="0" i="1" u="none" strike="noStrike" kern="1200" cap="none" spc="0" normalizeH="0" baseline="0" noProof="0" dirty="0">
-                <a:ln>
-                  <a:noFill/>
-                </a:ln>
-                <a:solidFill>
-                  <a:srgbClr val="127274"/>
-                </a:solidFill>
-                <a:effectLst/>
-                <a:uLnTx/>
-                <a:uFillTx/>
-                <a:latin typeface="Calibri Light" panose="020F0302020204030204" pitchFamily="34" charset="0"/>
-                <a:ea typeface="Calibri Light" panose="020F0302020204030204" pitchFamily="34" charset="0"/>
-                <a:cs typeface="Calibri Light" panose="020F0302020204030204" pitchFamily="34" charset="0"/>
-              </a:rPr>
-              <a:t> upon those who were abased in the land, </a:t>
+              <a:t>And We desired to show favor upon those who were abased in the land, </a:t>
             </a:r>
           </a:p>
           <a:p>
@@ -23234,7 +23132,7 @@
                 <a:ea typeface="Calibri Light" panose="020F0302020204030204" pitchFamily="34" charset="0"/>
                 <a:cs typeface="Calibri Light" panose="020F0302020204030204" pitchFamily="34" charset="0"/>
               </a:rPr>
-              <a:t> : 5)</a:t>
+              <a:t>: 5)</a:t>
             </a:r>
             <a:endParaRPr kumimoji="0" lang="en-CA" sz="1200" b="0" i="1" u="none" strike="noStrike" kern="1200" cap="none" spc="0" normalizeH="0" baseline="0" noProof="0" dirty="0">
               <a:ln>
@@ -26264,41 +26162,7 @@
                 <a:ea typeface="Calibri Light" panose="020F0302020204030204" pitchFamily="34" charset="0"/>
                 <a:cs typeface="Calibri Light" panose="020F0302020204030204" pitchFamily="34" charset="0"/>
               </a:rPr>
-              <a:t>And We desired to show </a:t>
-            </a:r>
-            <a:r>
-              <a:rPr kumimoji="0" lang="en-US" sz="1400" b="0" i="1" u="none" strike="noStrike" kern="1200" cap="none" spc="0" normalizeH="0" baseline="0" noProof="0" dirty="0" err="1">
-                <a:ln>
-                  <a:noFill/>
-                </a:ln>
-                <a:solidFill>
-                  <a:srgbClr val="127274"/>
-                </a:solidFill>
-                <a:effectLst/>
-                <a:uLnTx/>
-                <a:uFillTx/>
-                <a:latin typeface="Calibri Light" panose="020F0302020204030204" pitchFamily="34" charset="0"/>
-                <a:ea typeface="Calibri Light" panose="020F0302020204030204" pitchFamily="34" charset="0"/>
-                <a:cs typeface="Calibri Light" panose="020F0302020204030204" pitchFamily="34" charset="0"/>
-              </a:rPr>
-              <a:t>favour</a:t>
-            </a:r>
-            <a:r>
-              <a:rPr kumimoji="0" lang="en-US" sz="1400" b="0" i="1" u="none" strike="noStrike" kern="1200" cap="none" spc="0" normalizeH="0" baseline="0" noProof="0" dirty="0">
-                <a:ln>
-                  <a:noFill/>
-                </a:ln>
-                <a:solidFill>
-                  <a:srgbClr val="127274"/>
-                </a:solidFill>
-                <a:effectLst/>
-                <a:uLnTx/>
-                <a:uFillTx/>
-                <a:latin typeface="Calibri Light" panose="020F0302020204030204" pitchFamily="34" charset="0"/>
-                <a:ea typeface="Calibri Light" panose="020F0302020204030204" pitchFamily="34" charset="0"/>
-                <a:cs typeface="Calibri Light" panose="020F0302020204030204" pitchFamily="34" charset="0"/>
-              </a:rPr>
-              <a:t> upon those who were abased in the land, </a:t>
+              <a:t>And We desired to show favor upon those who were abased in the land, </a:t>
             </a:r>
           </a:p>
           <a:p>
@@ -26404,7 +26268,7 @@
                 <a:ea typeface="Calibri Light" panose="020F0302020204030204" pitchFamily="34" charset="0"/>
                 <a:cs typeface="Calibri Light" panose="020F0302020204030204" pitchFamily="34" charset="0"/>
               </a:rPr>
-              <a:t> : 5)</a:t>
+              <a:t>: 5)</a:t>
             </a:r>
             <a:endParaRPr kumimoji="0" lang="en-CA" sz="1200" b="0" i="1" u="none" strike="noStrike" kern="1200" cap="none" spc="0" normalizeH="0" baseline="0" noProof="0" dirty="0">
               <a:ln>

--- a/PPTs/Ziyarat Warith.pptx
+++ b/PPTs/Ziyarat Warith.pptx
@@ -104,7 +104,7 @@
     <p:sldId id="5527" r:id="rId98"/>
     <p:sldId id="5528" r:id="rId99"/>
     <p:sldId id="5529" r:id="rId100"/>
-    <p:sldId id="5556" r:id="rId101"/>
+    <p:sldId id="5562" r:id="rId101"/>
     <p:sldId id="377" r:id="rId102"/>
     <p:sldId id="1350" r:id="rId103"/>
   </p:sldIdLst>
@@ -341,7 +341,7 @@
             <p14:sldId id="5527"/>
             <p14:sldId id="5528"/>
             <p14:sldId id="5529"/>
-            <p14:sldId id="5556"/>
+            <p14:sldId id="5562"/>
             <p14:sldId id="377"/>
             <p14:sldId id="1350"/>
           </p14:sldIdLst>
@@ -581,13 +581,13 @@
   <p:clrMapOvr>
     <a:masterClrMapping/>
   </p:clrMapOvr>
-  <mc:AlternateContent xmlns:mc="http://schemas.openxmlformats.org/markup-compatibility/2006" xmlns:p14="http://schemas.microsoft.com/office/powerpoint/2010/main">
-    <mc:Choice Requires="p14">
+  <mc:AlternateContent xmlns:mc="http://schemas.openxmlformats.org/markup-compatibility/2006">
+    <mc:Choice xmlns:p14="http://schemas.microsoft.com/office/powerpoint/2010/main" Requires="p14">
       <p:transition p14:dur="300">
         <p:fade/>
       </p:transition>
     </mc:Choice>
-    <mc:Fallback xmlns="">
+    <mc:Fallback>
       <p:transition>
         <p:fade/>
       </p:transition>
@@ -820,13 +820,13 @@
   <p:clrMapOvr>
     <a:masterClrMapping/>
   </p:clrMapOvr>
-  <mc:AlternateContent xmlns:mc="http://schemas.openxmlformats.org/markup-compatibility/2006" xmlns:p14="http://schemas.microsoft.com/office/powerpoint/2010/main">
-    <mc:Choice Requires="p14">
+  <mc:AlternateContent xmlns:mc="http://schemas.openxmlformats.org/markup-compatibility/2006">
+    <mc:Choice xmlns:p14="http://schemas.microsoft.com/office/powerpoint/2010/main" Requires="p14">
       <p:transition p14:dur="300">
         <p:fade/>
       </p:transition>
     </mc:Choice>
-    <mc:Fallback xmlns="">
+    <mc:Fallback>
       <p:transition>
         <p:fade/>
       </p:transition>
@@ -1069,13 +1069,13 @@
   <p:clrMapOvr>
     <a:masterClrMapping/>
   </p:clrMapOvr>
-  <mc:AlternateContent xmlns:mc="http://schemas.openxmlformats.org/markup-compatibility/2006" xmlns:p14="http://schemas.microsoft.com/office/powerpoint/2010/main">
-    <mc:Choice Requires="p14">
+  <mc:AlternateContent xmlns:mc="http://schemas.openxmlformats.org/markup-compatibility/2006">
+    <mc:Choice xmlns:p14="http://schemas.microsoft.com/office/powerpoint/2010/main" Requires="p14">
       <p:transition p14:dur="300">
         <p:fade/>
       </p:transition>
     </mc:Choice>
-    <mc:Fallback xmlns="">
+    <mc:Fallback>
       <p:transition>
         <p:fade/>
       </p:transition>
@@ -1204,13 +1204,13 @@
   <p:clrMapOvr>
     <a:masterClrMapping/>
   </p:clrMapOvr>
-  <mc:AlternateContent xmlns:mc="http://schemas.openxmlformats.org/markup-compatibility/2006" xmlns:p14="http://schemas.microsoft.com/office/powerpoint/2010/main">
-    <mc:Choice Requires="p14">
+  <mc:AlternateContent xmlns:mc="http://schemas.openxmlformats.org/markup-compatibility/2006">
+    <mc:Choice xmlns:p14="http://schemas.microsoft.com/office/powerpoint/2010/main" Requires="p14">
       <p:transition p14:dur="300">
         <p:fade/>
       </p:transition>
     </mc:Choice>
-    <mc:Fallback xmlns="">
+    <mc:Fallback>
       <p:transition>
         <p:fade/>
       </p:transition>
@@ -1445,13 +1445,13 @@
   <p:clrMapOvr>
     <a:masterClrMapping/>
   </p:clrMapOvr>
-  <mc:AlternateContent xmlns:mc="http://schemas.openxmlformats.org/markup-compatibility/2006" xmlns:p14="http://schemas.microsoft.com/office/powerpoint/2010/main">
-    <mc:Choice Requires="p14">
+  <mc:AlternateContent xmlns:mc="http://schemas.openxmlformats.org/markup-compatibility/2006">
+    <mc:Choice xmlns:p14="http://schemas.microsoft.com/office/powerpoint/2010/main" Requires="p14">
       <p:transition p14:dur="300">
         <p:fade/>
       </p:transition>
     </mc:Choice>
-    <mc:Fallback xmlns="">
+    <mc:Fallback>
       <p:transition>
         <p:fade/>
       </p:transition>
@@ -1700,13 +1700,13 @@
   <p:clrMapOvr>
     <a:masterClrMapping/>
   </p:clrMapOvr>
-  <mc:AlternateContent xmlns:mc="http://schemas.openxmlformats.org/markup-compatibility/2006" xmlns:p14="http://schemas.microsoft.com/office/powerpoint/2010/main">
-    <mc:Choice Requires="p14">
+  <mc:AlternateContent xmlns:mc="http://schemas.openxmlformats.org/markup-compatibility/2006">
+    <mc:Choice xmlns:p14="http://schemas.microsoft.com/office/powerpoint/2010/main" Requires="p14">
       <p:transition p14:dur="300">
         <p:fade/>
       </p:transition>
     </mc:Choice>
-    <mc:Fallback xmlns="">
+    <mc:Fallback>
       <p:transition>
         <p:fade/>
       </p:transition>
@@ -1958,13 +1958,13 @@
   <p:clrMapOvr>
     <a:masterClrMapping/>
   </p:clrMapOvr>
-  <mc:AlternateContent xmlns:mc="http://schemas.openxmlformats.org/markup-compatibility/2006" xmlns:p14="http://schemas.microsoft.com/office/powerpoint/2010/main">
-    <mc:Choice Requires="p14">
+  <mc:AlternateContent xmlns:mc="http://schemas.openxmlformats.org/markup-compatibility/2006">
+    <mc:Choice xmlns:p14="http://schemas.microsoft.com/office/powerpoint/2010/main" Requires="p14">
       <p:transition p14:dur="300">
         <p:fade/>
       </p:transition>
     </mc:Choice>
-    <mc:Fallback xmlns="">
+    <mc:Fallback>
       <p:transition>
         <p:fade/>
       </p:transition>
@@ -2298,13 +2298,13 @@
   <p:clrMapOvr>
     <a:masterClrMapping/>
   </p:clrMapOvr>
-  <mc:AlternateContent xmlns:mc="http://schemas.openxmlformats.org/markup-compatibility/2006" xmlns:p14="http://schemas.microsoft.com/office/powerpoint/2010/main">
-    <mc:Choice Requires="p14">
+  <mc:AlternateContent xmlns:mc="http://schemas.openxmlformats.org/markup-compatibility/2006">
+    <mc:Choice xmlns:p14="http://schemas.microsoft.com/office/powerpoint/2010/main" Requires="p14">
       <p:transition p14:dur="300">
         <p:fade/>
       </p:transition>
     </mc:Choice>
-    <mc:Fallback xmlns="">
+    <mc:Fallback>
       <p:transition>
         <p:fade/>
       </p:transition>
@@ -2768,13 +2768,13 @@
   <p:clrMapOvr>
     <a:masterClrMapping/>
   </p:clrMapOvr>
-  <mc:AlternateContent xmlns:mc="http://schemas.openxmlformats.org/markup-compatibility/2006" xmlns:p14="http://schemas.microsoft.com/office/powerpoint/2010/main">
-    <mc:Choice Requires="p14">
+  <mc:AlternateContent xmlns:mc="http://schemas.openxmlformats.org/markup-compatibility/2006">
+    <mc:Choice xmlns:p14="http://schemas.microsoft.com/office/powerpoint/2010/main" Requires="p14">
       <p:transition p14:dur="300">
         <p:fade/>
       </p:transition>
     </mc:Choice>
-    <mc:Fallback xmlns="">
+    <mc:Fallback>
       <p:transition>
         <p:fade/>
       </p:transition>
@@ -2940,13 +2940,13 @@
   <p:clrMapOvr>
     <a:masterClrMapping/>
   </p:clrMapOvr>
-  <mc:AlternateContent xmlns:mc="http://schemas.openxmlformats.org/markup-compatibility/2006" xmlns:p14="http://schemas.microsoft.com/office/powerpoint/2010/main">
-    <mc:Choice Requires="p14">
+  <mc:AlternateContent xmlns:mc="http://schemas.openxmlformats.org/markup-compatibility/2006">
+    <mc:Choice xmlns:p14="http://schemas.microsoft.com/office/powerpoint/2010/main" Requires="p14">
       <p:transition p14:dur="300">
         <p:fade/>
       </p:transition>
     </mc:Choice>
-    <mc:Fallback xmlns="">
+    <mc:Fallback>
       <p:transition>
         <p:fade/>
       </p:transition>
@@ -3086,13 +3086,13 @@
   <p:clrMapOvr>
     <a:masterClrMapping/>
   </p:clrMapOvr>
-  <mc:AlternateContent xmlns:mc="http://schemas.openxmlformats.org/markup-compatibility/2006" xmlns:p14="http://schemas.microsoft.com/office/powerpoint/2010/main">
-    <mc:Choice Requires="p14">
+  <mc:AlternateContent xmlns:mc="http://schemas.openxmlformats.org/markup-compatibility/2006">
+    <mc:Choice xmlns:p14="http://schemas.microsoft.com/office/powerpoint/2010/main" Requires="p14">
       <p:transition p14:dur="300">
         <p:fade/>
       </p:transition>
     </mc:Choice>
-    <mc:Fallback xmlns="">
+    <mc:Fallback>
       <p:transition>
         <p:fade/>
       </p:transition>
@@ -3325,13 +3325,13 @@
   <p:clrMapOvr>
     <a:masterClrMapping/>
   </p:clrMapOvr>
-  <mc:AlternateContent xmlns:mc="http://schemas.openxmlformats.org/markup-compatibility/2006" xmlns:p14="http://schemas.microsoft.com/office/powerpoint/2010/main">
-    <mc:Choice Requires="p14">
+  <mc:AlternateContent xmlns:mc="http://schemas.openxmlformats.org/markup-compatibility/2006">
+    <mc:Choice xmlns:p14="http://schemas.microsoft.com/office/powerpoint/2010/main" Requires="p14">
       <p:transition p14:dur="300">
         <p:fade/>
       </p:transition>
     </mc:Choice>
-    <mc:Fallback xmlns="">
+    <mc:Fallback>
       <p:transition>
         <p:fade/>
       </p:transition>
@@ -3651,13 +3651,13 @@
   <p:clrMapOvr>
     <a:masterClrMapping/>
   </p:clrMapOvr>
-  <mc:AlternateContent xmlns:mc="http://schemas.openxmlformats.org/markup-compatibility/2006" xmlns:p14="http://schemas.microsoft.com/office/powerpoint/2010/main">
-    <mc:Choice Requires="p14">
+  <mc:AlternateContent xmlns:mc="http://schemas.openxmlformats.org/markup-compatibility/2006">
+    <mc:Choice xmlns:p14="http://schemas.microsoft.com/office/powerpoint/2010/main" Requires="p14">
       <p:transition p14:dur="300">
         <p:fade/>
       </p:transition>
     </mc:Choice>
-    <mc:Fallback xmlns="">
+    <mc:Fallback>
       <p:transition>
         <p:fade/>
       </p:transition>
@@ -3955,13 +3955,13 @@
   <p:clrMapOvr>
     <a:masterClrMapping/>
   </p:clrMapOvr>
-  <mc:AlternateContent xmlns:mc="http://schemas.openxmlformats.org/markup-compatibility/2006" xmlns:p14="http://schemas.microsoft.com/office/powerpoint/2010/main">
-    <mc:Choice Requires="p14">
+  <mc:AlternateContent xmlns:mc="http://schemas.openxmlformats.org/markup-compatibility/2006">
+    <mc:Choice xmlns:p14="http://schemas.microsoft.com/office/powerpoint/2010/main" Requires="p14">
       <p:transition p14:dur="300">
         <p:fade/>
       </p:transition>
     </mc:Choice>
-    <mc:Fallback xmlns="">
+    <mc:Fallback>
       <p:transition>
         <p:fade/>
       </p:transition>
@@ -4194,13 +4194,13 @@
   <p:clrMapOvr>
     <a:masterClrMapping/>
   </p:clrMapOvr>
-  <mc:AlternateContent xmlns:mc="http://schemas.openxmlformats.org/markup-compatibility/2006" xmlns:p14="http://schemas.microsoft.com/office/powerpoint/2010/main">
-    <mc:Choice Requires="p14">
+  <mc:AlternateContent xmlns:mc="http://schemas.openxmlformats.org/markup-compatibility/2006">
+    <mc:Choice xmlns:p14="http://schemas.microsoft.com/office/powerpoint/2010/main" Requires="p14">
       <p:transition p14:dur="300">
         <p:fade/>
       </p:transition>
     </mc:Choice>
-    <mc:Fallback xmlns="">
+    <mc:Fallback>
       <p:transition>
         <p:fade/>
       </p:transition>
@@ -4443,13 +4443,13 @@
   <p:clrMapOvr>
     <a:masterClrMapping/>
   </p:clrMapOvr>
-  <mc:AlternateContent xmlns:mc="http://schemas.openxmlformats.org/markup-compatibility/2006" xmlns:p14="http://schemas.microsoft.com/office/powerpoint/2010/main">
-    <mc:Choice Requires="p14">
+  <mc:AlternateContent xmlns:mc="http://schemas.openxmlformats.org/markup-compatibility/2006">
+    <mc:Choice xmlns:p14="http://schemas.microsoft.com/office/powerpoint/2010/main" Requires="p14">
       <p:transition p14:dur="300">
         <p:fade/>
       </p:transition>
     </mc:Choice>
-    <mc:Fallback xmlns="">
+    <mc:Fallback>
       <p:transition>
         <p:fade/>
       </p:transition>
@@ -4578,13 +4578,13 @@
   <p:clrMapOvr>
     <a:masterClrMapping/>
   </p:clrMapOvr>
-  <mc:AlternateContent xmlns:mc="http://schemas.openxmlformats.org/markup-compatibility/2006" xmlns:p14="http://schemas.microsoft.com/office/powerpoint/2010/main">
-    <mc:Choice Requires="p14">
+  <mc:AlternateContent xmlns:mc="http://schemas.openxmlformats.org/markup-compatibility/2006">
+    <mc:Choice xmlns:p14="http://schemas.microsoft.com/office/powerpoint/2010/main" Requires="p14">
       <p:transition p14:dur="300">
         <p:fade/>
       </p:transition>
     </mc:Choice>
-    <mc:Fallback xmlns="">
+    <mc:Fallback>
       <p:transition>
         <p:fade/>
       </p:transition>
@@ -4690,13 +4690,13 @@
   <p:clrMapOvr>
     <a:masterClrMapping/>
   </p:clrMapOvr>
-  <mc:AlternateContent xmlns:mc="http://schemas.openxmlformats.org/markup-compatibility/2006" xmlns:p14="http://schemas.microsoft.com/office/powerpoint/2010/main">
-    <mc:Choice Requires="p14">
+  <mc:AlternateContent xmlns:mc="http://schemas.openxmlformats.org/markup-compatibility/2006">
+    <mc:Choice xmlns:p14="http://schemas.microsoft.com/office/powerpoint/2010/main" Requires="p14">
       <p:transition p14:dur="300">
         <p:fade/>
       </p:transition>
     </mc:Choice>
-    <mc:Fallback xmlns="">
+    <mc:Fallback>
       <p:transition>
         <p:fade/>
       </p:transition>
@@ -4841,13 +4841,13 @@
   <p:clrMapOvr>
     <a:masterClrMapping/>
   </p:clrMapOvr>
-  <mc:AlternateContent xmlns:mc="http://schemas.openxmlformats.org/markup-compatibility/2006" xmlns:p14="http://schemas.microsoft.com/office/powerpoint/2010/main">
-    <mc:Choice Requires="p14">
+  <mc:AlternateContent xmlns:mc="http://schemas.openxmlformats.org/markup-compatibility/2006">
+    <mc:Choice xmlns:p14="http://schemas.microsoft.com/office/powerpoint/2010/main" Requires="p14">
       <p:transition p14:dur="300">
         <p:fade/>
       </p:transition>
     </mc:Choice>
-    <mc:Fallback xmlns="">
+    <mc:Fallback>
       <p:transition>
         <p:fade/>
       </p:transition>
@@ -5083,13 +5083,13 @@
   <p:clrMapOvr>
     <a:masterClrMapping/>
   </p:clrMapOvr>
-  <mc:AlternateContent xmlns:mc="http://schemas.openxmlformats.org/markup-compatibility/2006" xmlns:p14="http://schemas.microsoft.com/office/powerpoint/2010/main">
-    <mc:Choice Requires="p14">
+  <mc:AlternateContent xmlns:mc="http://schemas.openxmlformats.org/markup-compatibility/2006">
+    <mc:Choice xmlns:p14="http://schemas.microsoft.com/office/powerpoint/2010/main" Requires="p14">
       <p:transition p14:dur="300">
         <p:fade/>
       </p:transition>
     </mc:Choice>
-    <mc:Fallback xmlns="">
+    <mc:Fallback>
       <p:transition>
         <p:fade/>
       </p:transition>
@@ -5423,13 +5423,13 @@
   <p:clrMapOvr>
     <a:masterClrMapping/>
   </p:clrMapOvr>
-  <mc:AlternateContent xmlns:mc="http://schemas.openxmlformats.org/markup-compatibility/2006" xmlns:p14="http://schemas.microsoft.com/office/powerpoint/2010/main">
-    <mc:Choice Requires="p14">
+  <mc:AlternateContent xmlns:mc="http://schemas.openxmlformats.org/markup-compatibility/2006">
+    <mc:Choice xmlns:p14="http://schemas.microsoft.com/office/powerpoint/2010/main" Requires="p14">
       <p:transition p14:dur="300">
         <p:fade/>
       </p:transition>
     </mc:Choice>
-    <mc:Fallback xmlns="">
+    <mc:Fallback>
       <p:transition>
         <p:fade/>
       </p:transition>
@@ -5893,13 +5893,13 @@
   <p:clrMapOvr>
     <a:masterClrMapping/>
   </p:clrMapOvr>
-  <mc:AlternateContent xmlns:mc="http://schemas.openxmlformats.org/markup-compatibility/2006" xmlns:p14="http://schemas.microsoft.com/office/powerpoint/2010/main">
-    <mc:Choice Requires="p14">
+  <mc:AlternateContent xmlns:mc="http://schemas.openxmlformats.org/markup-compatibility/2006">
+    <mc:Choice xmlns:p14="http://schemas.microsoft.com/office/powerpoint/2010/main" Requires="p14">
       <p:transition p14:dur="300">
         <p:fade/>
       </p:transition>
     </mc:Choice>
-    <mc:Fallback xmlns="">
+    <mc:Fallback>
       <p:transition>
         <p:fade/>
       </p:transition>
@@ -6065,13 +6065,13 @@
   <p:clrMapOvr>
     <a:masterClrMapping/>
   </p:clrMapOvr>
-  <mc:AlternateContent xmlns:mc="http://schemas.openxmlformats.org/markup-compatibility/2006" xmlns:p14="http://schemas.microsoft.com/office/powerpoint/2010/main">
-    <mc:Choice Requires="p14">
+  <mc:AlternateContent xmlns:mc="http://schemas.openxmlformats.org/markup-compatibility/2006">
+    <mc:Choice xmlns:p14="http://schemas.microsoft.com/office/powerpoint/2010/main" Requires="p14">
       <p:transition p14:dur="300">
         <p:fade/>
       </p:transition>
     </mc:Choice>
-    <mc:Fallback xmlns="">
+    <mc:Fallback>
       <p:transition>
         <p:fade/>
       </p:transition>
@@ -6211,13 +6211,13 @@
   <p:clrMapOvr>
     <a:masterClrMapping/>
   </p:clrMapOvr>
-  <mc:AlternateContent xmlns:mc="http://schemas.openxmlformats.org/markup-compatibility/2006" xmlns:p14="http://schemas.microsoft.com/office/powerpoint/2010/main">
-    <mc:Choice Requires="p14">
+  <mc:AlternateContent xmlns:mc="http://schemas.openxmlformats.org/markup-compatibility/2006">
+    <mc:Choice xmlns:p14="http://schemas.microsoft.com/office/powerpoint/2010/main" Requires="p14">
       <p:transition p14:dur="300">
         <p:fade/>
       </p:transition>
     </mc:Choice>
-    <mc:Fallback xmlns="">
+    <mc:Fallback>
       <p:transition>
         <p:fade/>
       </p:transition>
@@ -6537,13 +6537,13 @@
   <p:clrMapOvr>
     <a:masterClrMapping/>
   </p:clrMapOvr>
-  <mc:AlternateContent xmlns:mc="http://schemas.openxmlformats.org/markup-compatibility/2006" xmlns:p14="http://schemas.microsoft.com/office/powerpoint/2010/main">
-    <mc:Choice Requires="p14">
+  <mc:AlternateContent xmlns:mc="http://schemas.openxmlformats.org/markup-compatibility/2006">
+    <mc:Choice xmlns:p14="http://schemas.microsoft.com/office/powerpoint/2010/main" Requires="p14">
       <p:transition p14:dur="300">
         <p:fade/>
       </p:transition>
     </mc:Choice>
-    <mc:Fallback xmlns="">
+    <mc:Fallback>
       <p:transition>
         <p:fade/>
       </p:transition>
@@ -6841,13 +6841,13 @@
   <p:clrMapOvr>
     <a:masterClrMapping/>
   </p:clrMapOvr>
-  <mc:AlternateContent xmlns:mc="http://schemas.openxmlformats.org/markup-compatibility/2006" xmlns:p14="http://schemas.microsoft.com/office/powerpoint/2010/main">
-    <mc:Choice Requires="p14">
+  <mc:AlternateContent xmlns:mc="http://schemas.openxmlformats.org/markup-compatibility/2006">
+    <mc:Choice xmlns:p14="http://schemas.microsoft.com/office/powerpoint/2010/main" Requires="p14">
       <p:transition p14:dur="300">
         <p:fade/>
       </p:transition>
     </mc:Choice>
-    <mc:Fallback xmlns="">
+    <mc:Fallback>
       <p:transition>
         <p:fade/>
       </p:transition>
@@ -7330,13 +7330,13 @@
     <p:sldLayoutId id="2147483671" r:id="rId11"/>
     <p:sldLayoutId id="2147483672" r:id="rId12"/>
   </p:sldLayoutIdLst>
-  <mc:AlternateContent xmlns:mc="http://schemas.openxmlformats.org/markup-compatibility/2006" xmlns:p14="http://schemas.microsoft.com/office/powerpoint/2010/main">
-    <mc:Choice Requires="p14">
+  <mc:AlternateContent xmlns:mc="http://schemas.openxmlformats.org/markup-compatibility/2006">
+    <mc:Choice xmlns:p14="http://schemas.microsoft.com/office/powerpoint/2010/main" Requires="p14">
       <p:transition p14:dur="300">
         <p:fade/>
       </p:transition>
     </mc:Choice>
-    <mc:Fallback xmlns="">
+    <mc:Fallback>
       <p:transition>
         <p:fade/>
       </p:transition>
@@ -8203,13 +8203,13 @@
     <p:sldLayoutId id="2147483686" r:id="rId13"/>
     <p:sldLayoutId id="2147483687" r:id="rId14"/>
   </p:sldLayoutIdLst>
-  <mc:AlternateContent xmlns:mc="http://schemas.openxmlformats.org/markup-compatibility/2006" xmlns:p14="http://schemas.microsoft.com/office/powerpoint/2010/main">
-    <mc:Choice Requires="p14">
+  <mc:AlternateContent xmlns:mc="http://schemas.openxmlformats.org/markup-compatibility/2006">
+    <mc:Choice xmlns:p14="http://schemas.microsoft.com/office/powerpoint/2010/main" Requires="p14">
       <p:transition p14:dur="300">
         <p:fade/>
       </p:transition>
     </mc:Choice>
-    <mc:Fallback xmlns="">
+    <mc:Fallback>
       <p:transition>
         <p:fade/>
       </p:transition>
@@ -9175,13 +9175,13 @@
   <p:clrMapOvr>
     <a:masterClrMapping/>
   </p:clrMapOvr>
-  <mc:AlternateContent xmlns:mc="http://schemas.openxmlformats.org/markup-compatibility/2006" xmlns:p14="http://schemas.microsoft.com/office/powerpoint/2010/main">
-    <mc:Choice Requires="p14">
+  <mc:AlternateContent xmlns:mc="http://schemas.openxmlformats.org/markup-compatibility/2006">
+    <mc:Choice xmlns:p14="http://schemas.microsoft.com/office/powerpoint/2010/main" Requires="p14">
       <p:transition p14:dur="300">
         <p:fade/>
       </p:transition>
     </mc:Choice>
-    <mc:Fallback xmlns="">
+    <mc:Fallback>
       <p:transition>
         <p:fade/>
       </p:transition>
@@ -9339,13 +9339,13 @@
   <p:clrMapOvr>
     <a:masterClrMapping/>
   </p:clrMapOvr>
-  <mc:AlternateContent xmlns:mc="http://schemas.openxmlformats.org/markup-compatibility/2006" xmlns:p14="http://schemas.microsoft.com/office/powerpoint/2010/main">
-    <mc:Choice Requires="p14">
+  <mc:AlternateContent xmlns:mc="http://schemas.openxmlformats.org/markup-compatibility/2006">
+    <mc:Choice xmlns:p14="http://schemas.microsoft.com/office/powerpoint/2010/main" Requires="p14">
       <p:transition p14:dur="300">
         <p:fade/>
       </p:transition>
     </mc:Choice>
-    <mc:Fallback xmlns="">
+    <mc:Fallback>
       <p:transition>
         <p:fade/>
       </p:transition>
@@ -9733,13 +9733,13 @@
   <p:clrMapOvr>
     <a:masterClrMapping/>
   </p:clrMapOvr>
-  <mc:AlternateContent xmlns:mc="http://schemas.openxmlformats.org/markup-compatibility/2006" xmlns:p14="http://schemas.microsoft.com/office/powerpoint/2010/main">
-    <mc:Choice Requires="p14">
+  <mc:AlternateContent xmlns:mc="http://schemas.openxmlformats.org/markup-compatibility/2006">
+    <mc:Choice xmlns:p14="http://schemas.microsoft.com/office/powerpoint/2010/main" Requires="p14">
       <p:transition p14:dur="300">
         <p:fade/>
       </p:transition>
     </mc:Choice>
-    <mc:Fallback xmlns="">
+    <mc:Fallback>
       <p:transition>
         <p:fade/>
       </p:transition>
@@ -9846,13 +9846,13 @@
   <p:clrMapOvr>
     <a:masterClrMapping/>
   </p:clrMapOvr>
-  <mc:AlternateContent xmlns:mc="http://schemas.openxmlformats.org/markup-compatibility/2006" xmlns:p14="http://schemas.microsoft.com/office/powerpoint/2010/main">
-    <mc:Choice Requires="p14">
+  <mc:AlternateContent xmlns:mc="http://schemas.openxmlformats.org/markup-compatibility/2006">
+    <mc:Choice xmlns:p14="http://schemas.microsoft.com/office/powerpoint/2010/main" Requires="p14">
       <p:transition p14:dur="300">
         <p:fade/>
       </p:transition>
     </mc:Choice>
-    <mc:Fallback xmlns="">
+    <mc:Fallback>
       <p:transition>
         <p:fade/>
       </p:transition>
@@ -10010,13 +10010,13 @@
   <p:clrMapOvr>
     <a:masterClrMapping/>
   </p:clrMapOvr>
-  <mc:AlternateContent xmlns:mc="http://schemas.openxmlformats.org/markup-compatibility/2006" xmlns:p14="http://schemas.microsoft.com/office/powerpoint/2010/main">
-    <mc:Choice Requires="p14">
+  <mc:AlternateContent xmlns:mc="http://schemas.openxmlformats.org/markup-compatibility/2006">
+    <mc:Choice xmlns:p14="http://schemas.microsoft.com/office/powerpoint/2010/main" Requires="p14">
       <p:transition p14:dur="300">
         <p:fade/>
       </p:transition>
     </mc:Choice>
-    <mc:Fallback xmlns="">
+    <mc:Fallback>
       <p:transition>
         <p:fade/>
       </p:transition>
@@ -10174,13 +10174,13 @@
   <p:clrMapOvr>
     <a:masterClrMapping/>
   </p:clrMapOvr>
-  <mc:AlternateContent xmlns:mc="http://schemas.openxmlformats.org/markup-compatibility/2006" xmlns:p14="http://schemas.microsoft.com/office/powerpoint/2010/main">
-    <mc:Choice Requires="p14">
+  <mc:AlternateContent xmlns:mc="http://schemas.openxmlformats.org/markup-compatibility/2006">
+    <mc:Choice xmlns:p14="http://schemas.microsoft.com/office/powerpoint/2010/main" Requires="p14">
       <p:transition p14:dur="300">
         <p:fade/>
       </p:transition>
     </mc:Choice>
-    <mc:Fallback xmlns="">
+    <mc:Fallback>
       <p:transition>
         <p:fade/>
       </p:transition>
@@ -10338,13 +10338,13 @@
   <p:clrMapOvr>
     <a:masterClrMapping/>
   </p:clrMapOvr>
-  <mc:AlternateContent xmlns:mc="http://schemas.openxmlformats.org/markup-compatibility/2006" xmlns:p14="http://schemas.microsoft.com/office/powerpoint/2010/main">
-    <mc:Choice Requires="p14">
+  <mc:AlternateContent xmlns:mc="http://schemas.openxmlformats.org/markup-compatibility/2006">
+    <mc:Choice xmlns:p14="http://schemas.microsoft.com/office/powerpoint/2010/main" Requires="p14">
       <p:transition p14:dur="300">
         <p:fade/>
       </p:transition>
     </mc:Choice>
-    <mc:Fallback xmlns="">
+    <mc:Fallback>
       <p:transition>
         <p:fade/>
       </p:transition>
@@ -10502,13 +10502,13 @@
   <p:clrMapOvr>
     <a:masterClrMapping/>
   </p:clrMapOvr>
-  <mc:AlternateContent xmlns:mc="http://schemas.openxmlformats.org/markup-compatibility/2006" xmlns:p14="http://schemas.microsoft.com/office/powerpoint/2010/main">
-    <mc:Choice Requires="p14">
+  <mc:AlternateContent xmlns:mc="http://schemas.openxmlformats.org/markup-compatibility/2006">
+    <mc:Choice xmlns:p14="http://schemas.microsoft.com/office/powerpoint/2010/main" Requires="p14">
       <p:transition p14:dur="300">
         <p:fade/>
       </p:transition>
     </mc:Choice>
-    <mc:Fallback xmlns="">
+    <mc:Fallback>
       <p:transition>
         <p:fade/>
       </p:transition>
@@ -10674,13 +10674,13 @@
   <p:clrMapOvr>
     <a:masterClrMapping/>
   </p:clrMapOvr>
-  <mc:AlternateContent xmlns:mc="http://schemas.openxmlformats.org/markup-compatibility/2006" xmlns:p14="http://schemas.microsoft.com/office/powerpoint/2010/main">
-    <mc:Choice Requires="p14">
+  <mc:AlternateContent xmlns:mc="http://schemas.openxmlformats.org/markup-compatibility/2006">
+    <mc:Choice xmlns:p14="http://schemas.microsoft.com/office/powerpoint/2010/main" Requires="p14">
       <p:transition p14:dur="300">
         <p:fade/>
       </p:transition>
     </mc:Choice>
-    <mc:Fallback xmlns="">
+    <mc:Fallback>
       <p:transition>
         <p:fade/>
       </p:transition>
@@ -10834,13 +10834,13 @@
   <p:clrMapOvr>
     <a:masterClrMapping/>
   </p:clrMapOvr>
-  <mc:AlternateContent xmlns:mc="http://schemas.openxmlformats.org/markup-compatibility/2006" xmlns:p14="http://schemas.microsoft.com/office/powerpoint/2010/main">
-    <mc:Choice Requires="p14">
+  <mc:AlternateContent xmlns:mc="http://schemas.openxmlformats.org/markup-compatibility/2006">
+    <mc:Choice xmlns:p14="http://schemas.microsoft.com/office/powerpoint/2010/main" Requires="p14">
       <p:transition p14:dur="300">
         <p:fade/>
       </p:transition>
     </mc:Choice>
-    <mc:Fallback xmlns="">
+    <mc:Fallback>
       <p:transition>
         <p:fade/>
       </p:transition>
@@ -10990,13 +10990,13 @@
   <p:clrMapOvr>
     <a:masterClrMapping/>
   </p:clrMapOvr>
-  <mc:AlternateContent xmlns:mc="http://schemas.openxmlformats.org/markup-compatibility/2006" xmlns:p14="http://schemas.microsoft.com/office/powerpoint/2010/main">
-    <mc:Choice Requires="p14">
+  <mc:AlternateContent xmlns:mc="http://schemas.openxmlformats.org/markup-compatibility/2006">
+    <mc:Choice xmlns:p14="http://schemas.microsoft.com/office/powerpoint/2010/main" Requires="p14">
       <p:transition p14:dur="300">
         <p:fade/>
       </p:transition>
     </mc:Choice>
-    <mc:Fallback xmlns="">
+    <mc:Fallback>
       <p:transition>
         <p:fade/>
       </p:transition>
@@ -11150,13 +11150,13 @@
   <p:clrMapOvr>
     <a:masterClrMapping/>
   </p:clrMapOvr>
-  <mc:AlternateContent xmlns:mc="http://schemas.openxmlformats.org/markup-compatibility/2006" xmlns:p14="http://schemas.microsoft.com/office/powerpoint/2010/main">
-    <mc:Choice Requires="p14">
+  <mc:AlternateContent xmlns:mc="http://schemas.openxmlformats.org/markup-compatibility/2006">
+    <mc:Choice xmlns:p14="http://schemas.microsoft.com/office/powerpoint/2010/main" Requires="p14">
       <p:transition p14:dur="300">
         <p:fade/>
       </p:transition>
     </mc:Choice>
-    <mc:Fallback xmlns="">
+    <mc:Fallback>
       <p:transition>
         <p:fade/>
       </p:transition>
@@ -11323,13 +11323,13 @@
   <p:clrMapOvr>
     <a:masterClrMapping/>
   </p:clrMapOvr>
-  <mc:AlternateContent xmlns:mc="http://schemas.openxmlformats.org/markup-compatibility/2006" xmlns:p14="http://schemas.microsoft.com/office/powerpoint/2010/main">
-    <mc:Choice Requires="p14">
+  <mc:AlternateContent xmlns:mc="http://schemas.openxmlformats.org/markup-compatibility/2006">
+    <mc:Choice xmlns:p14="http://schemas.microsoft.com/office/powerpoint/2010/main" Requires="p14">
       <p:transition p14:dur="300">
         <p:fade/>
       </p:transition>
     </mc:Choice>
-    <mc:Fallback xmlns="">
+    <mc:Fallback>
       <p:transition>
         <p:fade/>
       </p:transition>
@@ -12103,13 +12103,13 @@
   <p:clrMapOvr>
     <a:masterClrMapping/>
   </p:clrMapOvr>
-  <mc:AlternateContent xmlns:mc="http://schemas.openxmlformats.org/markup-compatibility/2006" xmlns:p14="http://schemas.microsoft.com/office/powerpoint/2010/main">
-    <mc:Choice Requires="p14">
+  <mc:AlternateContent xmlns:mc="http://schemas.openxmlformats.org/markup-compatibility/2006">
+    <mc:Choice xmlns:p14="http://schemas.microsoft.com/office/powerpoint/2010/main" Requires="p14">
       <p:transition p14:dur="300">
         <p:fade/>
       </p:transition>
     </mc:Choice>
-    <mc:Fallback xmlns="">
+    <mc:Fallback>
       <p:transition>
         <p:fade/>
       </p:transition>
@@ -12267,13 +12267,13 @@
   <p:clrMapOvr>
     <a:masterClrMapping/>
   </p:clrMapOvr>
-  <mc:AlternateContent xmlns:mc="http://schemas.openxmlformats.org/markup-compatibility/2006" xmlns:p14="http://schemas.microsoft.com/office/powerpoint/2010/main">
-    <mc:Choice Requires="p14">
+  <mc:AlternateContent xmlns:mc="http://schemas.openxmlformats.org/markup-compatibility/2006">
+    <mc:Choice xmlns:p14="http://schemas.microsoft.com/office/powerpoint/2010/main" Requires="p14">
       <p:transition p14:dur="300">
         <p:fade/>
       </p:transition>
     </mc:Choice>
-    <mc:Fallback xmlns="">
+    <mc:Fallback>
       <p:transition>
         <p:fade/>
       </p:transition>
@@ -12427,13 +12427,13 @@
   <p:clrMapOvr>
     <a:masterClrMapping/>
   </p:clrMapOvr>
-  <mc:AlternateContent xmlns:mc="http://schemas.openxmlformats.org/markup-compatibility/2006" xmlns:p14="http://schemas.microsoft.com/office/powerpoint/2010/main">
-    <mc:Choice Requires="p14">
+  <mc:AlternateContent xmlns:mc="http://schemas.openxmlformats.org/markup-compatibility/2006">
+    <mc:Choice xmlns:p14="http://schemas.microsoft.com/office/powerpoint/2010/main" Requires="p14">
       <p:transition p14:dur="300">
         <p:fade/>
       </p:transition>
     </mc:Choice>
-    <mc:Fallback xmlns="">
+    <mc:Fallback>
       <p:transition>
         <p:fade/>
       </p:transition>
@@ -12587,13 +12587,13 @@
   <p:clrMapOvr>
     <a:masterClrMapping/>
   </p:clrMapOvr>
-  <mc:AlternateContent xmlns:mc="http://schemas.openxmlformats.org/markup-compatibility/2006" xmlns:p14="http://schemas.microsoft.com/office/powerpoint/2010/main">
-    <mc:Choice Requires="p14">
+  <mc:AlternateContent xmlns:mc="http://schemas.openxmlformats.org/markup-compatibility/2006">
+    <mc:Choice xmlns:p14="http://schemas.microsoft.com/office/powerpoint/2010/main" Requires="p14">
       <p:transition p14:dur="300">
         <p:fade/>
       </p:transition>
     </mc:Choice>
-    <mc:Fallback xmlns="">
+    <mc:Fallback>
       <p:transition>
         <p:fade/>
       </p:transition>
@@ -12747,13 +12747,13 @@
   <p:clrMapOvr>
     <a:masterClrMapping/>
   </p:clrMapOvr>
-  <mc:AlternateContent xmlns:mc="http://schemas.openxmlformats.org/markup-compatibility/2006" xmlns:p14="http://schemas.microsoft.com/office/powerpoint/2010/main">
-    <mc:Choice Requires="p14">
+  <mc:AlternateContent xmlns:mc="http://schemas.openxmlformats.org/markup-compatibility/2006">
+    <mc:Choice xmlns:p14="http://schemas.microsoft.com/office/powerpoint/2010/main" Requires="p14">
       <p:transition p14:dur="300">
         <p:fade/>
       </p:transition>
     </mc:Choice>
-    <mc:Fallback xmlns="">
+    <mc:Fallback>
       <p:transition>
         <p:fade/>
       </p:transition>
@@ -12904,13 +12904,13 @@
   <p:clrMapOvr>
     <a:masterClrMapping/>
   </p:clrMapOvr>
-  <mc:AlternateContent xmlns:mc="http://schemas.openxmlformats.org/markup-compatibility/2006" xmlns:p14="http://schemas.microsoft.com/office/powerpoint/2010/main">
-    <mc:Choice Requires="p14">
+  <mc:AlternateContent xmlns:mc="http://schemas.openxmlformats.org/markup-compatibility/2006">
+    <mc:Choice xmlns:p14="http://schemas.microsoft.com/office/powerpoint/2010/main" Requires="p14">
       <p:transition p14:dur="300">
         <p:fade/>
       </p:transition>
     </mc:Choice>
-    <mc:Fallback xmlns="">
+    <mc:Fallback>
       <p:transition>
         <p:fade/>
       </p:transition>
@@ -13068,13 +13068,13 @@
   <p:clrMapOvr>
     <a:masterClrMapping/>
   </p:clrMapOvr>
-  <mc:AlternateContent xmlns:mc="http://schemas.openxmlformats.org/markup-compatibility/2006" xmlns:p14="http://schemas.microsoft.com/office/powerpoint/2010/main">
-    <mc:Choice Requires="p14">
+  <mc:AlternateContent xmlns:mc="http://schemas.openxmlformats.org/markup-compatibility/2006">
+    <mc:Choice xmlns:p14="http://schemas.microsoft.com/office/powerpoint/2010/main" Requires="p14">
       <p:transition p14:dur="300">
         <p:fade/>
       </p:transition>
     </mc:Choice>
-    <mc:Fallback xmlns="">
+    <mc:Fallback>
       <p:transition>
         <p:fade/>
       </p:transition>
@@ -13228,13 +13228,13 @@
   <p:clrMapOvr>
     <a:masterClrMapping/>
   </p:clrMapOvr>
-  <mc:AlternateContent xmlns:mc="http://schemas.openxmlformats.org/markup-compatibility/2006" xmlns:p14="http://schemas.microsoft.com/office/powerpoint/2010/main">
-    <mc:Choice Requires="p14">
+  <mc:AlternateContent xmlns:mc="http://schemas.openxmlformats.org/markup-compatibility/2006">
+    <mc:Choice xmlns:p14="http://schemas.microsoft.com/office/powerpoint/2010/main" Requires="p14">
       <p:transition p14:dur="300">
         <p:fade/>
       </p:transition>
     </mc:Choice>
-    <mc:Fallback xmlns="">
+    <mc:Fallback>
       <p:transition>
         <p:fade/>
       </p:transition>
@@ -13352,7 +13352,7 @@
         <p:spPr>
           <a:xfrm>
             <a:off x="2171700" y="4495801"/>
-            <a:ext cx="7848600" cy="1905000"/>
+            <a:ext cx="7848600" cy="1077218"/>
           </a:xfrm>
           <a:noFill/>
           <a:extLst>
@@ -13377,7 +13377,7 @@
           <a:p>
             <a:r>
               <a:rPr lang="en-US" altLang="en-US" dirty="0"/>
-              <a:t>the impurities of the Ignorance Era could not object you to filth</a:t>
+              <a:t>the impurities of the Era of Ignorance could not object you to filth</a:t>
             </a:r>
           </a:p>
         </p:txBody>
@@ -13392,13 +13392,13 @@
   <p:clrMapOvr>
     <a:masterClrMapping/>
   </p:clrMapOvr>
-  <mc:AlternateContent xmlns:mc="http://schemas.openxmlformats.org/markup-compatibility/2006" xmlns:p14="http://schemas.microsoft.com/office/powerpoint/2010/main">
-    <mc:Choice Requires="p14">
+  <mc:AlternateContent xmlns:mc="http://schemas.openxmlformats.org/markup-compatibility/2006">
+    <mc:Choice xmlns:p14="http://schemas.microsoft.com/office/powerpoint/2010/main" Requires="p14">
       <p:transition p14:dur="300">
         <p:fade/>
       </p:transition>
     </mc:Choice>
-    <mc:Fallback xmlns="">
+    <mc:Fallback>
       <p:transition>
         <p:fade/>
       </p:transition>
@@ -13544,13 +13544,13 @@
   <p:clrMapOvr>
     <a:masterClrMapping/>
   </p:clrMapOvr>
-  <mc:AlternateContent xmlns:mc="http://schemas.openxmlformats.org/markup-compatibility/2006" xmlns:p14="http://schemas.microsoft.com/office/powerpoint/2010/main">
-    <mc:Choice Requires="p14">
+  <mc:AlternateContent xmlns:mc="http://schemas.openxmlformats.org/markup-compatibility/2006">
+    <mc:Choice xmlns:p14="http://schemas.microsoft.com/office/powerpoint/2010/main" Requires="p14">
       <p:transition p14:dur="300">
         <p:fade/>
       </p:transition>
     </mc:Choice>
-    <mc:Fallback xmlns="">
+    <mc:Fallback>
       <p:transition>
         <p:fade/>
       </p:transition>
@@ -13700,13 +13700,13 @@
   <p:clrMapOvr>
     <a:masterClrMapping/>
   </p:clrMapOvr>
-  <mc:AlternateContent xmlns:mc="http://schemas.openxmlformats.org/markup-compatibility/2006" xmlns:p14="http://schemas.microsoft.com/office/powerpoint/2010/main">
-    <mc:Choice Requires="p14">
+  <mc:AlternateContent xmlns:mc="http://schemas.openxmlformats.org/markup-compatibility/2006">
+    <mc:Choice xmlns:p14="http://schemas.microsoft.com/office/powerpoint/2010/main" Requires="p14">
       <p:transition p14:dur="300">
         <p:fade/>
       </p:transition>
     </mc:Choice>
-    <mc:Fallback xmlns="">
+    <mc:Fallback>
       <p:transition>
         <p:fade/>
       </p:transition>
@@ -13794,15 +13794,7 @@
           <a:p>
             <a:r>
               <a:rPr lang="en-US" dirty="0"/>
-              <a:t>O' </a:t>
-            </a:r>
-            <a:r>
-              <a:rPr lang="en-US" dirty="0" err="1"/>
-              <a:t>Alláh</a:t>
-            </a:r>
-            <a:r>
-              <a:rPr lang="en-US" dirty="0"/>
-              <a:t> send Your blessings on Muhammad</a:t>
+              <a:t>O' Allah send Your blessings on Muhammad</a:t>
             </a:r>
           </a:p>
           <a:p>
@@ -13823,13 +13815,13 @@
   <p:clrMapOvr>
     <a:masterClrMapping/>
   </p:clrMapOvr>
-  <mc:AlternateContent xmlns:mc="http://schemas.openxmlformats.org/markup-compatibility/2006" xmlns:p14="http://schemas.microsoft.com/office/powerpoint/2010/main">
-    <mc:Choice Requires="p14">
+  <mc:AlternateContent xmlns:mc="http://schemas.openxmlformats.org/markup-compatibility/2006">
+    <mc:Choice xmlns:p14="http://schemas.microsoft.com/office/powerpoint/2010/main" Requires="p14">
       <p:transition p14:dur="300">
         <p:fade/>
       </p:transition>
     </mc:Choice>
-    <mc:Fallback xmlns="">
+    <mc:Fallback>
       <p:transition>
         <p:fade/>
       </p:transition>
@@ -13979,13 +13971,13 @@
   <p:clrMapOvr>
     <a:masterClrMapping/>
   </p:clrMapOvr>
-  <mc:AlternateContent xmlns:mc="http://schemas.openxmlformats.org/markup-compatibility/2006" xmlns:p14="http://schemas.microsoft.com/office/powerpoint/2010/main">
-    <mc:Choice Requires="p14">
+  <mc:AlternateContent xmlns:mc="http://schemas.openxmlformats.org/markup-compatibility/2006">
+    <mc:Choice xmlns:p14="http://schemas.microsoft.com/office/powerpoint/2010/main" Requires="p14">
       <p:transition p14:dur="300">
         <p:fade/>
       </p:transition>
     </mc:Choice>
-    <mc:Fallback xmlns="">
+    <mc:Fallback>
       <p:transition>
         <p:fade/>
       </p:transition>
@@ -14151,13 +14143,13 @@
   <p:clrMapOvr>
     <a:masterClrMapping/>
   </p:clrMapOvr>
-  <mc:AlternateContent xmlns:mc="http://schemas.openxmlformats.org/markup-compatibility/2006" xmlns:p14="http://schemas.microsoft.com/office/powerpoint/2010/main">
-    <mc:Choice Requires="p14">
+  <mc:AlternateContent xmlns:mc="http://schemas.openxmlformats.org/markup-compatibility/2006">
+    <mc:Choice xmlns:p14="http://schemas.microsoft.com/office/powerpoint/2010/main" Requires="p14">
       <p:transition p14:dur="300">
         <p:fade/>
       </p:transition>
     </mc:Choice>
-    <mc:Fallback xmlns="">
+    <mc:Fallback>
       <p:transition>
         <p:fade/>
       </p:transition>
@@ -14327,13 +14319,13 @@
   <p:clrMapOvr>
     <a:masterClrMapping/>
   </p:clrMapOvr>
-  <mc:AlternateContent xmlns:mc="http://schemas.openxmlformats.org/markup-compatibility/2006" xmlns:p14="http://schemas.microsoft.com/office/powerpoint/2010/main">
-    <mc:Choice Requires="p14">
+  <mc:AlternateContent xmlns:mc="http://schemas.openxmlformats.org/markup-compatibility/2006">
+    <mc:Choice xmlns:p14="http://schemas.microsoft.com/office/powerpoint/2010/main" Requires="p14">
       <p:transition p14:dur="300">
         <p:fade/>
       </p:transition>
     </mc:Choice>
-    <mc:Fallback xmlns="">
+    <mc:Fallback>
       <p:transition>
         <p:fade/>
       </p:transition>
@@ -14491,13 +14483,13 @@
   <p:clrMapOvr>
     <a:masterClrMapping/>
   </p:clrMapOvr>
-  <mc:AlternateContent xmlns:mc="http://schemas.openxmlformats.org/markup-compatibility/2006" xmlns:p14="http://schemas.microsoft.com/office/powerpoint/2010/main">
-    <mc:Choice Requires="p14">
+  <mc:AlternateContent xmlns:mc="http://schemas.openxmlformats.org/markup-compatibility/2006">
+    <mc:Choice xmlns:p14="http://schemas.microsoft.com/office/powerpoint/2010/main" Requires="p14">
       <p:transition p14:dur="300">
         <p:fade/>
       </p:transition>
     </mc:Choice>
-    <mc:Fallback xmlns="">
+    <mc:Fallback>
       <p:transition>
         <p:fade/>
       </p:transition>
@@ -14647,13 +14639,13 @@
   <p:clrMapOvr>
     <a:masterClrMapping/>
   </p:clrMapOvr>
-  <mc:AlternateContent xmlns:mc="http://schemas.openxmlformats.org/markup-compatibility/2006" xmlns:p14="http://schemas.microsoft.com/office/powerpoint/2010/main">
-    <mc:Choice Requires="p14">
+  <mc:AlternateContent xmlns:mc="http://schemas.openxmlformats.org/markup-compatibility/2006">
+    <mc:Choice xmlns:p14="http://schemas.microsoft.com/office/powerpoint/2010/main" Requires="p14">
       <p:transition p14:dur="300">
         <p:fade/>
       </p:transition>
     </mc:Choice>
-    <mc:Fallback xmlns="">
+    <mc:Fallback>
       <p:transition>
         <p:fade/>
       </p:transition>
@@ -14807,13 +14799,13 @@
   <p:clrMapOvr>
     <a:masterClrMapping/>
   </p:clrMapOvr>
-  <mc:AlternateContent xmlns:mc="http://schemas.openxmlformats.org/markup-compatibility/2006" xmlns:p14="http://schemas.microsoft.com/office/powerpoint/2010/main">
-    <mc:Choice Requires="p14">
+  <mc:AlternateContent xmlns:mc="http://schemas.openxmlformats.org/markup-compatibility/2006">
+    <mc:Choice xmlns:p14="http://schemas.microsoft.com/office/powerpoint/2010/main" Requires="p14">
       <p:transition p14:dur="300">
         <p:fade/>
       </p:transition>
     </mc:Choice>
-    <mc:Fallback xmlns="">
+    <mc:Fallback>
       <p:transition>
         <p:fade/>
       </p:transition>
@@ -14967,13 +14959,13 @@
   <p:clrMapOvr>
     <a:masterClrMapping/>
   </p:clrMapOvr>
-  <mc:AlternateContent xmlns:mc="http://schemas.openxmlformats.org/markup-compatibility/2006" xmlns:p14="http://schemas.microsoft.com/office/powerpoint/2010/main">
-    <mc:Choice Requires="p14">
+  <mc:AlternateContent xmlns:mc="http://schemas.openxmlformats.org/markup-compatibility/2006">
+    <mc:Choice xmlns:p14="http://schemas.microsoft.com/office/powerpoint/2010/main" Requires="p14">
       <p:transition p14:dur="300">
         <p:fade/>
       </p:transition>
     </mc:Choice>
-    <mc:Fallback xmlns="">
+    <mc:Fallback>
       <p:transition>
         <p:fade/>
       </p:transition>
@@ -15127,13 +15119,13 @@
   <p:clrMapOvr>
     <a:masterClrMapping/>
   </p:clrMapOvr>
-  <mc:AlternateContent xmlns:mc="http://schemas.openxmlformats.org/markup-compatibility/2006" xmlns:p14="http://schemas.microsoft.com/office/powerpoint/2010/main">
-    <mc:Choice Requires="p14">
+  <mc:AlternateContent xmlns:mc="http://schemas.openxmlformats.org/markup-compatibility/2006">
+    <mc:Choice xmlns:p14="http://schemas.microsoft.com/office/powerpoint/2010/main" Requires="p14">
       <p:transition p14:dur="300">
         <p:fade/>
       </p:transition>
     </mc:Choice>
-    <mc:Fallback xmlns="">
+    <mc:Fallback>
       <p:transition>
         <p:fade/>
       </p:transition>
@@ -15279,13 +15271,13 @@
   <p:clrMapOvr>
     <a:masterClrMapping/>
   </p:clrMapOvr>
-  <mc:AlternateContent xmlns:mc="http://schemas.openxmlformats.org/markup-compatibility/2006" xmlns:p14="http://schemas.microsoft.com/office/powerpoint/2010/main">
-    <mc:Choice Requires="p14">
+  <mc:AlternateContent xmlns:mc="http://schemas.openxmlformats.org/markup-compatibility/2006">
+    <mc:Choice xmlns:p14="http://schemas.microsoft.com/office/powerpoint/2010/main" Requires="p14">
       <p:transition p14:dur="300">
         <p:fade/>
       </p:transition>
     </mc:Choice>
-    <mc:Fallback xmlns="">
+    <mc:Fallback>
       <p:transition>
         <p:fade/>
       </p:transition>
@@ -15431,13 +15423,13 @@
   <p:clrMapOvr>
     <a:masterClrMapping/>
   </p:clrMapOvr>
-  <mc:AlternateContent xmlns:mc="http://schemas.openxmlformats.org/markup-compatibility/2006" xmlns:p14="http://schemas.microsoft.com/office/powerpoint/2010/main">
-    <mc:Choice Requires="p14">
+  <mc:AlternateContent xmlns:mc="http://schemas.openxmlformats.org/markup-compatibility/2006">
+    <mc:Choice xmlns:p14="http://schemas.microsoft.com/office/powerpoint/2010/main" Requires="p14">
       <p:transition p14:dur="300">
         <p:fade/>
       </p:transition>
     </mc:Choice>
-    <mc:Fallback xmlns="">
+    <mc:Fallback>
       <p:transition>
         <p:fade/>
       </p:transition>
@@ -15587,13 +15579,13 @@
   <p:clrMapOvr>
     <a:masterClrMapping/>
   </p:clrMapOvr>
-  <mc:AlternateContent xmlns:mc="http://schemas.openxmlformats.org/markup-compatibility/2006" xmlns:p14="http://schemas.microsoft.com/office/powerpoint/2010/main">
-    <mc:Choice Requires="p14">
+  <mc:AlternateContent xmlns:mc="http://schemas.openxmlformats.org/markup-compatibility/2006">
+    <mc:Choice xmlns:p14="http://schemas.microsoft.com/office/powerpoint/2010/main" Requires="p14">
       <p:transition p14:dur="300">
         <p:fade/>
       </p:transition>
     </mc:Choice>
-    <mc:Fallback xmlns="">
+    <mc:Fallback>
       <p:transition>
         <p:fade/>
       </p:transition>
@@ -15739,13 +15731,13 @@
   <p:clrMapOvr>
     <a:masterClrMapping/>
   </p:clrMapOvr>
-  <mc:AlternateContent xmlns:mc="http://schemas.openxmlformats.org/markup-compatibility/2006" xmlns:p14="http://schemas.microsoft.com/office/powerpoint/2010/main">
-    <mc:Choice Requires="p14">
+  <mc:AlternateContent xmlns:mc="http://schemas.openxmlformats.org/markup-compatibility/2006">
+    <mc:Choice xmlns:p14="http://schemas.microsoft.com/office/powerpoint/2010/main" Requires="p14">
       <p:transition p14:dur="300">
         <p:fade/>
       </p:transition>
     </mc:Choice>
-    <mc:Fallback xmlns="">
+    <mc:Fallback>
       <p:transition>
         <p:fade/>
       </p:transition>
@@ -15891,13 +15883,13 @@
   <p:clrMapOvr>
     <a:masterClrMapping/>
   </p:clrMapOvr>
-  <mc:AlternateContent xmlns:mc="http://schemas.openxmlformats.org/markup-compatibility/2006" xmlns:p14="http://schemas.microsoft.com/office/powerpoint/2010/main">
-    <mc:Choice Requires="p14">
+  <mc:AlternateContent xmlns:mc="http://schemas.openxmlformats.org/markup-compatibility/2006">
+    <mc:Choice xmlns:p14="http://schemas.microsoft.com/office/powerpoint/2010/main" Requires="p14">
       <p:transition p14:dur="300">
         <p:fade/>
       </p:transition>
     </mc:Choice>
-    <mc:Fallback xmlns="">
+    <mc:Fallback>
       <p:transition>
         <p:fade/>
       </p:transition>
@@ -16043,13 +16035,13 @@
   <p:clrMapOvr>
     <a:masterClrMapping/>
   </p:clrMapOvr>
-  <mc:AlternateContent xmlns:mc="http://schemas.openxmlformats.org/markup-compatibility/2006" xmlns:p14="http://schemas.microsoft.com/office/powerpoint/2010/main">
-    <mc:Choice Requires="p14">
+  <mc:AlternateContent xmlns:mc="http://schemas.openxmlformats.org/markup-compatibility/2006">
+    <mc:Choice xmlns:p14="http://schemas.microsoft.com/office/powerpoint/2010/main" Requires="p14">
       <p:transition p14:dur="300">
         <p:fade/>
       </p:transition>
     </mc:Choice>
-    <mc:Fallback xmlns="">
+    <mc:Fallback>
       <p:transition>
         <p:fade/>
       </p:transition>
@@ -16195,13 +16187,13 @@
   <p:clrMapOvr>
     <a:masterClrMapping/>
   </p:clrMapOvr>
-  <mc:AlternateContent xmlns:mc="http://schemas.openxmlformats.org/markup-compatibility/2006" xmlns:p14="http://schemas.microsoft.com/office/powerpoint/2010/main">
-    <mc:Choice Requires="p14">
+  <mc:AlternateContent xmlns:mc="http://schemas.openxmlformats.org/markup-compatibility/2006">
+    <mc:Choice xmlns:p14="http://schemas.microsoft.com/office/powerpoint/2010/main" Requires="p14">
       <p:transition p14:dur="300">
         <p:fade/>
       </p:transition>
     </mc:Choice>
-    <mc:Fallback xmlns="">
+    <mc:Fallback>
       <p:transition>
         <p:fade/>
       </p:transition>
@@ -16347,13 +16339,13 @@
   <p:clrMapOvr>
     <a:masterClrMapping/>
   </p:clrMapOvr>
-  <mc:AlternateContent xmlns:mc="http://schemas.openxmlformats.org/markup-compatibility/2006" xmlns:p14="http://schemas.microsoft.com/office/powerpoint/2010/main">
-    <mc:Choice Requires="p14">
+  <mc:AlternateContent xmlns:mc="http://schemas.openxmlformats.org/markup-compatibility/2006">
+    <mc:Choice xmlns:p14="http://schemas.microsoft.com/office/powerpoint/2010/main" Requires="p14">
       <p:transition p14:dur="300">
         <p:fade/>
       </p:transition>
     </mc:Choice>
-    <mc:Fallback xmlns="">
+    <mc:Fallback>
       <p:transition>
         <p:fade/>
       </p:transition>
@@ -16499,13 +16491,13 @@
   <p:clrMapOvr>
     <a:masterClrMapping/>
   </p:clrMapOvr>
-  <mc:AlternateContent xmlns:mc="http://schemas.openxmlformats.org/markup-compatibility/2006" xmlns:p14="http://schemas.microsoft.com/office/powerpoint/2010/main">
-    <mc:Choice Requires="p14">
+  <mc:AlternateContent xmlns:mc="http://schemas.openxmlformats.org/markup-compatibility/2006">
+    <mc:Choice xmlns:p14="http://schemas.microsoft.com/office/powerpoint/2010/main" Requires="p14">
       <p:transition p14:dur="300">
         <p:fade/>
       </p:transition>
     </mc:Choice>
-    <mc:Fallback xmlns="">
+    <mc:Fallback>
       <p:transition>
         <p:fade/>
       </p:transition>
@@ -16651,13 +16643,13 @@
   <p:clrMapOvr>
     <a:masterClrMapping/>
   </p:clrMapOvr>
-  <mc:AlternateContent xmlns:mc="http://schemas.openxmlformats.org/markup-compatibility/2006" xmlns:p14="http://schemas.microsoft.com/office/powerpoint/2010/main">
-    <mc:Choice Requires="p14">
+  <mc:AlternateContent xmlns:mc="http://schemas.openxmlformats.org/markup-compatibility/2006">
+    <mc:Choice xmlns:p14="http://schemas.microsoft.com/office/powerpoint/2010/main" Requires="p14">
       <p:transition p14:dur="300">
         <p:fade/>
       </p:transition>
     </mc:Choice>
-    <mc:Fallback xmlns="">
+    <mc:Fallback>
       <p:transition>
         <p:fade/>
       </p:transition>
@@ -16807,13 +16799,13 @@
   <p:clrMapOvr>
     <a:masterClrMapping/>
   </p:clrMapOvr>
-  <mc:AlternateContent xmlns:mc="http://schemas.openxmlformats.org/markup-compatibility/2006" xmlns:p14="http://schemas.microsoft.com/office/powerpoint/2010/main">
-    <mc:Choice Requires="p14">
+  <mc:AlternateContent xmlns:mc="http://schemas.openxmlformats.org/markup-compatibility/2006">
+    <mc:Choice xmlns:p14="http://schemas.microsoft.com/office/powerpoint/2010/main" Requires="p14">
       <p:transition p14:dur="300">
         <p:fade/>
       </p:transition>
     </mc:Choice>
-    <mc:Fallback xmlns="">
+    <mc:Fallback>
       <p:transition>
         <p:fade/>
       </p:transition>
@@ -16963,13 +16955,13 @@
   <p:clrMapOvr>
     <a:masterClrMapping/>
   </p:clrMapOvr>
-  <mc:AlternateContent xmlns:mc="http://schemas.openxmlformats.org/markup-compatibility/2006" xmlns:p14="http://schemas.microsoft.com/office/powerpoint/2010/main">
-    <mc:Choice Requires="p14">
+  <mc:AlternateContent xmlns:mc="http://schemas.openxmlformats.org/markup-compatibility/2006">
+    <mc:Choice xmlns:p14="http://schemas.microsoft.com/office/powerpoint/2010/main" Requires="p14">
       <p:transition p14:dur="300">
         <p:fade/>
       </p:transition>
     </mc:Choice>
-    <mc:Fallback xmlns="">
+    <mc:Fallback>
       <p:transition>
         <p:fade/>
       </p:transition>
@@ -17119,13 +17111,13 @@
   <p:clrMapOvr>
     <a:masterClrMapping/>
   </p:clrMapOvr>
-  <mc:AlternateContent xmlns:mc="http://schemas.openxmlformats.org/markup-compatibility/2006" xmlns:p14="http://schemas.microsoft.com/office/powerpoint/2010/main">
-    <mc:Choice Requires="p14">
+  <mc:AlternateContent xmlns:mc="http://schemas.openxmlformats.org/markup-compatibility/2006">
+    <mc:Choice xmlns:p14="http://schemas.microsoft.com/office/powerpoint/2010/main" Requires="p14">
       <p:transition p14:dur="300">
         <p:fade/>
       </p:transition>
     </mc:Choice>
-    <mc:Fallback xmlns="">
+    <mc:Fallback>
       <p:transition>
         <p:fade/>
       </p:transition>
@@ -17275,13 +17267,13 @@
   <p:clrMapOvr>
     <a:masterClrMapping/>
   </p:clrMapOvr>
-  <mc:AlternateContent xmlns:mc="http://schemas.openxmlformats.org/markup-compatibility/2006" xmlns:p14="http://schemas.microsoft.com/office/powerpoint/2010/main">
-    <mc:Choice Requires="p14">
+  <mc:AlternateContent xmlns:mc="http://schemas.openxmlformats.org/markup-compatibility/2006">
+    <mc:Choice xmlns:p14="http://schemas.microsoft.com/office/powerpoint/2010/main" Requires="p14">
       <p:transition p14:dur="300">
         <p:fade/>
       </p:transition>
     </mc:Choice>
-    <mc:Fallback xmlns="">
+    <mc:Fallback>
       <p:transition>
         <p:fade/>
       </p:transition>
@@ -17435,13 +17427,13 @@
   <p:clrMapOvr>
     <a:masterClrMapping/>
   </p:clrMapOvr>
-  <mc:AlternateContent xmlns:mc="http://schemas.openxmlformats.org/markup-compatibility/2006" xmlns:p14="http://schemas.microsoft.com/office/powerpoint/2010/main">
-    <mc:Choice Requires="p14">
+  <mc:AlternateContent xmlns:mc="http://schemas.openxmlformats.org/markup-compatibility/2006">
+    <mc:Choice xmlns:p14="http://schemas.microsoft.com/office/powerpoint/2010/main" Requires="p14">
       <p:transition p14:dur="300">
         <p:fade/>
       </p:transition>
     </mc:Choice>
-    <mc:Fallback xmlns="">
+    <mc:Fallback>
       <p:transition>
         <p:fade/>
       </p:transition>
@@ -17599,13 +17591,13 @@
   <p:clrMapOvr>
     <a:masterClrMapping/>
   </p:clrMapOvr>
-  <mc:AlternateContent xmlns:mc="http://schemas.openxmlformats.org/markup-compatibility/2006" xmlns:p14="http://schemas.microsoft.com/office/powerpoint/2010/main">
-    <mc:Choice Requires="p14">
+  <mc:AlternateContent xmlns:mc="http://schemas.openxmlformats.org/markup-compatibility/2006">
+    <mc:Choice xmlns:p14="http://schemas.microsoft.com/office/powerpoint/2010/main" Requires="p14">
       <p:transition p14:dur="300">
         <p:fade/>
       </p:transition>
     </mc:Choice>
-    <mc:Fallback xmlns="">
+    <mc:Fallback>
       <p:transition>
         <p:fade/>
       </p:transition>
@@ -17759,13 +17751,13 @@
   <p:clrMapOvr>
     <a:masterClrMapping/>
   </p:clrMapOvr>
-  <mc:AlternateContent xmlns:mc="http://schemas.openxmlformats.org/markup-compatibility/2006" xmlns:p14="http://schemas.microsoft.com/office/powerpoint/2010/main">
-    <mc:Choice Requires="p14">
+  <mc:AlternateContent xmlns:mc="http://schemas.openxmlformats.org/markup-compatibility/2006">
+    <mc:Choice xmlns:p14="http://schemas.microsoft.com/office/powerpoint/2010/main" Requires="p14">
       <p:transition p14:dur="300">
         <p:fade/>
       </p:transition>
     </mc:Choice>
-    <mc:Fallback xmlns="">
+    <mc:Fallback>
       <p:transition>
         <p:fade/>
       </p:transition>
@@ -17911,13 +17903,13 @@
   <p:clrMapOvr>
     <a:masterClrMapping/>
   </p:clrMapOvr>
-  <mc:AlternateContent xmlns:mc="http://schemas.openxmlformats.org/markup-compatibility/2006" xmlns:p14="http://schemas.microsoft.com/office/powerpoint/2010/main">
-    <mc:Choice Requires="p14">
+  <mc:AlternateContent xmlns:mc="http://schemas.openxmlformats.org/markup-compatibility/2006">
+    <mc:Choice xmlns:p14="http://schemas.microsoft.com/office/powerpoint/2010/main" Requires="p14">
       <p:transition p14:dur="300">
         <p:fade/>
       </p:transition>
     </mc:Choice>
-    <mc:Fallback xmlns="">
+    <mc:Fallback>
       <p:transition>
         <p:fade/>
       </p:transition>
@@ -18068,13 +18060,13 @@
   <p:clrMapOvr>
     <a:masterClrMapping/>
   </p:clrMapOvr>
-  <mc:AlternateContent xmlns:mc="http://schemas.openxmlformats.org/markup-compatibility/2006" xmlns:p14="http://schemas.microsoft.com/office/powerpoint/2010/main">
-    <mc:Choice Requires="p14">
+  <mc:AlternateContent xmlns:mc="http://schemas.openxmlformats.org/markup-compatibility/2006">
+    <mc:Choice xmlns:p14="http://schemas.microsoft.com/office/powerpoint/2010/main" Requires="p14">
       <p:transition p14:dur="300">
         <p:fade/>
       </p:transition>
     </mc:Choice>
-    <mc:Fallback xmlns="">
+    <mc:Fallback>
       <p:transition>
         <p:fade/>
       </p:transition>
@@ -18220,13 +18212,13 @@
   <p:clrMapOvr>
     <a:masterClrMapping/>
   </p:clrMapOvr>
-  <mc:AlternateContent xmlns:mc="http://schemas.openxmlformats.org/markup-compatibility/2006" xmlns:p14="http://schemas.microsoft.com/office/powerpoint/2010/main">
-    <mc:Choice Requires="p14">
+  <mc:AlternateContent xmlns:mc="http://schemas.openxmlformats.org/markup-compatibility/2006">
+    <mc:Choice xmlns:p14="http://schemas.microsoft.com/office/powerpoint/2010/main" Requires="p14">
       <p:transition p14:dur="300">
         <p:fade/>
       </p:transition>
     </mc:Choice>
-    <mc:Fallback xmlns="">
+    <mc:Fallback>
       <p:transition>
         <p:fade/>
       </p:transition>
@@ -18372,13 +18364,13 @@
   <p:clrMapOvr>
     <a:masterClrMapping/>
   </p:clrMapOvr>
-  <mc:AlternateContent xmlns:mc="http://schemas.openxmlformats.org/markup-compatibility/2006" xmlns:p14="http://schemas.microsoft.com/office/powerpoint/2010/main">
-    <mc:Choice Requires="p14">
+  <mc:AlternateContent xmlns:mc="http://schemas.openxmlformats.org/markup-compatibility/2006">
+    <mc:Choice xmlns:p14="http://schemas.microsoft.com/office/powerpoint/2010/main" Requires="p14">
       <p:transition p14:dur="300">
         <p:fade/>
       </p:transition>
     </mc:Choice>
-    <mc:Fallback xmlns="">
+    <mc:Fallback>
       <p:transition>
         <p:fade/>
       </p:transition>
@@ -18548,13 +18540,13 @@
   <p:clrMapOvr>
     <a:masterClrMapping/>
   </p:clrMapOvr>
-  <mc:AlternateContent xmlns:mc="http://schemas.openxmlformats.org/markup-compatibility/2006" xmlns:p14="http://schemas.microsoft.com/office/powerpoint/2010/main">
-    <mc:Choice Requires="p14">
+  <mc:AlternateContent xmlns:mc="http://schemas.openxmlformats.org/markup-compatibility/2006">
+    <mc:Choice xmlns:p14="http://schemas.microsoft.com/office/powerpoint/2010/main" Requires="p14">
       <p:transition p14:dur="300">
         <p:fade/>
       </p:transition>
     </mc:Choice>
-    <mc:Fallback xmlns="">
+    <mc:Fallback>
       <p:transition>
         <p:fade/>
       </p:transition>
@@ -18712,13 +18704,13 @@
   <p:clrMapOvr>
     <a:masterClrMapping/>
   </p:clrMapOvr>
-  <mc:AlternateContent xmlns:mc="http://schemas.openxmlformats.org/markup-compatibility/2006" xmlns:p14="http://schemas.microsoft.com/office/powerpoint/2010/main">
-    <mc:Choice Requires="p14">
+  <mc:AlternateContent xmlns:mc="http://schemas.openxmlformats.org/markup-compatibility/2006">
+    <mc:Choice xmlns:p14="http://schemas.microsoft.com/office/powerpoint/2010/main" Requires="p14">
       <p:transition p14:dur="300">
         <p:fade/>
       </p:transition>
     </mc:Choice>
-    <mc:Fallback xmlns="">
+    <mc:Fallback>
       <p:transition>
         <p:fade/>
       </p:transition>
@@ -18864,13 +18856,13 @@
   <p:clrMapOvr>
     <a:masterClrMapping/>
   </p:clrMapOvr>
-  <mc:AlternateContent xmlns:mc="http://schemas.openxmlformats.org/markup-compatibility/2006" xmlns:p14="http://schemas.microsoft.com/office/powerpoint/2010/main">
-    <mc:Choice Requires="p14">
+  <mc:AlternateContent xmlns:mc="http://schemas.openxmlformats.org/markup-compatibility/2006">
+    <mc:Choice xmlns:p14="http://schemas.microsoft.com/office/powerpoint/2010/main" Requires="p14">
       <p:transition p14:dur="300">
         <p:fade/>
       </p:transition>
     </mc:Choice>
-    <mc:Fallback xmlns="">
+    <mc:Fallback>
       <p:transition>
         <p:fade/>
       </p:transition>
@@ -19020,13 +19012,13 @@
   <p:clrMapOvr>
     <a:masterClrMapping/>
   </p:clrMapOvr>
-  <mc:AlternateContent xmlns:mc="http://schemas.openxmlformats.org/markup-compatibility/2006" xmlns:p14="http://schemas.microsoft.com/office/powerpoint/2010/main">
-    <mc:Choice Requires="p14">
+  <mc:AlternateContent xmlns:mc="http://schemas.openxmlformats.org/markup-compatibility/2006">
+    <mc:Choice xmlns:p14="http://schemas.microsoft.com/office/powerpoint/2010/main" Requires="p14">
       <p:transition p14:dur="300">
         <p:fade/>
       </p:transition>
     </mc:Choice>
-    <mc:Fallback xmlns="">
+    <mc:Fallback>
       <p:transition>
         <p:fade/>
       </p:transition>
@@ -19184,13 +19176,13 @@
   <p:clrMapOvr>
     <a:masterClrMapping/>
   </p:clrMapOvr>
-  <mc:AlternateContent xmlns:mc="http://schemas.openxmlformats.org/markup-compatibility/2006" xmlns:p14="http://schemas.microsoft.com/office/powerpoint/2010/main">
-    <mc:Choice Requires="p14">
+  <mc:AlternateContent xmlns:mc="http://schemas.openxmlformats.org/markup-compatibility/2006">
+    <mc:Choice xmlns:p14="http://schemas.microsoft.com/office/powerpoint/2010/main" Requires="p14">
       <p:transition p14:dur="300">
         <p:fade/>
       </p:transition>
     </mc:Choice>
-    <mc:Fallback xmlns="">
+    <mc:Fallback>
       <p:transition>
         <p:fade/>
       </p:transition>
@@ -20001,13 +19993,13 @@
   <p:clrMapOvr>
     <a:masterClrMapping/>
   </p:clrMapOvr>
-  <mc:AlternateContent xmlns:mc="http://schemas.openxmlformats.org/markup-compatibility/2006" xmlns:p14="http://schemas.microsoft.com/office/powerpoint/2010/main">
-    <mc:Choice Requires="p14">
+  <mc:AlternateContent xmlns:mc="http://schemas.openxmlformats.org/markup-compatibility/2006">
+    <mc:Choice xmlns:p14="http://schemas.microsoft.com/office/powerpoint/2010/main" Requires="p14">
       <p:transition p14:dur="300">
         <p:fade/>
       </p:transition>
     </mc:Choice>
-    <mc:Fallback xmlns="">
+    <mc:Fallback>
       <p:transition>
         <p:fade/>
       </p:transition>
@@ -20165,13 +20157,13 @@
   <p:clrMapOvr>
     <a:masterClrMapping/>
   </p:clrMapOvr>
-  <mc:AlternateContent xmlns:mc="http://schemas.openxmlformats.org/markup-compatibility/2006" xmlns:p14="http://schemas.microsoft.com/office/powerpoint/2010/main">
-    <mc:Choice Requires="p14">
+  <mc:AlternateContent xmlns:mc="http://schemas.openxmlformats.org/markup-compatibility/2006">
+    <mc:Choice xmlns:p14="http://schemas.microsoft.com/office/powerpoint/2010/main" Requires="p14">
       <p:transition p14:dur="300">
         <p:fade/>
       </p:transition>
     </mc:Choice>
-    <mc:Fallback xmlns="">
+    <mc:Fallback>
       <p:transition>
         <p:fade/>
       </p:transition>
@@ -20329,13 +20321,13 @@
   <p:clrMapOvr>
     <a:masterClrMapping/>
   </p:clrMapOvr>
-  <mc:AlternateContent xmlns:mc="http://schemas.openxmlformats.org/markup-compatibility/2006" xmlns:p14="http://schemas.microsoft.com/office/powerpoint/2010/main">
-    <mc:Choice Requires="p14">
+  <mc:AlternateContent xmlns:mc="http://schemas.openxmlformats.org/markup-compatibility/2006">
+    <mc:Choice xmlns:p14="http://schemas.microsoft.com/office/powerpoint/2010/main" Requires="p14">
       <p:transition p14:dur="300">
         <p:fade/>
       </p:transition>
     </mc:Choice>
-    <mc:Fallback xmlns="">
+    <mc:Fallback>
       <p:transition>
         <p:fade/>
       </p:transition>
@@ -20493,13 +20485,13 @@
   <p:clrMapOvr>
     <a:masterClrMapping/>
   </p:clrMapOvr>
-  <mc:AlternateContent xmlns:mc="http://schemas.openxmlformats.org/markup-compatibility/2006" xmlns:p14="http://schemas.microsoft.com/office/powerpoint/2010/main">
-    <mc:Choice Requires="p14">
+  <mc:AlternateContent xmlns:mc="http://schemas.openxmlformats.org/markup-compatibility/2006">
+    <mc:Choice xmlns:p14="http://schemas.microsoft.com/office/powerpoint/2010/main" Requires="p14">
       <p:transition p14:dur="300">
         <p:fade/>
       </p:transition>
     </mc:Choice>
-    <mc:Fallback xmlns="">
+    <mc:Fallback>
       <p:transition>
         <p:fade/>
       </p:transition>
@@ -20673,13 +20665,13 @@
   <p:clrMapOvr>
     <a:masterClrMapping/>
   </p:clrMapOvr>
-  <mc:AlternateContent xmlns:mc="http://schemas.openxmlformats.org/markup-compatibility/2006" xmlns:p14="http://schemas.microsoft.com/office/powerpoint/2010/main">
-    <mc:Choice Requires="p14">
+  <mc:AlternateContent xmlns:mc="http://schemas.openxmlformats.org/markup-compatibility/2006">
+    <mc:Choice xmlns:p14="http://schemas.microsoft.com/office/powerpoint/2010/main" Requires="p14">
       <p:transition p14:dur="300">
         <p:fade/>
       </p:transition>
     </mc:Choice>
-    <mc:Fallback xmlns="">
+    <mc:Fallback>
       <p:transition>
         <p:fade/>
       </p:transition>
@@ -20829,13 +20821,13 @@
   <p:clrMapOvr>
     <a:masterClrMapping/>
   </p:clrMapOvr>
-  <mc:AlternateContent xmlns:mc="http://schemas.openxmlformats.org/markup-compatibility/2006" xmlns:p14="http://schemas.microsoft.com/office/powerpoint/2010/main">
-    <mc:Choice Requires="p14">
+  <mc:AlternateContent xmlns:mc="http://schemas.openxmlformats.org/markup-compatibility/2006">
+    <mc:Choice xmlns:p14="http://schemas.microsoft.com/office/powerpoint/2010/main" Requires="p14">
       <p:transition p14:dur="300">
         <p:fade/>
       </p:transition>
     </mc:Choice>
-    <mc:Fallback xmlns="">
+    <mc:Fallback>
       <p:transition>
         <p:fade/>
       </p:transition>
@@ -21001,13 +20993,13 @@
   <p:clrMapOvr>
     <a:masterClrMapping/>
   </p:clrMapOvr>
-  <mc:AlternateContent xmlns:mc="http://schemas.openxmlformats.org/markup-compatibility/2006" xmlns:p14="http://schemas.microsoft.com/office/powerpoint/2010/main">
-    <mc:Choice Requires="p14">
+  <mc:AlternateContent xmlns:mc="http://schemas.openxmlformats.org/markup-compatibility/2006">
+    <mc:Choice xmlns:p14="http://schemas.microsoft.com/office/powerpoint/2010/main" Requires="p14">
       <p:transition p14:dur="300">
         <p:fade/>
       </p:transition>
     </mc:Choice>
-    <mc:Fallback xmlns="">
+    <mc:Fallback>
       <p:transition>
         <p:fade/>
       </p:transition>
@@ -21161,13 +21153,13 @@
   <p:clrMapOvr>
     <a:masterClrMapping/>
   </p:clrMapOvr>
-  <mc:AlternateContent xmlns:mc="http://schemas.openxmlformats.org/markup-compatibility/2006" xmlns:p14="http://schemas.microsoft.com/office/powerpoint/2010/main">
-    <mc:Choice Requires="p14">
+  <mc:AlternateContent xmlns:mc="http://schemas.openxmlformats.org/markup-compatibility/2006">
+    <mc:Choice xmlns:p14="http://schemas.microsoft.com/office/powerpoint/2010/main" Requires="p14">
       <p:transition p14:dur="300">
         <p:fade/>
       </p:transition>
     </mc:Choice>
-    <mc:Fallback xmlns="">
+    <mc:Fallback>
       <p:transition>
         <p:fade/>
       </p:transition>
@@ -21321,13 +21313,13 @@
   <p:clrMapOvr>
     <a:masterClrMapping/>
   </p:clrMapOvr>
-  <mc:AlternateContent xmlns:mc="http://schemas.openxmlformats.org/markup-compatibility/2006" xmlns:p14="http://schemas.microsoft.com/office/powerpoint/2010/main">
-    <mc:Choice Requires="p14">
+  <mc:AlternateContent xmlns:mc="http://schemas.openxmlformats.org/markup-compatibility/2006">
+    <mc:Choice xmlns:p14="http://schemas.microsoft.com/office/powerpoint/2010/main" Requires="p14">
       <p:transition p14:dur="300">
         <p:fade/>
       </p:transition>
     </mc:Choice>
-    <mc:Fallback xmlns="">
+    <mc:Fallback>
       <p:transition>
         <p:fade/>
       </p:transition>
@@ -21477,13 +21469,13 @@
   <p:clrMapOvr>
     <a:masterClrMapping/>
   </p:clrMapOvr>
-  <mc:AlternateContent xmlns:mc="http://schemas.openxmlformats.org/markup-compatibility/2006" xmlns:p14="http://schemas.microsoft.com/office/powerpoint/2010/main">
-    <mc:Choice Requires="p14">
+  <mc:AlternateContent xmlns:mc="http://schemas.openxmlformats.org/markup-compatibility/2006">
+    <mc:Choice xmlns:p14="http://schemas.microsoft.com/office/powerpoint/2010/main" Requires="p14">
       <p:transition p14:dur="300">
         <p:fade/>
       </p:transition>
     </mc:Choice>
-    <mc:Fallback xmlns="">
+    <mc:Fallback>
       <p:transition>
         <p:fade/>
       </p:transition>
@@ -21645,13 +21637,13 @@
   <p:clrMapOvr>
     <a:masterClrMapping/>
   </p:clrMapOvr>
-  <mc:AlternateContent xmlns:mc="http://schemas.openxmlformats.org/markup-compatibility/2006" xmlns:p14="http://schemas.microsoft.com/office/powerpoint/2010/main">
-    <mc:Choice Requires="p14">
+  <mc:AlternateContent xmlns:mc="http://schemas.openxmlformats.org/markup-compatibility/2006">
+    <mc:Choice xmlns:p14="http://schemas.microsoft.com/office/powerpoint/2010/main" Requires="p14">
       <p:transition p14:dur="300">
         <p:fade/>
       </p:transition>
     </mc:Choice>
-    <mc:Fallback xmlns="">
+    <mc:Fallback>
       <p:transition>
         <p:fade/>
       </p:transition>
@@ -21813,13 +21805,13 @@
   <p:clrMapOvr>
     <a:masterClrMapping/>
   </p:clrMapOvr>
-  <mc:AlternateContent xmlns:mc="http://schemas.openxmlformats.org/markup-compatibility/2006" xmlns:p14="http://schemas.microsoft.com/office/powerpoint/2010/main">
-    <mc:Choice Requires="p14">
+  <mc:AlternateContent xmlns:mc="http://schemas.openxmlformats.org/markup-compatibility/2006">
+    <mc:Choice xmlns:p14="http://schemas.microsoft.com/office/powerpoint/2010/main" Requires="p14">
       <p:transition p14:dur="300">
         <p:fade/>
       </p:transition>
     </mc:Choice>
-    <mc:Fallback xmlns="">
+    <mc:Fallback>
       <p:transition>
         <p:fade/>
       </p:transition>
@@ -21969,13 +21961,13 @@
   <p:clrMapOvr>
     <a:masterClrMapping/>
   </p:clrMapOvr>
-  <mc:AlternateContent xmlns:mc="http://schemas.openxmlformats.org/markup-compatibility/2006" xmlns:p14="http://schemas.microsoft.com/office/powerpoint/2010/main">
-    <mc:Choice Requires="p14">
+  <mc:AlternateContent xmlns:mc="http://schemas.openxmlformats.org/markup-compatibility/2006">
+    <mc:Choice xmlns:p14="http://schemas.microsoft.com/office/powerpoint/2010/main" Requires="p14">
       <p:transition p14:dur="300">
         <p:fade/>
       </p:transition>
     </mc:Choice>
-    <mc:Fallback xmlns="">
+    <mc:Fallback>
       <p:transition>
         <p:fade/>
       </p:transition>
@@ -22129,13 +22121,13 @@
   <p:clrMapOvr>
     <a:masterClrMapping/>
   </p:clrMapOvr>
-  <mc:AlternateContent xmlns:mc="http://schemas.openxmlformats.org/markup-compatibility/2006" xmlns:p14="http://schemas.microsoft.com/office/powerpoint/2010/main">
-    <mc:Choice Requires="p14">
+  <mc:AlternateContent xmlns:mc="http://schemas.openxmlformats.org/markup-compatibility/2006">
+    <mc:Choice xmlns:p14="http://schemas.microsoft.com/office/powerpoint/2010/main" Requires="p14">
       <p:transition p14:dur="300">
         <p:fade/>
       </p:transition>
     </mc:Choice>
-    <mc:Fallback xmlns="">
+    <mc:Fallback>
       <p:transition>
         <p:fade/>
       </p:transition>
@@ -22285,13 +22277,13 @@
   <p:clrMapOvr>
     <a:masterClrMapping/>
   </p:clrMapOvr>
-  <mc:AlternateContent xmlns:mc="http://schemas.openxmlformats.org/markup-compatibility/2006" xmlns:p14="http://schemas.microsoft.com/office/powerpoint/2010/main">
-    <mc:Choice Requires="p14">
+  <mc:AlternateContent xmlns:mc="http://schemas.openxmlformats.org/markup-compatibility/2006">
+    <mc:Choice xmlns:p14="http://schemas.microsoft.com/office/powerpoint/2010/main" Requires="p14">
       <p:transition p14:dur="300">
         <p:fade/>
       </p:transition>
     </mc:Choice>
-    <mc:Fallback xmlns="">
+    <mc:Fallback>
       <p:transition>
         <p:fade/>
       </p:transition>
@@ -22445,13 +22437,13 @@
   <p:clrMapOvr>
     <a:masterClrMapping/>
   </p:clrMapOvr>
-  <mc:AlternateContent xmlns:mc="http://schemas.openxmlformats.org/markup-compatibility/2006" xmlns:p14="http://schemas.microsoft.com/office/powerpoint/2010/main">
-    <mc:Choice Requires="p14">
+  <mc:AlternateContent xmlns:mc="http://schemas.openxmlformats.org/markup-compatibility/2006">
+    <mc:Choice xmlns:p14="http://schemas.microsoft.com/office/powerpoint/2010/main" Requires="p14">
       <p:transition p14:dur="300">
         <p:fade/>
       </p:transition>
     </mc:Choice>
-    <mc:Fallback xmlns="">
+    <mc:Fallback>
       <p:transition>
         <p:fade/>
       </p:transition>
@@ -22605,13 +22597,13 @@
   <p:clrMapOvr>
     <a:masterClrMapping/>
   </p:clrMapOvr>
-  <mc:AlternateContent xmlns:mc="http://schemas.openxmlformats.org/markup-compatibility/2006" xmlns:p14="http://schemas.microsoft.com/office/powerpoint/2010/main">
-    <mc:Choice Requires="p14">
+  <mc:AlternateContent xmlns:mc="http://schemas.openxmlformats.org/markup-compatibility/2006">
+    <mc:Choice xmlns:p14="http://schemas.microsoft.com/office/powerpoint/2010/main" Requires="p14">
       <p:transition p14:dur="300">
         <p:fade/>
       </p:transition>
     </mc:Choice>
-    <mc:Fallback xmlns="">
+    <mc:Fallback>
       <p:transition>
         <p:fade/>
       </p:transition>
@@ -23412,13 +23404,13 @@
   <p:clrMapOvr>
     <a:masterClrMapping/>
   </p:clrMapOvr>
-  <mc:AlternateContent xmlns:mc="http://schemas.openxmlformats.org/markup-compatibility/2006" xmlns:p14="http://schemas.microsoft.com/office/powerpoint/2010/main">
-    <mc:Choice Requires="p14">
+  <mc:AlternateContent xmlns:mc="http://schemas.openxmlformats.org/markup-compatibility/2006">
+    <mc:Choice xmlns:p14="http://schemas.microsoft.com/office/powerpoint/2010/main" Requires="p14">
       <p:transition p14:dur="300">
         <p:fade/>
       </p:transition>
     </mc:Choice>
-    <mc:Fallback xmlns="">
+    <mc:Fallback>
       <p:transition>
         <p:fade/>
       </p:transition>
@@ -23572,13 +23564,13 @@
   <p:clrMapOvr>
     <a:masterClrMapping/>
   </p:clrMapOvr>
-  <mc:AlternateContent xmlns:mc="http://schemas.openxmlformats.org/markup-compatibility/2006" xmlns:p14="http://schemas.microsoft.com/office/powerpoint/2010/main">
-    <mc:Choice Requires="p14">
+  <mc:AlternateContent xmlns:mc="http://schemas.openxmlformats.org/markup-compatibility/2006">
+    <mc:Choice xmlns:p14="http://schemas.microsoft.com/office/powerpoint/2010/main" Requires="p14">
       <p:transition p14:dur="300">
         <p:fade/>
       </p:transition>
     </mc:Choice>
-    <mc:Fallback xmlns="">
+    <mc:Fallback>
       <p:transition>
         <p:fade/>
       </p:transition>
@@ -23736,13 +23728,13 @@
   <p:clrMapOvr>
     <a:masterClrMapping/>
   </p:clrMapOvr>
-  <mc:AlternateContent xmlns:mc="http://schemas.openxmlformats.org/markup-compatibility/2006" xmlns:p14="http://schemas.microsoft.com/office/powerpoint/2010/main">
-    <mc:Choice Requires="p14">
+  <mc:AlternateContent xmlns:mc="http://schemas.openxmlformats.org/markup-compatibility/2006">
+    <mc:Choice xmlns:p14="http://schemas.microsoft.com/office/powerpoint/2010/main" Requires="p14">
       <p:transition p14:dur="300">
         <p:fade/>
       </p:transition>
     </mc:Choice>
-    <mc:Fallback xmlns="">
+    <mc:Fallback>
       <p:transition>
         <p:fade/>
       </p:transition>
@@ -23892,13 +23884,13 @@
   <p:clrMapOvr>
     <a:masterClrMapping/>
   </p:clrMapOvr>
-  <mc:AlternateContent xmlns:mc="http://schemas.openxmlformats.org/markup-compatibility/2006" xmlns:p14="http://schemas.microsoft.com/office/powerpoint/2010/main">
-    <mc:Choice Requires="p14">
+  <mc:AlternateContent xmlns:mc="http://schemas.openxmlformats.org/markup-compatibility/2006">
+    <mc:Choice xmlns:p14="http://schemas.microsoft.com/office/powerpoint/2010/main" Requires="p14">
       <p:transition p14:dur="300">
         <p:fade/>
       </p:transition>
     </mc:Choice>
-    <mc:Fallback xmlns="">
+    <mc:Fallback>
       <p:transition>
         <p:fade/>
       </p:transition>
@@ -24048,13 +24040,13 @@
   <p:clrMapOvr>
     <a:masterClrMapping/>
   </p:clrMapOvr>
-  <mc:AlternateContent xmlns:mc="http://schemas.openxmlformats.org/markup-compatibility/2006" xmlns:p14="http://schemas.microsoft.com/office/powerpoint/2010/main">
-    <mc:Choice Requires="p14">
+  <mc:AlternateContent xmlns:mc="http://schemas.openxmlformats.org/markup-compatibility/2006">
+    <mc:Choice xmlns:p14="http://schemas.microsoft.com/office/powerpoint/2010/main" Requires="p14">
       <p:transition p14:dur="300">
         <p:fade/>
       </p:transition>
     </mc:Choice>
-    <mc:Fallback xmlns="">
+    <mc:Fallback>
       <p:transition>
         <p:fade/>
       </p:transition>
@@ -24204,13 +24196,13 @@
   <p:clrMapOvr>
     <a:masterClrMapping/>
   </p:clrMapOvr>
-  <mc:AlternateContent xmlns:mc="http://schemas.openxmlformats.org/markup-compatibility/2006" xmlns:p14="http://schemas.microsoft.com/office/powerpoint/2010/main">
-    <mc:Choice Requires="p14">
+  <mc:AlternateContent xmlns:mc="http://schemas.openxmlformats.org/markup-compatibility/2006">
+    <mc:Choice xmlns:p14="http://schemas.microsoft.com/office/powerpoint/2010/main" Requires="p14">
       <p:transition p14:dur="300">
         <p:fade/>
       </p:transition>
     </mc:Choice>
-    <mc:Fallback xmlns="">
+    <mc:Fallback>
       <p:transition>
         <p:fade/>
       </p:transition>
@@ -24360,13 +24352,13 @@
   <p:clrMapOvr>
     <a:masterClrMapping/>
   </p:clrMapOvr>
-  <mc:AlternateContent xmlns:mc="http://schemas.openxmlformats.org/markup-compatibility/2006" xmlns:p14="http://schemas.microsoft.com/office/powerpoint/2010/main">
-    <mc:Choice Requires="p14">
+  <mc:AlternateContent xmlns:mc="http://schemas.openxmlformats.org/markup-compatibility/2006">
+    <mc:Choice xmlns:p14="http://schemas.microsoft.com/office/powerpoint/2010/main" Requires="p14">
       <p:transition p14:dur="300">
         <p:fade/>
       </p:transition>
     </mc:Choice>
-    <mc:Fallback xmlns="">
+    <mc:Fallback>
       <p:transition>
         <p:fade/>
       </p:transition>
@@ -24516,13 +24508,13 @@
   <p:clrMapOvr>
     <a:masterClrMapping/>
   </p:clrMapOvr>
-  <mc:AlternateContent xmlns:mc="http://schemas.openxmlformats.org/markup-compatibility/2006" xmlns:p14="http://schemas.microsoft.com/office/powerpoint/2010/main">
-    <mc:Choice Requires="p14">
+  <mc:AlternateContent xmlns:mc="http://schemas.openxmlformats.org/markup-compatibility/2006">
+    <mc:Choice xmlns:p14="http://schemas.microsoft.com/office/powerpoint/2010/main" Requires="p14">
       <p:transition p14:dur="300">
         <p:fade/>
       </p:transition>
     </mc:Choice>
-    <mc:Fallback xmlns="">
+    <mc:Fallback>
       <p:transition>
         <p:fade/>
       </p:transition>
@@ -24668,13 +24660,13 @@
   <p:clrMapOvr>
     <a:masterClrMapping/>
   </p:clrMapOvr>
-  <mc:AlternateContent xmlns:mc="http://schemas.openxmlformats.org/markup-compatibility/2006" xmlns:p14="http://schemas.microsoft.com/office/powerpoint/2010/main">
-    <mc:Choice Requires="p14">
+  <mc:AlternateContent xmlns:mc="http://schemas.openxmlformats.org/markup-compatibility/2006">
+    <mc:Choice xmlns:p14="http://schemas.microsoft.com/office/powerpoint/2010/main" Requires="p14">
       <p:transition p14:dur="300">
         <p:fade/>
       </p:transition>
     </mc:Choice>
-    <mc:Fallback xmlns="">
+    <mc:Fallback>
       <p:transition>
         <p:fade/>
       </p:transition>
@@ -24832,13 +24824,13 @@
   <p:clrMapOvr>
     <a:masterClrMapping/>
   </p:clrMapOvr>
-  <mc:AlternateContent xmlns:mc="http://schemas.openxmlformats.org/markup-compatibility/2006" xmlns:p14="http://schemas.microsoft.com/office/powerpoint/2010/main">
-    <mc:Choice Requires="p14">
+  <mc:AlternateContent xmlns:mc="http://schemas.openxmlformats.org/markup-compatibility/2006">
+    <mc:Choice xmlns:p14="http://schemas.microsoft.com/office/powerpoint/2010/main" Requires="p14">
       <p:transition p14:dur="300">
         <p:fade/>
       </p:transition>
     </mc:Choice>
-    <mc:Fallback xmlns="">
+    <mc:Fallback>
       <p:transition>
         <p:fade/>
       </p:transition>
@@ -24988,13 +24980,13 @@
   <p:clrMapOvr>
     <a:masterClrMapping/>
   </p:clrMapOvr>
-  <mc:AlternateContent xmlns:mc="http://schemas.openxmlformats.org/markup-compatibility/2006" xmlns:p14="http://schemas.microsoft.com/office/powerpoint/2010/main">
-    <mc:Choice Requires="p14">
+  <mc:AlternateContent xmlns:mc="http://schemas.openxmlformats.org/markup-compatibility/2006">
+    <mc:Choice xmlns:p14="http://schemas.microsoft.com/office/powerpoint/2010/main" Requires="p14">
       <p:transition p14:dur="300">
         <p:fade/>
       </p:transition>
     </mc:Choice>
-    <mc:Fallback xmlns="">
+    <mc:Fallback>
       <p:transition>
         <p:fade/>
       </p:transition>
@@ -25140,13 +25132,13 @@
   <p:clrMapOvr>
     <a:masterClrMapping/>
   </p:clrMapOvr>
-  <mc:AlternateContent xmlns:mc="http://schemas.openxmlformats.org/markup-compatibility/2006" xmlns:p14="http://schemas.microsoft.com/office/powerpoint/2010/main">
-    <mc:Choice Requires="p14">
+  <mc:AlternateContent xmlns:mc="http://schemas.openxmlformats.org/markup-compatibility/2006">
+    <mc:Choice xmlns:p14="http://schemas.microsoft.com/office/powerpoint/2010/main" Requires="p14">
       <p:transition p14:dur="300">
         <p:fade/>
       </p:transition>
     </mc:Choice>
-    <mc:Fallback xmlns="">
+    <mc:Fallback>
       <p:transition>
         <p:fade/>
       </p:transition>
@@ -25308,13 +25300,13 @@
   <p:clrMapOvr>
     <a:masterClrMapping/>
   </p:clrMapOvr>
-  <mc:AlternateContent xmlns:mc="http://schemas.openxmlformats.org/markup-compatibility/2006" xmlns:p14="http://schemas.microsoft.com/office/powerpoint/2010/main">
-    <mc:Choice Requires="p14">
+  <mc:AlternateContent xmlns:mc="http://schemas.openxmlformats.org/markup-compatibility/2006">
+    <mc:Choice xmlns:p14="http://schemas.microsoft.com/office/powerpoint/2010/main" Requires="p14">
       <p:transition p14:dur="300">
         <p:fade/>
       </p:transition>
     </mc:Choice>
-    <mc:Fallback xmlns="">
+    <mc:Fallback>
       <p:transition>
         <p:fade/>
       </p:transition>
@@ -25460,13 +25452,13 @@
   <p:clrMapOvr>
     <a:masterClrMapping/>
   </p:clrMapOvr>
-  <mc:AlternateContent xmlns:mc="http://schemas.openxmlformats.org/markup-compatibility/2006" xmlns:p14="http://schemas.microsoft.com/office/powerpoint/2010/main">
-    <mc:Choice Requires="p14">
+  <mc:AlternateContent xmlns:mc="http://schemas.openxmlformats.org/markup-compatibility/2006">
+    <mc:Choice xmlns:p14="http://schemas.microsoft.com/office/powerpoint/2010/main" Requires="p14">
       <p:transition p14:dur="300">
         <p:fade/>
       </p:transition>
     </mc:Choice>
-    <mc:Fallback xmlns="">
+    <mc:Fallback>
       <p:transition>
         <p:fade/>
       </p:transition>
@@ -25616,13 +25608,13 @@
   <p:clrMapOvr>
     <a:masterClrMapping/>
   </p:clrMapOvr>
-  <mc:AlternateContent xmlns:mc="http://schemas.openxmlformats.org/markup-compatibility/2006" xmlns:p14="http://schemas.microsoft.com/office/powerpoint/2010/main">
-    <mc:Choice Requires="p14">
+  <mc:AlternateContent xmlns:mc="http://schemas.openxmlformats.org/markup-compatibility/2006">
+    <mc:Choice xmlns:p14="http://schemas.microsoft.com/office/powerpoint/2010/main" Requires="p14">
       <p:transition p14:dur="300">
         <p:fade/>
       </p:transition>
     </mc:Choice>
-    <mc:Fallback xmlns="">
+    <mc:Fallback>
       <p:transition>
         <p:fade/>
       </p:transition>
@@ -25768,13 +25760,13 @@
   <p:clrMapOvr>
     <a:masterClrMapping/>
   </p:clrMapOvr>
-  <mc:AlternateContent xmlns:mc="http://schemas.openxmlformats.org/markup-compatibility/2006" xmlns:p14="http://schemas.microsoft.com/office/powerpoint/2010/main">
-    <mc:Choice Requires="p14">
+  <mc:AlternateContent xmlns:mc="http://schemas.openxmlformats.org/markup-compatibility/2006">
+    <mc:Choice xmlns:p14="http://schemas.microsoft.com/office/powerpoint/2010/main" Requires="p14">
       <p:transition p14:dur="300">
         <p:fade/>
       </p:transition>
     </mc:Choice>
-    <mc:Fallback xmlns="">
+    <mc:Fallback>
       <p:transition>
         <p:fade/>
       </p:transition>
@@ -26548,13 +26540,13 @@
   <p:clrMapOvr>
     <a:masterClrMapping/>
   </p:clrMapOvr>
-  <mc:AlternateContent xmlns:mc="http://schemas.openxmlformats.org/markup-compatibility/2006" xmlns:p14="http://schemas.microsoft.com/office/powerpoint/2010/main">
-    <mc:Choice Requires="p14">
+  <mc:AlternateContent xmlns:mc="http://schemas.openxmlformats.org/markup-compatibility/2006">
+    <mc:Choice xmlns:p14="http://schemas.microsoft.com/office/powerpoint/2010/main" Requires="p14">
       <p:transition p14:dur="300">
         <p:fade/>
       </p:transition>
     </mc:Choice>
-    <mc:Fallback xmlns="">
+    <mc:Fallback>
       <p:transition>
         <p:fade/>
       </p:transition>
@@ -26712,13 +26704,13 @@
   <p:clrMapOvr>
     <a:masterClrMapping/>
   </p:clrMapOvr>
-  <mc:AlternateContent xmlns:mc="http://schemas.openxmlformats.org/markup-compatibility/2006" xmlns:p14="http://schemas.microsoft.com/office/powerpoint/2010/main">
-    <mc:Choice Requires="p14">
+  <mc:AlternateContent xmlns:mc="http://schemas.openxmlformats.org/markup-compatibility/2006">
+    <mc:Choice xmlns:p14="http://schemas.microsoft.com/office/powerpoint/2010/main" Requires="p14">
       <p:transition p14:dur="300">
         <p:fade/>
       </p:transition>
     </mc:Choice>
-    <mc:Fallback xmlns="">
+    <mc:Fallback>
       <p:transition>
         <p:fade/>
       </p:transition>
@@ -26876,13 +26868,13 @@
   <p:clrMapOvr>
     <a:masterClrMapping/>
   </p:clrMapOvr>
-  <mc:AlternateContent xmlns:mc="http://schemas.openxmlformats.org/markup-compatibility/2006" xmlns:p14="http://schemas.microsoft.com/office/powerpoint/2010/main">
-    <mc:Choice Requires="p14">
+  <mc:AlternateContent xmlns:mc="http://schemas.openxmlformats.org/markup-compatibility/2006">
+    <mc:Choice xmlns:p14="http://schemas.microsoft.com/office/powerpoint/2010/main" Requires="p14">
       <p:transition p14:dur="300">
         <p:fade/>
       </p:transition>
     </mc:Choice>
-    <mc:Fallback xmlns="">
+    <mc:Fallback>
       <p:transition>
         <p:fade/>
       </p:transition>
@@ -27032,13 +27024,13 @@
   <p:clrMapOvr>
     <a:masterClrMapping/>
   </p:clrMapOvr>
-  <mc:AlternateContent xmlns:mc="http://schemas.openxmlformats.org/markup-compatibility/2006" xmlns:p14="http://schemas.microsoft.com/office/powerpoint/2010/main">
-    <mc:Choice Requires="p14">
+  <mc:AlternateContent xmlns:mc="http://schemas.openxmlformats.org/markup-compatibility/2006">
+    <mc:Choice xmlns:p14="http://schemas.microsoft.com/office/powerpoint/2010/main" Requires="p14">
       <p:transition p14:dur="300">
         <p:fade/>
       </p:transition>
     </mc:Choice>
-    <mc:Fallback xmlns="">
+    <mc:Fallback>
       <p:transition>
         <p:fade/>
       </p:transition>
@@ -27184,13 +27176,13 @@
   <p:clrMapOvr>
     <a:masterClrMapping/>
   </p:clrMapOvr>
-  <mc:AlternateContent xmlns:mc="http://schemas.openxmlformats.org/markup-compatibility/2006" xmlns:p14="http://schemas.microsoft.com/office/powerpoint/2010/main">
-    <mc:Choice Requires="p14">
+  <mc:AlternateContent xmlns:mc="http://schemas.openxmlformats.org/markup-compatibility/2006">
+    <mc:Choice xmlns:p14="http://schemas.microsoft.com/office/powerpoint/2010/main" Requires="p14">
       <p:transition p14:dur="300">
         <p:fade/>
       </p:transition>
     </mc:Choice>
-    <mc:Fallback xmlns="">
+    <mc:Fallback>
       <p:transition>
         <p:fade/>
       </p:transition>
@@ -27340,13 +27332,13 @@
   <p:clrMapOvr>
     <a:masterClrMapping/>
   </p:clrMapOvr>
-  <mc:AlternateContent xmlns:mc="http://schemas.openxmlformats.org/markup-compatibility/2006" xmlns:p14="http://schemas.microsoft.com/office/powerpoint/2010/main">
-    <mc:Choice Requires="p14">
+  <mc:AlternateContent xmlns:mc="http://schemas.openxmlformats.org/markup-compatibility/2006">
+    <mc:Choice xmlns:p14="http://schemas.microsoft.com/office/powerpoint/2010/main" Requires="p14">
       <p:transition p14:dur="300">
         <p:fade/>
       </p:transition>
     </mc:Choice>
-    <mc:Fallback xmlns="">
+    <mc:Fallback>
       <p:transition>
         <p:fade/>
       </p:transition>
@@ -27520,13 +27512,13 @@
   <p:clrMapOvr>
     <a:masterClrMapping/>
   </p:clrMapOvr>
-  <mc:AlternateContent xmlns:mc="http://schemas.openxmlformats.org/markup-compatibility/2006" xmlns:p14="http://schemas.microsoft.com/office/powerpoint/2010/main">
-    <mc:Choice Requires="p14">
+  <mc:AlternateContent xmlns:mc="http://schemas.openxmlformats.org/markup-compatibility/2006">
+    <mc:Choice xmlns:p14="http://schemas.microsoft.com/office/powerpoint/2010/main" Requires="p14">
       <p:transition p14:dur="300">
         <p:fade/>
       </p:transition>
     </mc:Choice>
-    <mc:Fallback xmlns="">
+    <mc:Fallback>
       <p:transition>
         <p:fade/>
       </p:transition>
@@ -27676,13 +27668,13 @@
   <p:clrMapOvr>
     <a:masterClrMapping/>
   </p:clrMapOvr>
-  <mc:AlternateContent xmlns:mc="http://schemas.openxmlformats.org/markup-compatibility/2006" xmlns:p14="http://schemas.microsoft.com/office/powerpoint/2010/main">
-    <mc:Choice Requires="p14">
+  <mc:AlternateContent xmlns:mc="http://schemas.openxmlformats.org/markup-compatibility/2006">
+    <mc:Choice xmlns:p14="http://schemas.microsoft.com/office/powerpoint/2010/main" Requires="p14">
       <p:transition p14:dur="300">
         <p:fade/>
       </p:transition>
     </mc:Choice>
-    <mc:Fallback xmlns="">
+    <mc:Fallback>
       <p:transition>
         <p:fade/>
       </p:transition>
@@ -27710,9 +27702,15 @@
       </p:grpSpPr>
       <p:sp>
         <p:nvSpPr>
-          <p:cNvPr id="4098" name="Rectangle 2"/>
-          <p:cNvSpPr>
-            <a:spLocks noGrp="1" noChangeArrowheads="1"/>
+          <p:cNvPr id="11" name="Title 3">
+            <a:extLst>
+              <a:ext uri="{FF2B5EF4-FFF2-40B4-BE49-F238E27FC236}">
+                <a16:creationId xmlns:a16="http://schemas.microsoft.com/office/drawing/2014/main" id="{4E604A7F-4B49-4FDE-B247-CED3E88C9DED}"/>
+              </a:ext>
+            </a:extLst>
+          </p:cNvPr>
+          <p:cNvSpPr>
+            <a:spLocks noGrp="1"/>
           </p:cNvSpPr>
           <p:nvPr>
             <p:ph type="title"/>
@@ -27723,63 +27721,30 @@
             <a:off x="0" y="1219199"/>
             <a:ext cx="12192000" cy="1143000"/>
           </a:xfrm>
-          <a:noFill/>
-          <a:ln>
-            <a:noFill/>
-          </a:ln>
-          <a:effectLst/>
-          <a:extLst>
-            <a:ext uri="{909E8E84-426E-40DD-AFC4-6F175D3DCCD1}">
-              <a14:hiddenFill xmlns:a14="http://schemas.microsoft.com/office/drawing/2010/main">
-                <a:solidFill>
-                  <a:schemeClr val="accent1"/>
-                </a:solidFill>
-              </a14:hiddenFill>
-            </a:ext>
-            <a:ext uri="{91240B29-F687-4F45-9708-019B960494DF}">
-              <a14:hiddenLine xmlns:a14="http://schemas.microsoft.com/office/drawing/2010/main" w="9525" cap="flat" cmpd="sng" algn="ctr">
-                <a:solidFill>
-                  <a:schemeClr val="tx1"/>
-                </a:solidFill>
-                <a:prstDash val="solid"/>
-                <a:miter lim="800000"/>
-                <a:headEnd/>
-                <a:tailEnd/>
-              </a14:hiddenLine>
-            </a:ext>
-            <a:ext uri="{AF507438-7753-43E0-B8FC-AC1667EBCBE1}">
-              <a14:hiddenEffects xmlns:a14="http://schemas.microsoft.com/office/drawing/2010/main">
-                <a:effectLst>
-                  <a:outerShdw dist="35921" dir="2700000" algn="ctr" rotWithShape="0">
-                    <a:schemeClr val="bg2"/>
-                  </a:outerShdw>
-                </a:effectLst>
-              </a14:hiddenEffects>
-            </a:ext>
-          </a:extLst>
-        </p:spPr>
-        <p:txBody>
-          <a:bodyPr vert="horz" wrap="square" lIns="91440" tIns="45720" rIns="91440" bIns="45720" numCol="1" anchor="ctr" anchorCtr="0" compatLnSpc="1">
-            <a:prstTxWarp prst="textNoShape">
-              <a:avLst/>
-            </a:prstTxWarp>
-            <a:spAutoFit/>
-          </a:bodyPr>
+        </p:spPr>
+        <p:txBody>
+          <a:bodyPr/>
           <a:lstStyle/>
           <a:p>
             <a:r>
-              <a:rPr lang="ar-SA" altLang="en-US" dirty="0"/>
-              <a:t>اَللَّهُمَّ صَلِّ عَلٰى مُحَمَّدٍ وَآلِ مُحَمَّدٍ</a:t>
-            </a:r>
-            <a:endParaRPr lang="en-US" altLang="en-US" dirty="0"/>
-          </a:p>
-        </p:txBody>
-      </p:sp>
-      <p:sp>
-        <p:nvSpPr>
-          <p:cNvPr id="4099" name="Rectangle 3"/>
-          <p:cNvSpPr>
-            <a:spLocks noGrp="1" noChangeArrowheads="1"/>
+              <a:rPr lang="ar-SA" dirty="0"/>
+              <a:t>أَللّٰهُمَّ صَلِّ عَلٰى مُحَمَّدٍ وَآلِ مُحَمَّدٍ</a:t>
+            </a:r>
+            <a:endParaRPr lang="en-US" dirty="0"/>
+          </a:p>
+        </p:txBody>
+      </p:sp>
+      <p:sp>
+        <p:nvSpPr>
+          <p:cNvPr id="12" name="Subtitle 4">
+            <a:extLst>
+              <a:ext uri="{FF2B5EF4-FFF2-40B4-BE49-F238E27FC236}">
+                <a16:creationId xmlns:a16="http://schemas.microsoft.com/office/drawing/2014/main" id="{0A3FC473-E56A-4E2F-BE7C-7E2CF70D6289}"/>
+              </a:ext>
+            </a:extLst>
+          </p:cNvPr>
+          <p:cNvSpPr>
+            <a:spLocks noGrp="1"/>
           </p:cNvSpPr>
           <p:nvPr>
             <p:ph type="body" sz="quarter" idx="10"/>
@@ -27790,38 +27755,20 @@
             <a:off x="2171700" y="4495801"/>
             <a:ext cx="7848600" cy="1905000"/>
           </a:xfrm>
-          <a:noFill/>
-          <a:extLst>
-            <a:ext uri="{91240B29-F687-4F45-9708-019B960494DF}">
-              <a14:hiddenLine xmlns:a14="http://schemas.microsoft.com/office/drawing/2010/main" w="9525" cap="flat" cmpd="sng" algn="ctr">
-                <a:solidFill>
-                  <a:schemeClr val="tx1"/>
-                </a:solidFill>
-                <a:prstDash val="solid"/>
-                <a:miter lim="800000"/>
-                <a:headEnd/>
-                <a:tailEnd/>
-              </a14:hiddenLine>
-            </a:ext>
-          </a:extLst>
-        </p:spPr>
-        <p:txBody>
-          <a:bodyPr>
-            <a:spAutoFit/>
-          </a:bodyPr>
+        </p:spPr>
+        <p:txBody>
+          <a:bodyPr/>
           <a:lstStyle/>
           <a:p>
             <a:r>
-              <a:rPr lang="en-US" altLang="en-US" dirty="0"/>
-              <a:t>O </a:t>
-            </a:r>
-            <a:r>
-              <a:rPr lang="en-US" altLang="en-US" dirty="0" err="1"/>
-              <a:t>Alláh</a:t>
-            </a:r>
-            <a:r>
-              <a:rPr lang="en-US" altLang="en-US" dirty="0"/>
-              <a:t> bless Muhammad and the family of Muhammad.</a:t>
+              <a:rPr lang="en-US" dirty="0"/>
+              <a:t>O' Allah send Your blessings on Muhammad</a:t>
+            </a:r>
+          </a:p>
+          <a:p>
+            <a:r>
+              <a:rPr lang="en-US" dirty="0"/>
+              <a:t>and the family of Muhammad.</a:t>
             </a:r>
           </a:p>
         </p:txBody>
@@ -27829,20 +27776,20 @@
     </p:spTree>
     <p:extLst>
       <p:ext uri="{BB962C8B-B14F-4D97-AF65-F5344CB8AC3E}">
-        <p14:creationId xmlns:p14="http://schemas.microsoft.com/office/powerpoint/2010/main" val="4016056482"/>
+        <p14:creationId xmlns:p14="http://schemas.microsoft.com/office/powerpoint/2010/main" val="153653240"/>
       </p:ext>
     </p:extLst>
   </p:cSld>
   <p:clrMapOvr>
     <a:masterClrMapping/>
   </p:clrMapOvr>
-  <mc:AlternateContent xmlns:mc="http://schemas.openxmlformats.org/markup-compatibility/2006" xmlns:p14="http://schemas.microsoft.com/office/powerpoint/2010/main">
-    <mc:Choice Requires="p14">
+  <mc:AlternateContent xmlns:mc="http://schemas.openxmlformats.org/markup-compatibility/2006">
+    <mc:Choice xmlns:p14="http://schemas.microsoft.com/office/powerpoint/2010/main" Requires="p14">
       <p:transition p14:dur="300">
         <p:fade/>
       </p:transition>
     </mc:Choice>
-    <mc:Fallback xmlns="">
+    <mc:Fallback>
       <p:transition>
         <p:fade/>
       </p:transition>
